--- a/High-Fidelity/Group 11 - DegreeWorks PLUS High Fidelity.pptx
+++ b/High-Fidelity/Group 11 - DegreeWorks PLUS High Fidelity.pptx
@@ -268,7 +268,7 @@
           <a:p>
             <a:fld id="{F8913712-9EA3-495D-8E31-5788B9E726ED}" type="datetimeFigureOut">
               <a:rPr lang="en-US" smtClean="0"/>
-              <a:t>10/17/2021</a:t>
+              <a:t>10/18/2021</a:t>
             </a:fld>
             <a:endParaRPr lang="en-US"/>
           </a:p>
@@ -466,7 +466,7 @@
           <a:p>
             <a:fld id="{F8913712-9EA3-495D-8E31-5788B9E726ED}" type="datetimeFigureOut">
               <a:rPr lang="en-US" smtClean="0"/>
-              <a:t>10/17/2021</a:t>
+              <a:t>10/18/2021</a:t>
             </a:fld>
             <a:endParaRPr lang="en-US"/>
           </a:p>
@@ -674,7 +674,7 @@
           <a:p>
             <a:fld id="{F8913712-9EA3-495D-8E31-5788B9E726ED}" type="datetimeFigureOut">
               <a:rPr lang="en-US" smtClean="0"/>
-              <a:t>10/17/2021</a:t>
+              <a:t>10/18/2021</a:t>
             </a:fld>
             <a:endParaRPr lang="en-US"/>
           </a:p>
@@ -872,7 +872,7 @@
           <a:p>
             <a:fld id="{F8913712-9EA3-495D-8E31-5788B9E726ED}" type="datetimeFigureOut">
               <a:rPr lang="en-US" smtClean="0"/>
-              <a:t>10/17/2021</a:t>
+              <a:t>10/18/2021</a:t>
             </a:fld>
             <a:endParaRPr lang="en-US"/>
           </a:p>
@@ -1147,7 +1147,7 @@
           <a:p>
             <a:fld id="{F8913712-9EA3-495D-8E31-5788B9E726ED}" type="datetimeFigureOut">
               <a:rPr lang="en-US" smtClean="0"/>
-              <a:t>10/17/2021</a:t>
+              <a:t>10/18/2021</a:t>
             </a:fld>
             <a:endParaRPr lang="en-US"/>
           </a:p>
@@ -1412,7 +1412,7 @@
           <a:p>
             <a:fld id="{F8913712-9EA3-495D-8E31-5788B9E726ED}" type="datetimeFigureOut">
               <a:rPr lang="en-US" smtClean="0"/>
-              <a:t>10/17/2021</a:t>
+              <a:t>10/18/2021</a:t>
             </a:fld>
             <a:endParaRPr lang="en-US"/>
           </a:p>
@@ -1824,7 +1824,7 @@
           <a:p>
             <a:fld id="{F8913712-9EA3-495D-8E31-5788B9E726ED}" type="datetimeFigureOut">
               <a:rPr lang="en-US" smtClean="0"/>
-              <a:t>10/17/2021</a:t>
+              <a:t>10/18/2021</a:t>
             </a:fld>
             <a:endParaRPr lang="en-US"/>
           </a:p>
@@ -1965,7 +1965,7 @@
           <a:p>
             <a:fld id="{F8913712-9EA3-495D-8E31-5788B9E726ED}" type="datetimeFigureOut">
               <a:rPr lang="en-US" smtClean="0"/>
-              <a:t>10/17/2021</a:t>
+              <a:t>10/18/2021</a:t>
             </a:fld>
             <a:endParaRPr lang="en-US"/>
           </a:p>
@@ -2078,7 +2078,7 @@
           <a:p>
             <a:fld id="{F8913712-9EA3-495D-8E31-5788B9E726ED}" type="datetimeFigureOut">
               <a:rPr lang="en-US" smtClean="0"/>
-              <a:t>10/17/2021</a:t>
+              <a:t>10/18/2021</a:t>
             </a:fld>
             <a:endParaRPr lang="en-US"/>
           </a:p>
@@ -2389,7 +2389,7 @@
           <a:p>
             <a:fld id="{F8913712-9EA3-495D-8E31-5788B9E726ED}" type="datetimeFigureOut">
               <a:rPr lang="en-US" smtClean="0"/>
-              <a:t>10/17/2021</a:t>
+              <a:t>10/18/2021</a:t>
             </a:fld>
             <a:endParaRPr lang="en-US"/>
           </a:p>
@@ -2677,7 +2677,7 @@
           <a:p>
             <a:fld id="{F8913712-9EA3-495D-8E31-5788B9E726ED}" type="datetimeFigureOut">
               <a:rPr lang="en-US" smtClean="0"/>
-              <a:t>10/17/2021</a:t>
+              <a:t>10/18/2021</a:t>
             </a:fld>
             <a:endParaRPr lang="en-US"/>
           </a:p>
@@ -2918,7 +2918,7 @@
           <a:p>
             <a:fld id="{F8913712-9EA3-495D-8E31-5788B9E726ED}" type="datetimeFigureOut">
               <a:rPr lang="en-US" smtClean="0"/>
-              <a:t>10/17/2021</a:t>
+              <a:t>10/18/2021</a:t>
             </a:fld>
             <a:endParaRPr lang="en-US"/>
           </a:p>
@@ -11224,42 +11224,6 @@
           <a:chExt cx="0" cy="0"/>
         </a:xfrm>
       </p:grpSpPr>
-      <p:pic>
-        <p:nvPicPr>
-          <p:cNvPr id="30" name="Picture 29">
-            <a:extLst>
-              <a:ext uri="{FF2B5EF4-FFF2-40B4-BE49-F238E27FC236}">
-                <a16:creationId xmlns:a16="http://schemas.microsoft.com/office/drawing/2014/main" id="{FA399FC7-98A4-4A16-A043-98CF280E38E4}"/>
-              </a:ext>
-            </a:extLst>
-          </p:cNvPr>
-          <p:cNvPicPr>
-            <a:picLocks noChangeAspect="1"/>
-          </p:cNvPicPr>
-          <p:nvPr/>
-        </p:nvPicPr>
-        <p:blipFill>
-          <a:blip r:embed="rId2">
-            <a:extLst>
-              <a:ext uri="{28A0092B-C50C-407E-A947-70E740481C1C}">
-                <a14:useLocalDpi xmlns:a14="http://schemas.microsoft.com/office/drawing/2010/main" val="0"/>
-              </a:ext>
-            </a:extLst>
-          </a:blip>
-          <a:stretch>
-            <a:fillRect/>
-          </a:stretch>
-        </p:blipFill>
-        <p:spPr>
-          <a:xfrm>
-            <a:off x="10564908" y="1093403"/>
-            <a:ext cx="1182727" cy="2078916"/>
-          </a:xfrm>
-          <a:prstGeom prst="rect">
-            <a:avLst/>
-          </a:prstGeom>
-        </p:spPr>
-      </p:pic>
       <p:sp>
         <p:nvSpPr>
           <p:cNvPr id="32" name="Rectangle: Top Corners Snipped 31">
@@ -11513,7 +11477,7 @@
       <p:sp>
         <p:nvSpPr>
           <p:cNvPr id="38" name="TextBox 37">
-            <a:hlinkClick r:id="rId3" action="ppaction://hlinksldjump"/>
+            <a:hlinkClick r:id="rId2" action="ppaction://hlinksldjump"/>
             <a:extLst>
               <a:ext uri="{FF2B5EF4-FFF2-40B4-BE49-F238E27FC236}">
                 <a16:creationId xmlns:a16="http://schemas.microsoft.com/office/drawing/2014/main" id="{EF8CD908-BC4D-45A7-9AC8-6EAB2F1E8051}"/>
@@ -12574,7 +12538,7 @@
           <p:nvPr/>
         </p:nvPicPr>
         <p:blipFill>
-          <a:blip r:embed="rId4">
+          <a:blip r:embed="rId3">
             <a:extLst>
               <a:ext uri="{28A0092B-C50C-407E-A947-70E740481C1C}">
                 <a14:useLocalDpi xmlns:a14="http://schemas.microsoft.com/office/drawing/2010/main" val="0"/>
@@ -12598,7 +12562,7 @@
       <p:sp>
         <p:nvSpPr>
           <p:cNvPr id="56" name="Rectangle 55">
-            <a:hlinkClick r:id="rId5" action="ppaction://hlinksldjump"/>
+            <a:hlinkClick r:id="rId4" action="ppaction://hlinksldjump"/>
             <a:extLst>
               <a:ext uri="{FF2B5EF4-FFF2-40B4-BE49-F238E27FC236}">
                 <a16:creationId xmlns:a16="http://schemas.microsoft.com/office/drawing/2014/main" id="{4290D69C-A1D6-4BB3-81AA-CFF2EF40770A}"/>
@@ -12649,7 +12613,7 @@
       <p:sp>
         <p:nvSpPr>
           <p:cNvPr id="57" name="Rectangle 56">
-            <a:hlinkClick r:id="rId6" action="ppaction://hlinksldjump"/>
+            <a:hlinkClick r:id="rId5" action="ppaction://hlinksldjump"/>
             <a:extLst>
               <a:ext uri="{FF2B5EF4-FFF2-40B4-BE49-F238E27FC236}">
                 <a16:creationId xmlns:a16="http://schemas.microsoft.com/office/drawing/2014/main" id="{E79A90CD-08DA-484C-BD0F-5A0A8DFE46F9}"/>
@@ -12700,7 +12664,7 @@
       <p:sp>
         <p:nvSpPr>
           <p:cNvPr id="58" name="Rectangle 57">
-            <a:hlinkClick r:id="rId6" action="ppaction://hlinksldjump"/>
+            <a:hlinkClick r:id="rId5" action="ppaction://hlinksldjump"/>
             <a:extLst>
               <a:ext uri="{FF2B5EF4-FFF2-40B4-BE49-F238E27FC236}">
                 <a16:creationId xmlns:a16="http://schemas.microsoft.com/office/drawing/2014/main" id="{86129ECE-0F06-4D29-9BC4-A002AFE8EE73}"/>
@@ -12787,7 +12751,7 @@
       <p:sp>
         <p:nvSpPr>
           <p:cNvPr id="3" name="Rectangle 2">
-            <a:hlinkClick r:id="rId3" action="ppaction://hlinksldjump"/>
+            <a:hlinkClick r:id="rId2" action="ppaction://hlinksldjump"/>
             <a:extLst>
               <a:ext uri="{FF2B5EF4-FFF2-40B4-BE49-F238E27FC236}">
                 <a16:creationId xmlns:a16="http://schemas.microsoft.com/office/drawing/2014/main" id="{429527C7-76DB-4089-9B79-78471B2F93FF}"/>
@@ -12838,7 +12802,7 @@
       <p:sp>
         <p:nvSpPr>
           <p:cNvPr id="60" name="Rectangle 59">
-            <a:hlinkClick r:id="rId7" action="ppaction://hlinksldjump"/>
+            <a:hlinkClick r:id="rId6" action="ppaction://hlinksldjump"/>
             <a:extLst>
               <a:ext uri="{FF2B5EF4-FFF2-40B4-BE49-F238E27FC236}">
                 <a16:creationId xmlns:a16="http://schemas.microsoft.com/office/drawing/2014/main" id="{9869B959-19CE-40D7-BFF2-8FE827DB4420}"/>
@@ -12889,7 +12853,7 @@
       <p:sp>
         <p:nvSpPr>
           <p:cNvPr id="61" name="Rectangle 60">
-            <a:hlinkClick r:id="rId8" action="ppaction://hlinksldjump"/>
+            <a:hlinkClick r:id="rId7" action="ppaction://hlinksldjump"/>
             <a:extLst>
               <a:ext uri="{FF2B5EF4-FFF2-40B4-BE49-F238E27FC236}">
                 <a16:creationId xmlns:a16="http://schemas.microsoft.com/office/drawing/2014/main" id="{3629FAC7-D5C9-43E3-B229-3722F3AA6291}"/>
@@ -12940,7 +12904,7 @@
       <p:sp>
         <p:nvSpPr>
           <p:cNvPr id="62" name="Rectangle 61">
-            <a:hlinkClick r:id="rId9" action="ppaction://hlinksldjump"/>
+            <a:hlinkClick r:id="rId8" action="ppaction://hlinksldjump"/>
             <a:extLst>
               <a:ext uri="{FF2B5EF4-FFF2-40B4-BE49-F238E27FC236}">
                 <a16:creationId xmlns:a16="http://schemas.microsoft.com/office/drawing/2014/main" id="{85F5D99C-7015-4542-9217-7B9A07A9B277}"/>
@@ -12985,6 +12949,403 @@
           <a:p>
             <a:pPr algn="ctr"/>
             <a:endParaRPr lang="en-US"/>
+          </a:p>
+        </p:txBody>
+      </p:sp>
+      <p:sp>
+        <p:nvSpPr>
+          <p:cNvPr id="4" name="Rectangle: Rounded Corners 3">
+            <a:extLst>
+              <a:ext uri="{FF2B5EF4-FFF2-40B4-BE49-F238E27FC236}">
+                <a16:creationId xmlns:a16="http://schemas.microsoft.com/office/drawing/2014/main" id="{AFE1204E-2F44-4CBC-AA5E-7E98E13AE0B1}"/>
+              </a:ext>
+            </a:extLst>
+          </p:cNvPr>
+          <p:cNvSpPr/>
+          <p:nvPr/>
+        </p:nvSpPr>
+        <p:spPr>
+          <a:xfrm>
+            <a:off x="10482376" y="1086636"/>
+            <a:ext cx="1415846" cy="1483264"/>
+          </a:xfrm>
+          <a:prstGeom prst="roundRect">
+            <a:avLst/>
+          </a:prstGeom>
+          <a:solidFill>
+            <a:schemeClr val="bg2"/>
+          </a:solidFill>
+          <a:ln>
+            <a:solidFill>
+              <a:schemeClr val="accent3"/>
+            </a:solidFill>
+          </a:ln>
+        </p:spPr>
+        <p:style>
+          <a:lnRef idx="2">
+            <a:schemeClr val="accent1">
+              <a:shade val="50000"/>
+            </a:schemeClr>
+          </a:lnRef>
+          <a:fillRef idx="1">
+            <a:schemeClr val="accent1"/>
+          </a:fillRef>
+          <a:effectRef idx="0">
+            <a:schemeClr val="accent1"/>
+          </a:effectRef>
+          <a:fontRef idx="minor">
+            <a:schemeClr val="lt1"/>
+          </a:fontRef>
+        </p:style>
+        <p:txBody>
+          <a:bodyPr rtlCol="0" anchor="ctr"/>
+          <a:lstStyle/>
+          <a:p>
+            <a:pPr algn="ctr"/>
+            <a:endParaRPr lang="en-US"/>
+          </a:p>
+        </p:txBody>
+      </p:sp>
+      <p:sp>
+        <p:nvSpPr>
+          <p:cNvPr id="5" name="TextBox 4">
+            <a:extLst>
+              <a:ext uri="{FF2B5EF4-FFF2-40B4-BE49-F238E27FC236}">
+                <a16:creationId xmlns:a16="http://schemas.microsoft.com/office/drawing/2014/main" id="{D63F3CED-9E41-44C0-8518-FD7ACA9A2030}"/>
+              </a:ext>
+            </a:extLst>
+          </p:cNvPr>
+          <p:cNvSpPr txBox="1"/>
+          <p:nvPr/>
+        </p:nvSpPr>
+        <p:spPr>
+          <a:xfrm>
+            <a:off x="10621048" y="1147560"/>
+            <a:ext cx="861134" cy="369332"/>
+          </a:xfrm>
+          <a:prstGeom prst="rect">
+            <a:avLst/>
+          </a:prstGeom>
+          <a:noFill/>
+        </p:spPr>
+        <p:txBody>
+          <a:bodyPr wrap="square" rtlCol="0">
+            <a:spAutoFit/>
+          </a:bodyPr>
+          <a:lstStyle/>
+          <a:p>
+            <a:r>
+              <a:rPr lang="en-US" dirty="0"/>
+              <a:t>Tips:</a:t>
+            </a:r>
+          </a:p>
+        </p:txBody>
+      </p:sp>
+      <p:sp>
+        <p:nvSpPr>
+          <p:cNvPr id="6" name="TextBox 5">
+            <a:extLst>
+              <a:ext uri="{FF2B5EF4-FFF2-40B4-BE49-F238E27FC236}">
+                <a16:creationId xmlns:a16="http://schemas.microsoft.com/office/drawing/2014/main" id="{B156CB78-F2D5-4B8A-8EA3-9314A6A1303C}"/>
+              </a:ext>
+            </a:extLst>
+          </p:cNvPr>
+          <p:cNvSpPr txBox="1"/>
+          <p:nvPr/>
+        </p:nvSpPr>
+        <p:spPr>
+          <a:xfrm>
+            <a:off x="10663650" y="1720746"/>
+            <a:ext cx="1160615" cy="600164"/>
+          </a:xfrm>
+          <a:prstGeom prst="rect">
+            <a:avLst/>
+          </a:prstGeom>
+          <a:noFill/>
+        </p:spPr>
+        <p:txBody>
+          <a:bodyPr wrap="square" rtlCol="0">
+            <a:spAutoFit/>
+          </a:bodyPr>
+          <a:lstStyle/>
+          <a:p>
+            <a:r>
+              <a:rPr lang="en-US" sz="1100" dirty="0"/>
+              <a:t>Drag and drop classes to change schedule.  </a:t>
+            </a:r>
+          </a:p>
+        </p:txBody>
+      </p:sp>
+      <p:grpSp>
+        <p:nvGrpSpPr>
+          <p:cNvPr id="9" name="Group 8">
+            <a:extLst>
+              <a:ext uri="{FF2B5EF4-FFF2-40B4-BE49-F238E27FC236}">
+                <a16:creationId xmlns:a16="http://schemas.microsoft.com/office/drawing/2014/main" id="{F5612F56-E134-4E84-83BB-84BB61EDCF35}"/>
+              </a:ext>
+            </a:extLst>
+          </p:cNvPr>
+          <p:cNvGrpSpPr/>
+          <p:nvPr/>
+        </p:nvGrpSpPr>
+        <p:grpSpPr>
+          <a:xfrm>
+            <a:off x="6748284" y="1301733"/>
+            <a:ext cx="789118" cy="458517"/>
+            <a:chOff x="3647197" y="1345053"/>
+            <a:chExt cx="789118" cy="458517"/>
+          </a:xfrm>
+        </p:grpSpPr>
+        <p:sp>
+          <p:nvSpPr>
+            <p:cNvPr id="7" name="Rectangle: Rounded Corners 6">
+              <a:extLst>
+                <a:ext uri="{FF2B5EF4-FFF2-40B4-BE49-F238E27FC236}">
+                  <a16:creationId xmlns:a16="http://schemas.microsoft.com/office/drawing/2014/main" id="{94D51524-35F2-4442-AAA4-941F04E68008}"/>
+                </a:ext>
+              </a:extLst>
+            </p:cNvPr>
+            <p:cNvSpPr/>
+            <p:nvPr/>
+          </p:nvSpPr>
+          <p:spPr>
+            <a:xfrm>
+              <a:off x="3647197" y="1345053"/>
+              <a:ext cx="789118" cy="458517"/>
+            </a:xfrm>
+            <a:prstGeom prst="roundRect">
+              <a:avLst/>
+            </a:prstGeom>
+            <a:solidFill>
+              <a:srgbClr val="C00000"/>
+            </a:solidFill>
+          </p:spPr>
+          <p:style>
+            <a:lnRef idx="2">
+              <a:schemeClr val="accent1">
+                <a:shade val="50000"/>
+              </a:schemeClr>
+            </a:lnRef>
+            <a:fillRef idx="1">
+              <a:schemeClr val="accent1"/>
+            </a:fillRef>
+            <a:effectRef idx="0">
+              <a:schemeClr val="accent1"/>
+            </a:effectRef>
+            <a:fontRef idx="minor">
+              <a:schemeClr val="lt1"/>
+            </a:fontRef>
+          </p:style>
+          <p:txBody>
+            <a:bodyPr rtlCol="0" anchor="ctr"/>
+            <a:lstStyle/>
+            <a:p>
+              <a:pPr algn="ctr"/>
+              <a:endParaRPr lang="en-US"/>
+            </a:p>
+          </p:txBody>
+        </p:sp>
+        <p:sp>
+          <p:nvSpPr>
+            <p:cNvPr id="8" name="TextBox 7">
+              <a:extLst>
+                <a:ext uri="{FF2B5EF4-FFF2-40B4-BE49-F238E27FC236}">
+                  <a16:creationId xmlns:a16="http://schemas.microsoft.com/office/drawing/2014/main" id="{B9E1960C-C61A-4645-8FEB-E251923B1EB0}"/>
+                </a:ext>
+              </a:extLst>
+            </p:cNvPr>
+            <p:cNvSpPr txBox="1"/>
+            <p:nvPr/>
+          </p:nvSpPr>
+          <p:spPr>
+            <a:xfrm>
+              <a:off x="3706909" y="1466589"/>
+              <a:ext cx="707272" cy="215444"/>
+            </a:xfrm>
+            <a:prstGeom prst="rect">
+              <a:avLst/>
+            </a:prstGeom>
+            <a:noFill/>
+          </p:spPr>
+          <p:txBody>
+            <a:bodyPr wrap="square" rtlCol="0">
+              <a:spAutoFit/>
+            </a:bodyPr>
+            <a:lstStyle/>
+            <a:p>
+              <a:r>
+                <a:rPr lang="en-US" sz="800" dirty="0"/>
+                <a:t>Alternative</a:t>
+              </a:r>
+            </a:p>
+          </p:txBody>
+        </p:sp>
+      </p:grpSp>
+      <p:sp>
+        <p:nvSpPr>
+          <p:cNvPr id="63" name="Rectangle: Rounded Corners 62">
+            <a:extLst>
+              <a:ext uri="{FF2B5EF4-FFF2-40B4-BE49-F238E27FC236}">
+                <a16:creationId xmlns:a16="http://schemas.microsoft.com/office/drawing/2014/main" id="{10ADDE89-80A6-4A16-B555-279B430031BF}"/>
+              </a:ext>
+            </a:extLst>
+          </p:cNvPr>
+          <p:cNvSpPr/>
+          <p:nvPr/>
+        </p:nvSpPr>
+        <p:spPr>
+          <a:xfrm>
+            <a:off x="7653128" y="1306325"/>
+            <a:ext cx="789118" cy="458517"/>
+          </a:xfrm>
+          <a:prstGeom prst="roundRect">
+            <a:avLst/>
+          </a:prstGeom>
+          <a:solidFill>
+            <a:srgbClr val="7030A0"/>
+          </a:solidFill>
+        </p:spPr>
+        <p:style>
+          <a:lnRef idx="2">
+            <a:schemeClr val="accent1">
+              <a:shade val="50000"/>
+            </a:schemeClr>
+          </a:lnRef>
+          <a:fillRef idx="1">
+            <a:schemeClr val="accent1"/>
+          </a:fillRef>
+          <a:effectRef idx="0">
+            <a:schemeClr val="accent1"/>
+          </a:effectRef>
+          <a:fontRef idx="minor">
+            <a:schemeClr val="lt1"/>
+          </a:fontRef>
+        </p:style>
+        <p:txBody>
+          <a:bodyPr rtlCol="0" anchor="ctr"/>
+          <a:lstStyle/>
+          <a:p>
+            <a:pPr algn="ctr"/>
+            <a:endParaRPr lang="en-US"/>
+          </a:p>
+        </p:txBody>
+      </p:sp>
+      <p:sp>
+        <p:nvSpPr>
+          <p:cNvPr id="64" name="TextBox 63">
+            <a:extLst>
+              <a:ext uri="{FF2B5EF4-FFF2-40B4-BE49-F238E27FC236}">
+                <a16:creationId xmlns:a16="http://schemas.microsoft.com/office/drawing/2014/main" id="{1A0821CF-572D-4DC9-8B58-260A0AE9B866}"/>
+              </a:ext>
+            </a:extLst>
+          </p:cNvPr>
+          <p:cNvSpPr txBox="1"/>
+          <p:nvPr/>
+        </p:nvSpPr>
+        <p:spPr>
+          <a:xfrm>
+            <a:off x="7611621" y="1423269"/>
+            <a:ext cx="872131" cy="215444"/>
+          </a:xfrm>
+          <a:prstGeom prst="rect">
+            <a:avLst/>
+          </a:prstGeom>
+          <a:noFill/>
+        </p:spPr>
+        <p:txBody>
+          <a:bodyPr wrap="square" rtlCol="0">
+            <a:spAutoFit/>
+          </a:bodyPr>
+          <a:lstStyle/>
+          <a:p>
+            <a:r>
+              <a:rPr lang="en-US" sz="800" dirty="0"/>
+              <a:t>Can be changed.</a:t>
+            </a:r>
+          </a:p>
+        </p:txBody>
+      </p:sp>
+      <p:sp>
+        <p:nvSpPr>
+          <p:cNvPr id="65" name="Rectangle: Rounded Corners 64">
+            <a:extLst>
+              <a:ext uri="{FF2B5EF4-FFF2-40B4-BE49-F238E27FC236}">
+                <a16:creationId xmlns:a16="http://schemas.microsoft.com/office/drawing/2014/main" id="{BB3C90E3-A9E1-4DB2-84CC-FC88809725F2}"/>
+              </a:ext>
+            </a:extLst>
+          </p:cNvPr>
+          <p:cNvSpPr/>
+          <p:nvPr/>
+        </p:nvSpPr>
+        <p:spPr>
+          <a:xfrm>
+            <a:off x="8580918" y="1305997"/>
+            <a:ext cx="789118" cy="458517"/>
+          </a:xfrm>
+          <a:prstGeom prst="roundRect">
+            <a:avLst/>
+          </a:prstGeom>
+          <a:solidFill>
+            <a:schemeClr val="accent6"/>
+          </a:solidFill>
+        </p:spPr>
+        <p:style>
+          <a:lnRef idx="2">
+            <a:schemeClr val="accent1">
+              <a:shade val="50000"/>
+            </a:schemeClr>
+          </a:lnRef>
+          <a:fillRef idx="1">
+            <a:schemeClr val="accent1"/>
+          </a:fillRef>
+          <a:effectRef idx="0">
+            <a:schemeClr val="accent1"/>
+          </a:effectRef>
+          <a:fontRef idx="minor">
+            <a:schemeClr val="lt1"/>
+          </a:fontRef>
+        </p:style>
+        <p:txBody>
+          <a:bodyPr rtlCol="0" anchor="ctr"/>
+          <a:lstStyle/>
+          <a:p>
+            <a:pPr algn="ctr"/>
+            <a:endParaRPr lang="en-US"/>
+          </a:p>
+        </p:txBody>
+      </p:sp>
+      <p:sp>
+        <p:nvSpPr>
+          <p:cNvPr id="66" name="TextBox 65">
+            <a:extLst>
+              <a:ext uri="{FF2B5EF4-FFF2-40B4-BE49-F238E27FC236}">
+                <a16:creationId xmlns:a16="http://schemas.microsoft.com/office/drawing/2014/main" id="{E00BEBE4-524B-44B6-99E4-6C4027FECE57}"/>
+              </a:ext>
+            </a:extLst>
+          </p:cNvPr>
+          <p:cNvSpPr txBox="1"/>
+          <p:nvPr/>
+        </p:nvSpPr>
+        <p:spPr>
+          <a:xfrm>
+            <a:off x="8708594" y="1420127"/>
+            <a:ext cx="612749" cy="215444"/>
+          </a:xfrm>
+          <a:prstGeom prst="rect">
+            <a:avLst/>
+          </a:prstGeom>
+          <a:noFill/>
+        </p:spPr>
+        <p:txBody>
+          <a:bodyPr wrap="square" rtlCol="0">
+            <a:spAutoFit/>
+          </a:bodyPr>
+          <a:lstStyle/>
+          <a:p>
+            <a:r>
+              <a:rPr lang="en-US" sz="800" dirty="0"/>
+              <a:t>Required</a:t>
+            </a:r>
           </a:p>
         </p:txBody>
       </p:sp>

--- a/High-Fidelity/Group 11 - DegreeWorks PLUS High Fidelity.pptx
+++ b/High-Fidelity/Group 11 - DegreeWorks PLUS High Fidelity.pptx
@@ -15,6 +15,9 @@
     <p:sldId id="256" r:id="rId9"/>
     <p:sldId id="264" r:id="rId10"/>
     <p:sldId id="265" r:id="rId11"/>
+    <p:sldId id="266" r:id="rId12"/>
+    <p:sldId id="267" r:id="rId13"/>
+    <p:sldId id="268" r:id="rId14"/>
   </p:sldIdLst>
   <p:sldSz cx="12192000" cy="6858000"/>
   <p:notesSz cx="6858000" cy="9144000"/>
@@ -119,6 +122,82 @@
     </p:ext>
   </p:extLst>
 </p:presentation>
+</file>
+
+<file path=ppt/activeX/activeX1.xml><?xml version="1.0" encoding="utf-8"?>
+<ax:ocx xmlns:ax="http://schemas.microsoft.com/office/2006/activeX" xmlns:r="http://schemas.openxmlformats.org/officeDocument/2006/relationships" ax:classid="{8BD21D10-EC42-11CE-9E0D-00AA006002F3}" ax:persistence="persistStorage" r:id="rId1"/>
+</file>
+
+<file path=ppt/activeX/activeX10.xml><?xml version="1.0" encoding="utf-8"?>
+<ax:ocx xmlns:ax="http://schemas.microsoft.com/office/2006/activeX" xmlns:r="http://schemas.openxmlformats.org/officeDocument/2006/relationships" ax:classid="{8BD21D10-EC42-11CE-9E0D-00AA006002F3}" ax:persistence="persistStorage" r:id="rId1"/>
+</file>
+
+<file path=ppt/activeX/activeX11.xml><?xml version="1.0" encoding="utf-8"?>
+<ax:ocx xmlns:ax="http://schemas.microsoft.com/office/2006/activeX" xmlns:r="http://schemas.openxmlformats.org/officeDocument/2006/relationships" ax:classid="{8BD21D10-EC42-11CE-9E0D-00AA006002F3}" ax:persistence="persistStorage" r:id="rId1"/>
+</file>
+
+<file path=ppt/activeX/activeX12.xml><?xml version="1.0" encoding="utf-8"?>
+<ax:ocx xmlns:ax="http://schemas.microsoft.com/office/2006/activeX" xmlns:r="http://schemas.openxmlformats.org/officeDocument/2006/relationships" ax:classid="{8BD21D10-EC42-11CE-9E0D-00AA006002F3}" ax:persistence="persistStorage" r:id="rId1"/>
+</file>
+
+<file path=ppt/activeX/activeX13.xml><?xml version="1.0" encoding="utf-8"?>
+<ax:ocx xmlns:ax="http://schemas.microsoft.com/office/2006/activeX" xmlns:r="http://schemas.openxmlformats.org/officeDocument/2006/relationships" ax:classid="{8BD21D10-EC42-11CE-9E0D-00AA006002F3}" ax:persistence="persistStorage" r:id="rId1"/>
+</file>
+
+<file path=ppt/activeX/activeX14.xml><?xml version="1.0" encoding="utf-8"?>
+<ax:ocx xmlns:ax="http://schemas.microsoft.com/office/2006/activeX" xmlns:r="http://schemas.openxmlformats.org/officeDocument/2006/relationships" ax:classid="{8BD21D10-EC42-11CE-9E0D-00AA006002F3}" ax:persistence="persistStorage" r:id="rId1"/>
+</file>
+
+<file path=ppt/activeX/activeX15.xml><?xml version="1.0" encoding="utf-8"?>
+<ax:ocx xmlns:ax="http://schemas.microsoft.com/office/2006/activeX" xmlns:r="http://schemas.openxmlformats.org/officeDocument/2006/relationships" ax:classid="{8BD21D10-EC42-11CE-9E0D-00AA006002F3}" ax:persistence="persistStorage" r:id="rId1"/>
+</file>
+
+<file path=ppt/activeX/activeX16.xml><?xml version="1.0" encoding="utf-8"?>
+<ax:ocx xmlns:ax="http://schemas.microsoft.com/office/2006/activeX" xmlns:r="http://schemas.openxmlformats.org/officeDocument/2006/relationships" ax:classid="{8BD21D10-EC42-11CE-9E0D-00AA006002F3}" ax:persistence="persistStorage" r:id="rId1"/>
+</file>
+
+<file path=ppt/activeX/activeX17.xml><?xml version="1.0" encoding="utf-8"?>
+<ax:ocx xmlns:ax="http://schemas.microsoft.com/office/2006/activeX" xmlns:r="http://schemas.openxmlformats.org/officeDocument/2006/relationships" ax:classid="{8BD21D10-EC42-11CE-9E0D-00AA006002F3}" ax:persistence="persistStorage" r:id="rId1"/>
+</file>
+
+<file path=ppt/activeX/activeX18.xml><?xml version="1.0" encoding="utf-8"?>
+<ax:ocx xmlns:ax="http://schemas.microsoft.com/office/2006/activeX" xmlns:r="http://schemas.openxmlformats.org/officeDocument/2006/relationships" ax:classid="{8BD21D10-EC42-11CE-9E0D-00AA006002F3}" ax:persistence="persistStorage" r:id="rId1"/>
+</file>
+
+<file path=ppt/activeX/activeX19.xml><?xml version="1.0" encoding="utf-8"?>
+<ax:ocx xmlns:ax="http://schemas.microsoft.com/office/2006/activeX" xmlns:r="http://schemas.openxmlformats.org/officeDocument/2006/relationships" ax:classid="{8BD21D10-EC42-11CE-9E0D-00AA006002F3}" ax:persistence="persistStorage" r:id="rId1"/>
+</file>
+
+<file path=ppt/activeX/activeX2.xml><?xml version="1.0" encoding="utf-8"?>
+<ax:ocx xmlns:ax="http://schemas.microsoft.com/office/2006/activeX" xmlns:r="http://schemas.openxmlformats.org/officeDocument/2006/relationships" ax:classid="{8BD21D10-EC42-11CE-9E0D-00AA006002F3}" ax:persistence="persistStorage" r:id="rId1"/>
+</file>
+
+<file path=ppt/activeX/activeX3.xml><?xml version="1.0" encoding="utf-8"?>
+<ax:ocx xmlns:ax="http://schemas.microsoft.com/office/2006/activeX" xmlns:r="http://schemas.openxmlformats.org/officeDocument/2006/relationships" ax:classid="{8BD21D10-EC42-11CE-9E0D-00AA006002F3}" ax:persistence="persistStorage" r:id="rId1"/>
+</file>
+
+<file path=ppt/activeX/activeX4.xml><?xml version="1.0" encoding="utf-8"?>
+<ax:ocx xmlns:ax="http://schemas.microsoft.com/office/2006/activeX" xmlns:r="http://schemas.openxmlformats.org/officeDocument/2006/relationships" ax:classid="{8BD21D10-EC42-11CE-9E0D-00AA006002F3}" ax:persistence="persistStorage" r:id="rId1"/>
+</file>
+
+<file path=ppt/activeX/activeX5.xml><?xml version="1.0" encoding="utf-8"?>
+<ax:ocx xmlns:ax="http://schemas.microsoft.com/office/2006/activeX" xmlns:r="http://schemas.openxmlformats.org/officeDocument/2006/relationships" ax:classid="{8BD21D10-EC42-11CE-9E0D-00AA006002F3}" ax:persistence="persistStorage" r:id="rId1"/>
+</file>
+
+<file path=ppt/activeX/activeX6.xml><?xml version="1.0" encoding="utf-8"?>
+<ax:ocx xmlns:ax="http://schemas.microsoft.com/office/2006/activeX" xmlns:r="http://schemas.openxmlformats.org/officeDocument/2006/relationships" ax:classid="{8BD21D10-EC42-11CE-9E0D-00AA006002F3}" ax:persistence="persistStorage" r:id="rId1"/>
+</file>
+
+<file path=ppt/activeX/activeX7.xml><?xml version="1.0" encoding="utf-8"?>
+<ax:ocx xmlns:ax="http://schemas.microsoft.com/office/2006/activeX" xmlns:r="http://schemas.openxmlformats.org/officeDocument/2006/relationships" ax:classid="{8BD21D10-EC42-11CE-9E0D-00AA006002F3}" ax:persistence="persistStorage" r:id="rId1"/>
+</file>
+
+<file path=ppt/activeX/activeX8.xml><?xml version="1.0" encoding="utf-8"?>
+<ax:ocx xmlns:ax="http://schemas.microsoft.com/office/2006/activeX" xmlns:r="http://schemas.openxmlformats.org/officeDocument/2006/relationships" ax:classid="{8BD21D10-EC42-11CE-9E0D-00AA006002F3}" ax:persistence="persistStorage" r:id="rId1"/>
+</file>
+
+<file path=ppt/activeX/activeX9.xml><?xml version="1.0" encoding="utf-8"?>
+<ax:ocx xmlns:ax="http://schemas.microsoft.com/office/2006/activeX" xmlns:r="http://schemas.openxmlformats.org/officeDocument/2006/relationships" ax:classid="{8BD21D10-EC42-11CE-9E0D-00AA006002F3}" ax:persistence="persistStorage" r:id="rId1"/>
 </file>
 
 <file path=ppt/slideLayouts/slideLayout1.xml><?xml version="1.0" encoding="utf-8"?>
@@ -4665,8 +4744,8 @@
         </p:nvSpPr>
         <p:spPr>
           <a:xfrm>
-            <a:off x="1812022" y="1853773"/>
-            <a:ext cx="11012151" cy="3416320"/>
+            <a:off x="1369571" y="1805210"/>
+            <a:ext cx="1269735" cy="3416320"/>
           </a:xfrm>
           <a:prstGeom prst="rect">
             <a:avLst/>
@@ -4679,60 +4758,72 @@
           </a:bodyPr>
           <a:lstStyle/>
           <a:p>
+            <a:pPr algn="r"/>
             <a:r>
               <a:rPr lang="en-US" dirty="0"/>
               <a:t>Name:</a:t>
             </a:r>
           </a:p>
           <a:p>
+            <a:pPr algn="r"/>
             <a:endParaRPr lang="en-US" dirty="0"/>
           </a:p>
           <a:p>
+            <a:pPr algn="r"/>
             <a:r>
               <a:rPr lang="en-US" dirty="0"/>
               <a:t>Email:</a:t>
             </a:r>
           </a:p>
           <a:p>
+            <a:pPr algn="r"/>
             <a:endParaRPr lang="en-US" dirty="0"/>
           </a:p>
           <a:p>
+            <a:pPr algn="r"/>
             <a:r>
               <a:rPr lang="en-US" dirty="0"/>
               <a:t>College:</a:t>
             </a:r>
           </a:p>
           <a:p>
+            <a:pPr algn="r"/>
             <a:endParaRPr lang="en-US" dirty="0"/>
           </a:p>
           <a:p>
+            <a:pPr algn="r"/>
             <a:r>
               <a:rPr lang="en-US" dirty="0"/>
               <a:t>Major:</a:t>
             </a:r>
           </a:p>
           <a:p>
+            <a:pPr algn="r"/>
             <a:endParaRPr lang="en-US" dirty="0"/>
           </a:p>
           <a:p>
+            <a:pPr algn="r"/>
             <a:r>
               <a:rPr lang="en-US" dirty="0"/>
               <a:t>Minor:</a:t>
             </a:r>
           </a:p>
           <a:p>
+            <a:pPr algn="r"/>
             <a:endParaRPr lang="en-US" dirty="0"/>
           </a:p>
           <a:p>
+            <a:pPr algn="r"/>
             <a:r>
               <a:rPr lang="en-US" dirty="0"/>
               <a:t>Career </a:t>
             </a:r>
           </a:p>
           <a:p>
+            <a:pPr algn="r"/>
             <a:r>
               <a:rPr lang="en-US" dirty="0"/>
-              <a:t>Choice:</a:t>
+              <a:t>Interest:</a:t>
             </a:r>
           </a:p>
         </p:txBody>
@@ -4843,348 +4934,6 @@
           </a:p>
         </p:txBody>
       </p:sp>
-      <p:sp>
-        <p:nvSpPr>
-          <p:cNvPr id="13" name="TextBox 12">
-            <a:extLst>
-              <a:ext uri="{FF2B5EF4-FFF2-40B4-BE49-F238E27FC236}">
-                <a16:creationId xmlns:a16="http://schemas.microsoft.com/office/drawing/2014/main" id="{BCFF317D-6709-42BF-A8EE-891BDDAE7E42}"/>
-              </a:ext>
-            </a:extLst>
-          </p:cNvPr>
-          <p:cNvSpPr txBox="1"/>
-          <p:nvPr/>
-        </p:nvSpPr>
-        <p:spPr>
-          <a:xfrm>
-            <a:off x="2638542" y="1873348"/>
-            <a:ext cx="2219417" cy="369332"/>
-          </a:xfrm>
-          <a:prstGeom prst="rect">
-            <a:avLst/>
-          </a:prstGeom>
-          <a:solidFill>
-            <a:schemeClr val="bg1"/>
-          </a:solidFill>
-          <a:ln>
-            <a:solidFill>
-              <a:schemeClr val="tx1"/>
-            </a:solidFill>
-          </a:ln>
-        </p:spPr>
-        <p:txBody>
-          <a:bodyPr wrap="square" rtlCol="0">
-            <a:spAutoFit/>
-          </a:bodyPr>
-          <a:lstStyle/>
-          <a:p>
-            <a:pPr algn="ctr"/>
-            <a:r>
-              <a:rPr lang="en-US" dirty="0">
-                <a:solidFill>
-                  <a:schemeClr val="bg2">
-                    <a:lumMod val="75000"/>
-                  </a:schemeClr>
-                </a:solidFill>
-              </a:rPr>
-              <a:t>First Name</a:t>
-            </a:r>
-          </a:p>
-        </p:txBody>
-      </p:sp>
-      <p:sp>
-        <p:nvSpPr>
-          <p:cNvPr id="36" name="TextBox 35">
-            <a:extLst>
-              <a:ext uri="{FF2B5EF4-FFF2-40B4-BE49-F238E27FC236}">
-                <a16:creationId xmlns:a16="http://schemas.microsoft.com/office/drawing/2014/main" id="{127DE175-6DA6-4F94-9972-72690C70B220}"/>
-              </a:ext>
-            </a:extLst>
-          </p:cNvPr>
-          <p:cNvSpPr txBox="1"/>
-          <p:nvPr/>
-        </p:nvSpPr>
-        <p:spPr>
-          <a:xfrm>
-            <a:off x="2638543" y="4808025"/>
-            <a:ext cx="7589665" cy="320815"/>
-          </a:xfrm>
-          <a:prstGeom prst="rect">
-            <a:avLst/>
-          </a:prstGeom>
-          <a:solidFill>
-            <a:schemeClr val="bg1"/>
-          </a:solidFill>
-          <a:ln>
-            <a:solidFill>
-              <a:schemeClr val="tx1"/>
-            </a:solidFill>
-          </a:ln>
-        </p:spPr>
-        <p:txBody>
-          <a:bodyPr wrap="square" rtlCol="0">
-            <a:spAutoFit/>
-          </a:bodyPr>
-          <a:lstStyle/>
-          <a:p>
-            <a:endParaRPr lang="en-US" dirty="0"/>
-          </a:p>
-        </p:txBody>
-      </p:sp>
-      <p:sp>
-        <p:nvSpPr>
-          <p:cNvPr id="47" name="TextBox 46">
-            <a:extLst>
-              <a:ext uri="{FF2B5EF4-FFF2-40B4-BE49-F238E27FC236}">
-                <a16:creationId xmlns:a16="http://schemas.microsoft.com/office/drawing/2014/main" id="{11EA3720-D0C1-42F8-8871-BAE8EC9A3169}"/>
-              </a:ext>
-            </a:extLst>
-          </p:cNvPr>
-          <p:cNvSpPr txBox="1"/>
-          <p:nvPr/>
-        </p:nvSpPr>
-        <p:spPr>
-          <a:xfrm>
-            <a:off x="2638543" y="4071021"/>
-            <a:ext cx="7589665" cy="320815"/>
-          </a:xfrm>
-          <a:prstGeom prst="rect">
-            <a:avLst/>
-          </a:prstGeom>
-          <a:solidFill>
-            <a:schemeClr val="bg1"/>
-          </a:solidFill>
-          <a:ln>
-            <a:solidFill>
-              <a:schemeClr val="tx1"/>
-            </a:solidFill>
-          </a:ln>
-        </p:spPr>
-        <p:txBody>
-          <a:bodyPr wrap="square" rtlCol="0">
-            <a:spAutoFit/>
-          </a:bodyPr>
-          <a:lstStyle/>
-          <a:p>
-            <a:endParaRPr lang="en-US" dirty="0"/>
-          </a:p>
-        </p:txBody>
-      </p:sp>
-      <p:sp>
-        <p:nvSpPr>
-          <p:cNvPr id="48" name="TextBox 47">
-            <a:extLst>
-              <a:ext uri="{FF2B5EF4-FFF2-40B4-BE49-F238E27FC236}">
-                <a16:creationId xmlns:a16="http://schemas.microsoft.com/office/drawing/2014/main" id="{3DBC82FA-36AA-41B4-8AC3-7F8DA4C3EAD3}"/>
-              </a:ext>
-            </a:extLst>
-          </p:cNvPr>
-          <p:cNvSpPr txBox="1"/>
-          <p:nvPr/>
-        </p:nvSpPr>
-        <p:spPr>
-          <a:xfrm>
-            <a:off x="2638542" y="2408374"/>
-            <a:ext cx="7589665" cy="320815"/>
-          </a:xfrm>
-          <a:prstGeom prst="rect">
-            <a:avLst/>
-          </a:prstGeom>
-          <a:solidFill>
-            <a:schemeClr val="bg1"/>
-          </a:solidFill>
-          <a:ln>
-            <a:solidFill>
-              <a:schemeClr val="tx1"/>
-            </a:solidFill>
-          </a:ln>
-        </p:spPr>
-        <p:txBody>
-          <a:bodyPr wrap="square" rtlCol="0">
-            <a:spAutoFit/>
-          </a:bodyPr>
-          <a:lstStyle/>
-          <a:p>
-            <a:endParaRPr lang="en-US" dirty="0"/>
-          </a:p>
-        </p:txBody>
-      </p:sp>
-      <p:sp>
-        <p:nvSpPr>
-          <p:cNvPr id="49" name="TextBox 48">
-            <a:extLst>
-              <a:ext uri="{FF2B5EF4-FFF2-40B4-BE49-F238E27FC236}">
-                <a16:creationId xmlns:a16="http://schemas.microsoft.com/office/drawing/2014/main" id="{613A47B5-9F33-4B75-AACD-F51504A274F6}"/>
-              </a:ext>
-            </a:extLst>
-          </p:cNvPr>
-          <p:cNvSpPr txBox="1"/>
-          <p:nvPr/>
-        </p:nvSpPr>
-        <p:spPr>
-          <a:xfrm>
-            <a:off x="2638543" y="2986883"/>
-            <a:ext cx="7589665" cy="320815"/>
-          </a:xfrm>
-          <a:prstGeom prst="rect">
-            <a:avLst/>
-          </a:prstGeom>
-          <a:solidFill>
-            <a:schemeClr val="bg1"/>
-          </a:solidFill>
-          <a:ln>
-            <a:solidFill>
-              <a:schemeClr val="tx1"/>
-            </a:solidFill>
-          </a:ln>
-        </p:spPr>
-        <p:txBody>
-          <a:bodyPr wrap="square" rtlCol="0">
-            <a:spAutoFit/>
-          </a:bodyPr>
-          <a:lstStyle/>
-          <a:p>
-            <a:endParaRPr lang="en-US" dirty="0"/>
-          </a:p>
-        </p:txBody>
-      </p:sp>
-      <p:sp>
-        <p:nvSpPr>
-          <p:cNvPr id="50" name="TextBox 49">
-            <a:extLst>
-              <a:ext uri="{FF2B5EF4-FFF2-40B4-BE49-F238E27FC236}">
-                <a16:creationId xmlns:a16="http://schemas.microsoft.com/office/drawing/2014/main" id="{A0D1D98B-0F4A-4689-BFE0-42CF0484902E}"/>
-              </a:ext>
-            </a:extLst>
-          </p:cNvPr>
-          <p:cNvSpPr txBox="1"/>
-          <p:nvPr/>
-        </p:nvSpPr>
-        <p:spPr>
-          <a:xfrm>
-            <a:off x="2638543" y="3542111"/>
-            <a:ext cx="7589665" cy="320815"/>
-          </a:xfrm>
-          <a:prstGeom prst="rect">
-            <a:avLst/>
-          </a:prstGeom>
-          <a:solidFill>
-            <a:schemeClr val="bg1"/>
-          </a:solidFill>
-          <a:ln>
-            <a:solidFill>
-              <a:schemeClr val="tx1"/>
-            </a:solidFill>
-          </a:ln>
-        </p:spPr>
-        <p:txBody>
-          <a:bodyPr wrap="square" rtlCol="0">
-            <a:spAutoFit/>
-          </a:bodyPr>
-          <a:lstStyle/>
-          <a:p>
-            <a:endParaRPr lang="en-US" dirty="0"/>
-          </a:p>
-        </p:txBody>
-      </p:sp>
-      <p:sp>
-        <p:nvSpPr>
-          <p:cNvPr id="30" name="TextBox 29">
-            <a:extLst>
-              <a:ext uri="{FF2B5EF4-FFF2-40B4-BE49-F238E27FC236}">
-                <a16:creationId xmlns:a16="http://schemas.microsoft.com/office/drawing/2014/main" id="{9BFBA11B-5174-4DBE-AF3F-A6BF792CCC1F}"/>
-              </a:ext>
-            </a:extLst>
-          </p:cNvPr>
-          <p:cNvSpPr txBox="1"/>
-          <p:nvPr/>
-        </p:nvSpPr>
-        <p:spPr>
-          <a:xfrm>
-            <a:off x="5275665" y="1867637"/>
-            <a:ext cx="2225517" cy="369332"/>
-          </a:xfrm>
-          <a:prstGeom prst="rect">
-            <a:avLst/>
-          </a:prstGeom>
-          <a:solidFill>
-            <a:schemeClr val="bg1"/>
-          </a:solidFill>
-          <a:ln>
-            <a:solidFill>
-              <a:schemeClr val="tx1"/>
-            </a:solidFill>
-          </a:ln>
-        </p:spPr>
-        <p:txBody>
-          <a:bodyPr wrap="square" rtlCol="0">
-            <a:spAutoFit/>
-          </a:bodyPr>
-          <a:lstStyle/>
-          <a:p>
-            <a:pPr algn="ctr"/>
-            <a:r>
-              <a:rPr lang="en-US" dirty="0">
-                <a:solidFill>
-                  <a:schemeClr val="bg2">
-                    <a:lumMod val="75000"/>
-                  </a:schemeClr>
-                </a:solidFill>
-              </a:rPr>
-              <a:t>Middle Name</a:t>
-            </a:r>
-          </a:p>
-        </p:txBody>
-      </p:sp>
-      <p:sp>
-        <p:nvSpPr>
-          <p:cNvPr id="43" name="TextBox 42">
-            <a:extLst>
-              <a:ext uri="{FF2B5EF4-FFF2-40B4-BE49-F238E27FC236}">
-                <a16:creationId xmlns:a16="http://schemas.microsoft.com/office/drawing/2014/main" id="{7A6D111C-6E49-4A08-A4D0-8A8C70BD8304}"/>
-              </a:ext>
-            </a:extLst>
-          </p:cNvPr>
-          <p:cNvSpPr txBox="1"/>
-          <p:nvPr/>
-        </p:nvSpPr>
-        <p:spPr>
-          <a:xfrm>
-            <a:off x="7918889" y="1858733"/>
-            <a:ext cx="2309319" cy="369332"/>
-          </a:xfrm>
-          <a:prstGeom prst="rect">
-            <a:avLst/>
-          </a:prstGeom>
-          <a:solidFill>
-            <a:schemeClr val="bg1"/>
-          </a:solidFill>
-          <a:ln>
-            <a:solidFill>
-              <a:schemeClr val="tx1"/>
-            </a:solidFill>
-          </a:ln>
-        </p:spPr>
-        <p:txBody>
-          <a:bodyPr wrap="square" rtlCol="0">
-            <a:spAutoFit/>
-          </a:bodyPr>
-          <a:lstStyle/>
-          <a:p>
-            <a:pPr algn="ctr"/>
-            <a:r>
-              <a:rPr lang="en-US" dirty="0">
-                <a:solidFill>
-                  <a:schemeClr val="bg2">
-                    <a:lumMod val="75000"/>
-                  </a:schemeClr>
-                </a:solidFill>
-              </a:rPr>
-              <a:t>Last Name</a:t>
-            </a:r>
-          </a:p>
-        </p:txBody>
-      </p:sp>
       <p:pic>
         <p:nvPicPr>
           <p:cNvPr id="10" name="Picture 9" descr="Logo&#10;&#10;Description automatically generated">
@@ -5200,7 +4949,7 @@
           <p:nvPr/>
         </p:nvPicPr>
         <p:blipFill>
-          <a:blip r:embed="rId2">
+          <a:blip r:embed="rId11">
             <a:extLst>
               <a:ext uri="{28A0092B-C50C-407E-A947-70E740481C1C}">
                 <a14:useLocalDpi xmlns:a14="http://schemas.microsoft.com/office/drawing/2010/main" val="0"/>
@@ -5278,7 +5027,7 @@
       <p:sp>
         <p:nvSpPr>
           <p:cNvPr id="46" name="Rectangle 45">
-            <a:hlinkClick r:id="rId3" action="ppaction://hlinksldjump"/>
+            <a:hlinkClick r:id="rId12" action="ppaction://hlinksldjump"/>
             <a:extLst>
               <a:ext uri="{FF2B5EF4-FFF2-40B4-BE49-F238E27FC236}">
                 <a16:creationId xmlns:a16="http://schemas.microsoft.com/office/drawing/2014/main" id="{05D3371D-1F42-498D-BE4F-2CF1A14B6371}"/>
@@ -5329,7 +5078,7 @@
       <p:sp>
         <p:nvSpPr>
           <p:cNvPr id="51" name="Rectangle 50">
-            <a:hlinkClick r:id="rId4" action="ppaction://hlinksldjump"/>
+            <a:hlinkClick r:id="rId13" action="ppaction://hlinksldjump"/>
             <a:extLst>
               <a:ext uri="{FF2B5EF4-FFF2-40B4-BE49-F238E27FC236}">
                 <a16:creationId xmlns:a16="http://schemas.microsoft.com/office/drawing/2014/main" id="{2E9D1FE1-DBD7-4D87-B737-DB60580C6135}"/>
@@ -5380,7 +5129,7 @@
       <p:sp>
         <p:nvSpPr>
           <p:cNvPr id="52" name="Rectangle 51">
-            <a:hlinkClick r:id="rId4" action="ppaction://hlinksldjump"/>
+            <a:hlinkClick r:id="rId13" action="ppaction://hlinksldjump"/>
             <a:extLst>
               <a:ext uri="{FF2B5EF4-FFF2-40B4-BE49-F238E27FC236}">
                 <a16:creationId xmlns:a16="http://schemas.microsoft.com/office/drawing/2014/main" id="{CC546847-B2C9-484A-A0AB-686719506F3A}"/>
@@ -5431,7 +5180,7 @@
       <p:sp>
         <p:nvSpPr>
           <p:cNvPr id="53" name="Rectangle 52">
-            <a:hlinkClick r:id="rId5" action="ppaction://hlinksldjump"/>
+            <a:hlinkClick r:id="rId14" action="ppaction://hlinksldjump"/>
             <a:extLst>
               <a:ext uri="{FF2B5EF4-FFF2-40B4-BE49-F238E27FC236}">
                 <a16:creationId xmlns:a16="http://schemas.microsoft.com/office/drawing/2014/main" id="{92B26AEE-17DE-4141-937B-520B57078F1C}"/>
@@ -5479,10 +5228,3322 @@
           </a:p>
         </p:txBody>
       </p:sp>
+      <p:sp>
+        <p:nvSpPr>
+          <p:cNvPr id="35" name="Rectangle 34">
+            <a:hlinkClick r:id="rId15" action="ppaction://hlinksldjump"/>
+            <a:extLst>
+              <a:ext uri="{FF2B5EF4-FFF2-40B4-BE49-F238E27FC236}">
+                <a16:creationId xmlns:a16="http://schemas.microsoft.com/office/drawing/2014/main" id="{66B875C9-06DE-435C-B73E-1C076A289EF0}"/>
+              </a:ext>
+            </a:extLst>
+          </p:cNvPr>
+          <p:cNvSpPr/>
+          <p:nvPr/>
+        </p:nvSpPr>
+        <p:spPr>
+          <a:xfrm>
+            <a:off x="5504637" y="5391109"/>
+            <a:ext cx="1182726" cy="399495"/>
+          </a:xfrm>
+          <a:prstGeom prst="rect">
+            <a:avLst/>
+          </a:prstGeom>
+          <a:noFill/>
+          <a:ln>
+            <a:noFill/>
+          </a:ln>
+        </p:spPr>
+        <p:style>
+          <a:lnRef idx="2">
+            <a:schemeClr val="accent1">
+              <a:shade val="50000"/>
+            </a:schemeClr>
+          </a:lnRef>
+          <a:fillRef idx="1">
+            <a:schemeClr val="accent1"/>
+          </a:fillRef>
+          <a:effectRef idx="0">
+            <a:schemeClr val="accent1"/>
+          </a:effectRef>
+          <a:fontRef idx="minor">
+            <a:schemeClr val="lt1"/>
+          </a:fontRef>
+        </p:style>
+        <p:txBody>
+          <a:bodyPr rtlCol="0" anchor="ctr"/>
+          <a:lstStyle/>
+          <a:p>
+            <a:pPr algn="ctr"/>
+            <a:endParaRPr lang="en-US"/>
+          </a:p>
+        </p:txBody>
+      </p:sp>
+    </p:spTree>
+    <p:controls>
+      <mc:AlternateContent xmlns:mc="http://schemas.openxmlformats.org/markup-compatibility/2006">
+        <mc:Choice xmlns:v="urn:schemas-microsoft-com:vml" Requires="v">
+          <p:control spid="1130" name="TextBox1" r:id="rId2" imgW="2219400" imgH="380880"/>
+        </mc:Choice>
+        <mc:Fallback>
+          <p:control name="TextBox1" r:id="rId2" imgW="2219400" imgH="380880">
+            <p:pic>
+              <p:nvPicPr>
+                <p:cNvPr id="2" name="TextBox1">
+                  <a:extLst>
+                    <a:ext uri="{FF2B5EF4-FFF2-40B4-BE49-F238E27FC236}">
+                      <a16:creationId xmlns:a16="http://schemas.microsoft.com/office/drawing/2014/main" id="{D7698BDC-632D-4F36-B29D-039DF5931B46}"/>
+                    </a:ext>
+                  </a:extLst>
+                </p:cNvPr>
+                <p:cNvPicPr>
+                  <a:picLocks/>
+                </p:cNvPicPr>
+                <p:nvPr/>
+              </p:nvPicPr>
+              <p:blipFill>
+                <a:blip r:embed="rId16"/>
+                <a:stretch>
+                  <a:fillRect/>
+                </a:stretch>
+              </p:blipFill>
+              <p:spPr>
+                <a:xfrm>
+                  <a:off x="2638542" y="1817005"/>
+                  <a:ext cx="2219325" cy="381525"/>
+                </a:xfrm>
+                <a:prstGeom prst="rect">
+                  <a:avLst/>
+                </a:prstGeom>
+              </p:spPr>
+            </p:pic>
+          </p:control>
+        </mc:Fallback>
+      </mc:AlternateContent>
+      <mc:AlternateContent xmlns:mc="http://schemas.openxmlformats.org/markup-compatibility/2006">
+        <mc:Choice xmlns:v="urn:schemas-microsoft-com:vml" Requires="v">
+          <p:control spid="1131" name="TextBox2" r:id="rId3" imgW="2219400" imgH="380880"/>
+        </mc:Choice>
+        <mc:Fallback>
+          <p:control name="TextBox2" r:id="rId3" imgW="2219400" imgH="380880">
+            <p:pic>
+              <p:nvPicPr>
+                <p:cNvPr id="26" name="TextBox2">
+                  <a:extLst>
+                    <a:ext uri="{FF2B5EF4-FFF2-40B4-BE49-F238E27FC236}">
+                      <a16:creationId xmlns:a16="http://schemas.microsoft.com/office/drawing/2014/main" id="{E35D8A42-F77F-46DB-B317-3E811CF6014A}"/>
+                    </a:ext>
+                  </a:extLst>
+                </p:cNvPr>
+                <p:cNvPicPr>
+                  <a:picLocks/>
+                </p:cNvPicPr>
+                <p:nvPr/>
+              </p:nvPicPr>
+              <p:blipFill>
+                <a:blip r:embed="rId17"/>
+                <a:stretch>
+                  <a:fillRect/>
+                </a:stretch>
+              </p:blipFill>
+              <p:spPr>
+                <a:xfrm>
+                  <a:off x="8008882" y="1793083"/>
+                  <a:ext cx="2219325" cy="381525"/>
+                </a:xfrm>
+                <a:prstGeom prst="rect">
+                  <a:avLst/>
+                </a:prstGeom>
+              </p:spPr>
+            </p:pic>
+          </p:control>
+        </mc:Fallback>
+      </mc:AlternateContent>
+      <mc:AlternateContent xmlns:mc="http://schemas.openxmlformats.org/markup-compatibility/2006">
+        <mc:Choice xmlns:v="urn:schemas-microsoft-com:vml" Requires="v">
+          <p:control spid="1132" name="TextBox3" r:id="rId4" imgW="2219400" imgH="380880"/>
+        </mc:Choice>
+        <mc:Fallback>
+          <p:control name="TextBox3" r:id="rId4" imgW="2219400" imgH="380880">
+            <p:pic>
+              <p:nvPicPr>
+                <p:cNvPr id="27" name="TextBox3">
+                  <a:extLst>
+                    <a:ext uri="{FF2B5EF4-FFF2-40B4-BE49-F238E27FC236}">
+                      <a16:creationId xmlns:a16="http://schemas.microsoft.com/office/drawing/2014/main" id="{E7190FC7-67DD-405C-9616-846E16B6A693}"/>
+                    </a:ext>
+                  </a:extLst>
+                </p:cNvPr>
+                <p:cNvPicPr>
+                  <a:picLocks/>
+                </p:cNvPicPr>
+                <p:nvPr/>
+              </p:nvPicPr>
+              <p:blipFill>
+                <a:blip r:embed="rId17"/>
+                <a:stretch>
+                  <a:fillRect/>
+                </a:stretch>
+              </p:blipFill>
+              <p:spPr>
+                <a:xfrm>
+                  <a:off x="5323712" y="1818754"/>
+                  <a:ext cx="2219325" cy="381525"/>
+                </a:xfrm>
+                <a:prstGeom prst="rect">
+                  <a:avLst/>
+                </a:prstGeom>
+              </p:spPr>
+            </p:pic>
+          </p:control>
+        </mc:Fallback>
+      </mc:AlternateContent>
+      <mc:AlternateContent xmlns:mc="http://schemas.openxmlformats.org/markup-compatibility/2006">
+        <mc:Choice xmlns:v="urn:schemas-microsoft-com:vml" Requires="v">
+          <p:control spid="1133" name="TextBox4" r:id="rId5" imgW="7591320" imgH="380880"/>
+        </mc:Choice>
+        <mc:Fallback>
+          <p:control name="TextBox4" r:id="rId5" imgW="7591320" imgH="380880">
+            <p:pic>
+              <p:nvPicPr>
+                <p:cNvPr id="28" name="TextBox4">
+                  <a:extLst>
+                    <a:ext uri="{FF2B5EF4-FFF2-40B4-BE49-F238E27FC236}">
+                      <a16:creationId xmlns:a16="http://schemas.microsoft.com/office/drawing/2014/main" id="{324EB040-A9C4-4300-A720-99A8DBDD00E5}"/>
+                    </a:ext>
+                  </a:extLst>
+                </p:cNvPr>
+                <p:cNvPicPr>
+                  <a:picLocks/>
+                </p:cNvPicPr>
+                <p:nvPr/>
+              </p:nvPicPr>
+              <p:blipFill>
+                <a:blip r:embed="rId18"/>
+                <a:stretch>
+                  <a:fillRect/>
+                </a:stretch>
+              </p:blipFill>
+              <p:spPr>
+                <a:xfrm>
+                  <a:off x="2638538" y="2325278"/>
+                  <a:ext cx="7589665" cy="381525"/>
+                </a:xfrm>
+                <a:prstGeom prst="rect">
+                  <a:avLst/>
+                </a:prstGeom>
+              </p:spPr>
+            </p:pic>
+          </p:control>
+        </mc:Fallback>
+      </mc:AlternateContent>
+      <mc:AlternateContent xmlns:mc="http://schemas.openxmlformats.org/markup-compatibility/2006">
+        <mc:Choice xmlns:v="urn:schemas-microsoft-com:vml" Requires="v">
+          <p:control spid="1134" name="TextBox5" r:id="rId6" imgW="7591320" imgH="380880"/>
+        </mc:Choice>
+        <mc:Fallback>
+          <p:control name="TextBox5" r:id="rId6" imgW="7591320" imgH="380880">
+            <p:pic>
+              <p:nvPicPr>
+                <p:cNvPr id="29" name="TextBox5">
+                  <a:extLst>
+                    <a:ext uri="{FF2B5EF4-FFF2-40B4-BE49-F238E27FC236}">
+                      <a16:creationId xmlns:a16="http://schemas.microsoft.com/office/drawing/2014/main" id="{BC54C45E-C00D-4FA0-8744-594AC9114601}"/>
+                    </a:ext>
+                  </a:extLst>
+                </p:cNvPr>
+                <p:cNvPicPr>
+                  <a:picLocks/>
+                </p:cNvPicPr>
+                <p:nvPr/>
+              </p:nvPicPr>
+              <p:blipFill>
+                <a:blip r:embed="rId18"/>
+                <a:stretch>
+                  <a:fillRect/>
+                </a:stretch>
+              </p:blipFill>
+              <p:spPr>
+                <a:xfrm>
+                  <a:off x="2638538" y="2841384"/>
+                  <a:ext cx="7589665" cy="381525"/>
+                </a:xfrm>
+                <a:prstGeom prst="rect">
+                  <a:avLst/>
+                </a:prstGeom>
+              </p:spPr>
+            </p:pic>
+          </p:control>
+        </mc:Fallback>
+      </mc:AlternateContent>
+      <mc:AlternateContent xmlns:mc="http://schemas.openxmlformats.org/markup-compatibility/2006">
+        <mc:Choice xmlns:v="urn:schemas-microsoft-com:vml" Requires="v">
+          <p:control spid="1135" name="TextBox6" r:id="rId7" imgW="7591320" imgH="380880"/>
+        </mc:Choice>
+        <mc:Fallback>
+          <p:control name="TextBox6" r:id="rId7" imgW="7591320" imgH="380880">
+            <p:pic>
+              <p:nvPicPr>
+                <p:cNvPr id="32" name="TextBox6">
+                  <a:extLst>
+                    <a:ext uri="{FF2B5EF4-FFF2-40B4-BE49-F238E27FC236}">
+                      <a16:creationId xmlns:a16="http://schemas.microsoft.com/office/drawing/2014/main" id="{F448362B-4D5B-41C8-935A-8B2FBBB7BDDF}"/>
+                    </a:ext>
+                  </a:extLst>
+                </p:cNvPr>
+                <p:cNvPicPr>
+                  <a:picLocks/>
+                </p:cNvPicPr>
+                <p:nvPr/>
+              </p:nvPicPr>
+              <p:blipFill>
+                <a:blip r:embed="rId18"/>
+                <a:stretch>
+                  <a:fillRect/>
+                </a:stretch>
+              </p:blipFill>
+              <p:spPr>
+                <a:xfrm>
+                  <a:off x="2638537" y="3411340"/>
+                  <a:ext cx="7589665" cy="381525"/>
+                </a:xfrm>
+                <a:prstGeom prst="rect">
+                  <a:avLst/>
+                </a:prstGeom>
+              </p:spPr>
+            </p:pic>
+          </p:control>
+        </mc:Fallback>
+      </mc:AlternateContent>
+      <mc:AlternateContent xmlns:mc="http://schemas.openxmlformats.org/markup-compatibility/2006">
+        <mc:Choice xmlns:v="urn:schemas-microsoft-com:vml" Requires="v">
+          <p:control spid="1136" name="TextBox7" r:id="rId8" imgW="7591320" imgH="380880"/>
+        </mc:Choice>
+        <mc:Fallback>
+          <p:control name="TextBox7" r:id="rId8" imgW="7591320" imgH="380880">
+            <p:pic>
+              <p:nvPicPr>
+                <p:cNvPr id="33" name="TextBox7">
+                  <a:extLst>
+                    <a:ext uri="{FF2B5EF4-FFF2-40B4-BE49-F238E27FC236}">
+                      <a16:creationId xmlns:a16="http://schemas.microsoft.com/office/drawing/2014/main" id="{0EBCB0DF-D51C-4C7C-A66F-0290DC6087B7}"/>
+                    </a:ext>
+                  </a:extLst>
+                </p:cNvPr>
+                <p:cNvPicPr>
+                  <a:picLocks/>
+                </p:cNvPicPr>
+                <p:nvPr/>
+              </p:nvPicPr>
+              <p:blipFill>
+                <a:blip r:embed="rId18"/>
+                <a:stretch>
+                  <a:fillRect/>
+                </a:stretch>
+              </p:blipFill>
+              <p:spPr>
+                <a:xfrm>
+                  <a:off x="2638537" y="3971732"/>
+                  <a:ext cx="7589665" cy="381525"/>
+                </a:xfrm>
+                <a:prstGeom prst="rect">
+                  <a:avLst/>
+                </a:prstGeom>
+              </p:spPr>
+            </p:pic>
+          </p:control>
+        </mc:Fallback>
+      </mc:AlternateContent>
+      <mc:AlternateContent xmlns:mc="http://schemas.openxmlformats.org/markup-compatibility/2006">
+        <mc:Choice xmlns:v="urn:schemas-microsoft-com:vml" Requires="v">
+          <p:control spid="1137" name="TextBox8" r:id="rId9" imgW="7591320" imgH="380880"/>
+        </mc:Choice>
+        <mc:Fallback>
+          <p:control name="TextBox8" r:id="rId9" imgW="7591320" imgH="380880">
+            <p:pic>
+              <p:nvPicPr>
+                <p:cNvPr id="34" name="TextBox8">
+                  <a:extLst>
+                    <a:ext uri="{FF2B5EF4-FFF2-40B4-BE49-F238E27FC236}">
+                      <a16:creationId xmlns:a16="http://schemas.microsoft.com/office/drawing/2014/main" id="{B5765B2D-85B9-4F54-99A6-F4D6A1EE8CEC}"/>
+                    </a:ext>
+                  </a:extLst>
+                </p:cNvPr>
+                <p:cNvPicPr>
+                  <a:picLocks/>
+                </p:cNvPicPr>
+                <p:nvPr/>
+              </p:nvPicPr>
+              <p:blipFill>
+                <a:blip r:embed="rId18"/>
+                <a:stretch>
+                  <a:fillRect/>
+                </a:stretch>
+              </p:blipFill>
+              <p:spPr>
+                <a:xfrm>
+                  <a:off x="2638537" y="4744346"/>
+                  <a:ext cx="7589665" cy="381525"/>
+                </a:xfrm>
+                <a:prstGeom prst="rect">
+                  <a:avLst/>
+                </a:prstGeom>
+              </p:spPr>
+            </p:pic>
+          </p:control>
+        </mc:Fallback>
+      </mc:AlternateContent>
+    </p:controls>
+    <p:extLst>
+      <p:ext uri="{BB962C8B-B14F-4D97-AF65-F5344CB8AC3E}">
+        <p14:creationId xmlns:p14="http://schemas.microsoft.com/office/powerpoint/2010/main" val="1925264102"/>
+      </p:ext>
+    </p:extLst>
+  </p:cSld>
+  <p:clrMapOvr>
+    <a:masterClrMapping/>
+  </p:clrMapOvr>
+</p:sld>
+</file>
+
+<file path=ppt/slides/slide11.xml><?xml version="1.0" encoding="utf-8"?>
+<p:sld xmlns:a="http://schemas.openxmlformats.org/drawingml/2006/main" xmlns:r="http://schemas.openxmlformats.org/officeDocument/2006/relationships" xmlns:p="http://schemas.openxmlformats.org/presentationml/2006/main">
+  <p:cSld>
+    <p:spTree>
+      <p:nvGrpSpPr>
+        <p:cNvPr id="1" name=""/>
+        <p:cNvGrpSpPr/>
+        <p:nvPr/>
+      </p:nvGrpSpPr>
+      <p:grpSpPr>
+        <a:xfrm>
+          <a:off x="0" y="0"/>
+          <a:ext cx="0" cy="0"/>
+          <a:chOff x="0" y="0"/>
+          <a:chExt cx="0" cy="0"/>
+        </a:xfrm>
+      </p:grpSpPr>
+      <p:sp>
+        <p:nvSpPr>
+          <p:cNvPr id="45" name="Rectangle 44">
+            <a:extLst>
+              <a:ext uri="{FF2B5EF4-FFF2-40B4-BE49-F238E27FC236}">
+                <a16:creationId xmlns:a16="http://schemas.microsoft.com/office/drawing/2014/main" id="{E448BBBF-D84C-4FF3-BD3C-9ADE6945E108}"/>
+              </a:ext>
+            </a:extLst>
+          </p:cNvPr>
+          <p:cNvSpPr/>
+          <p:nvPr/>
+        </p:nvSpPr>
+        <p:spPr>
+          <a:xfrm>
+            <a:off x="-1" y="6238036"/>
+            <a:ext cx="12192000" cy="630314"/>
+          </a:xfrm>
+          <a:prstGeom prst="rect">
+            <a:avLst/>
+          </a:prstGeom>
+          <a:solidFill>
+            <a:schemeClr val="bg1">
+              <a:lumMod val="95000"/>
+            </a:schemeClr>
+          </a:solidFill>
+          <a:ln w="38100">
+            <a:solidFill>
+              <a:srgbClr val="005035"/>
+            </a:solidFill>
+          </a:ln>
+        </p:spPr>
+        <p:style>
+          <a:lnRef idx="2">
+            <a:schemeClr val="accent1">
+              <a:shade val="50000"/>
+            </a:schemeClr>
+          </a:lnRef>
+          <a:fillRef idx="1">
+            <a:schemeClr val="accent1"/>
+          </a:fillRef>
+          <a:effectRef idx="0">
+            <a:schemeClr val="accent1"/>
+          </a:effectRef>
+          <a:fontRef idx="minor">
+            <a:schemeClr val="lt1"/>
+          </a:fontRef>
+        </p:style>
+        <p:txBody>
+          <a:bodyPr rtlCol="0" anchor="ctr"/>
+          <a:lstStyle/>
+          <a:p>
+            <a:pPr algn="ctr"/>
+            <a:endParaRPr lang="en-US"/>
+          </a:p>
+        </p:txBody>
+      </p:sp>
+      <p:sp>
+        <p:nvSpPr>
+          <p:cNvPr id="4" name="Rectangle 3">
+            <a:extLst>
+              <a:ext uri="{FF2B5EF4-FFF2-40B4-BE49-F238E27FC236}">
+                <a16:creationId xmlns:a16="http://schemas.microsoft.com/office/drawing/2014/main" id="{6DD2732E-FDC8-45C7-BB85-7A92B0639642}"/>
+              </a:ext>
+            </a:extLst>
+          </p:cNvPr>
+          <p:cNvSpPr/>
+          <p:nvPr/>
+        </p:nvSpPr>
+        <p:spPr>
+          <a:xfrm>
+            <a:off x="0" y="0"/>
+            <a:ext cx="12192000" cy="630314"/>
+          </a:xfrm>
+          <a:prstGeom prst="rect">
+            <a:avLst/>
+          </a:prstGeom>
+          <a:solidFill>
+            <a:schemeClr val="bg1">
+              <a:lumMod val="95000"/>
+            </a:schemeClr>
+          </a:solidFill>
+          <a:ln w="38100">
+            <a:solidFill>
+              <a:srgbClr val="005035"/>
+            </a:solidFill>
+          </a:ln>
+        </p:spPr>
+        <p:style>
+          <a:lnRef idx="2">
+            <a:schemeClr val="accent1">
+              <a:shade val="50000"/>
+            </a:schemeClr>
+          </a:lnRef>
+          <a:fillRef idx="1">
+            <a:schemeClr val="accent1"/>
+          </a:fillRef>
+          <a:effectRef idx="0">
+            <a:schemeClr val="accent1"/>
+          </a:effectRef>
+          <a:fontRef idx="minor">
+            <a:schemeClr val="lt1"/>
+          </a:fontRef>
+        </p:style>
+        <p:txBody>
+          <a:bodyPr rtlCol="0" anchor="ctr"/>
+          <a:lstStyle/>
+          <a:p>
+            <a:pPr algn="ctr"/>
+            <a:endParaRPr lang="en-US"/>
+          </a:p>
+        </p:txBody>
+      </p:sp>
+      <p:sp>
+        <p:nvSpPr>
+          <p:cNvPr id="8" name="TextBox 7">
+            <a:extLst>
+              <a:ext uri="{FF2B5EF4-FFF2-40B4-BE49-F238E27FC236}">
+                <a16:creationId xmlns:a16="http://schemas.microsoft.com/office/drawing/2014/main" id="{87019874-CE38-4427-9800-8DF69A74AA31}"/>
+              </a:ext>
+            </a:extLst>
+          </p:cNvPr>
+          <p:cNvSpPr txBox="1"/>
+          <p:nvPr/>
+        </p:nvSpPr>
+        <p:spPr>
+          <a:xfrm>
+            <a:off x="7833064" y="111827"/>
+            <a:ext cx="4358936" cy="369332"/>
+          </a:xfrm>
+          <a:prstGeom prst="rect">
+            <a:avLst/>
+          </a:prstGeom>
+          <a:noFill/>
+          <a:ln>
+            <a:noFill/>
+          </a:ln>
+        </p:spPr>
+        <p:txBody>
+          <a:bodyPr wrap="square" rtlCol="0">
+            <a:spAutoFit/>
+          </a:bodyPr>
+          <a:lstStyle/>
+          <a:p>
+            <a:pPr algn="ctr"/>
+            <a:r>
+              <a:rPr lang="en-US" dirty="0">
+                <a:solidFill>
+                  <a:srgbClr val="005035"/>
+                </a:solidFill>
+              </a:rPr>
+              <a:t>Home   </a:t>
+            </a:r>
+            <a:r>
+              <a:rPr lang="en-US" dirty="0">
+                <a:solidFill>
+                  <a:srgbClr val="BFAE7F"/>
+                </a:solidFill>
+              </a:rPr>
+              <a:t>|</a:t>
+            </a:r>
+            <a:r>
+              <a:rPr lang="en-US" dirty="0">
+                <a:solidFill>
+                  <a:srgbClr val="005035"/>
+                </a:solidFill>
+              </a:rPr>
+              <a:t>   About   </a:t>
+            </a:r>
+            <a:r>
+              <a:rPr lang="en-US" dirty="0">
+                <a:solidFill>
+                  <a:srgbClr val="BFAE7F"/>
+                </a:solidFill>
+              </a:rPr>
+              <a:t>|</a:t>
+            </a:r>
+            <a:r>
+              <a:rPr lang="en-US" dirty="0">
+                <a:solidFill>
+                  <a:srgbClr val="005035"/>
+                </a:solidFill>
+              </a:rPr>
+              <a:t> Networking   </a:t>
+            </a:r>
+            <a:r>
+              <a:rPr lang="en-US" dirty="0">
+                <a:solidFill>
+                  <a:srgbClr val="BFAE7F"/>
+                </a:solidFill>
+              </a:rPr>
+              <a:t>|</a:t>
+            </a:r>
+            <a:r>
+              <a:rPr lang="en-US" dirty="0">
+                <a:solidFill>
+                  <a:srgbClr val="005035"/>
+                </a:solidFill>
+              </a:rPr>
+              <a:t>   Login</a:t>
+            </a:r>
+          </a:p>
+        </p:txBody>
+      </p:sp>
+      <p:sp>
+        <p:nvSpPr>
+          <p:cNvPr id="22" name="TextBox 21">
+            <a:extLst>
+              <a:ext uri="{FF2B5EF4-FFF2-40B4-BE49-F238E27FC236}">
+                <a16:creationId xmlns:a16="http://schemas.microsoft.com/office/drawing/2014/main" id="{521B6C31-20E4-4B90-8C88-ECCA224F71E3}"/>
+              </a:ext>
+            </a:extLst>
+          </p:cNvPr>
+          <p:cNvSpPr txBox="1"/>
+          <p:nvPr/>
+        </p:nvSpPr>
+        <p:spPr>
+          <a:xfrm>
+            <a:off x="1110787" y="116328"/>
+            <a:ext cx="3728622" cy="369332"/>
+          </a:xfrm>
+          <a:prstGeom prst="rect">
+            <a:avLst/>
+          </a:prstGeom>
+          <a:noFill/>
+        </p:spPr>
+        <p:txBody>
+          <a:bodyPr wrap="square" rtlCol="0">
+            <a:spAutoFit/>
+          </a:bodyPr>
+          <a:lstStyle/>
+          <a:p>
+            <a:pPr algn="ctr"/>
+            <a:r>
+              <a:rPr lang="en-US" dirty="0">
+                <a:solidFill>
+                  <a:srgbClr val="005035"/>
+                </a:solidFill>
+              </a:rPr>
+              <a:t>Degree Works</a:t>
+            </a:r>
+          </a:p>
+        </p:txBody>
+      </p:sp>
+      <p:sp>
+        <p:nvSpPr>
+          <p:cNvPr id="24" name="TextBox 23">
+            <a:extLst>
+              <a:ext uri="{FF2B5EF4-FFF2-40B4-BE49-F238E27FC236}">
+                <a16:creationId xmlns:a16="http://schemas.microsoft.com/office/drawing/2014/main" id="{273A3718-CD45-4282-9D1F-825036D47828}"/>
+              </a:ext>
+            </a:extLst>
+          </p:cNvPr>
+          <p:cNvSpPr txBox="1"/>
+          <p:nvPr/>
+        </p:nvSpPr>
+        <p:spPr>
+          <a:xfrm>
+            <a:off x="9916358" y="6368527"/>
+            <a:ext cx="1722268" cy="369332"/>
+          </a:xfrm>
+          <a:prstGeom prst="rect">
+            <a:avLst/>
+          </a:prstGeom>
+          <a:noFill/>
+        </p:spPr>
+        <p:txBody>
+          <a:bodyPr wrap="square" rtlCol="0">
+            <a:spAutoFit/>
+          </a:bodyPr>
+          <a:lstStyle/>
+          <a:p>
+            <a:pPr algn="ctr"/>
+            <a:r>
+              <a:rPr lang="en-US" dirty="0">
+                <a:solidFill>
+                  <a:srgbClr val="005035"/>
+                </a:solidFill>
+              </a:rPr>
+              <a:t>? Help   </a:t>
+            </a:r>
+            <a:r>
+              <a:rPr lang="en-US" dirty="0">
+                <a:solidFill>
+                  <a:srgbClr val="BFAE7F"/>
+                </a:solidFill>
+              </a:rPr>
+              <a:t>|</a:t>
+            </a:r>
+            <a:r>
+              <a:rPr lang="en-US" dirty="0">
+                <a:solidFill>
+                  <a:srgbClr val="005035"/>
+                </a:solidFill>
+              </a:rPr>
+              <a:t>   FAQ</a:t>
+            </a:r>
+          </a:p>
+        </p:txBody>
+      </p:sp>
+      <p:sp>
+        <p:nvSpPr>
+          <p:cNvPr id="31" name="Rectangle 30">
+            <a:extLst>
+              <a:ext uri="{FF2B5EF4-FFF2-40B4-BE49-F238E27FC236}">
+                <a16:creationId xmlns:a16="http://schemas.microsoft.com/office/drawing/2014/main" id="{78A7008B-1A66-4BA5-AD4C-E4F4F0F71328}"/>
+              </a:ext>
+            </a:extLst>
+          </p:cNvPr>
+          <p:cNvSpPr/>
+          <p:nvPr/>
+        </p:nvSpPr>
+        <p:spPr>
+          <a:xfrm>
+            <a:off x="3136032" y="999140"/>
+            <a:ext cx="5919933" cy="4870069"/>
+          </a:xfrm>
+          <a:prstGeom prst="rect">
+            <a:avLst/>
+          </a:prstGeom>
+          <a:solidFill>
+            <a:schemeClr val="bg1">
+              <a:lumMod val="95000"/>
+            </a:schemeClr>
+          </a:solidFill>
+          <a:ln>
+            <a:solidFill>
+              <a:srgbClr val="005035"/>
+            </a:solidFill>
+          </a:ln>
+        </p:spPr>
+        <p:style>
+          <a:lnRef idx="2">
+            <a:schemeClr val="accent1">
+              <a:shade val="50000"/>
+            </a:schemeClr>
+          </a:lnRef>
+          <a:fillRef idx="1">
+            <a:schemeClr val="accent1"/>
+          </a:fillRef>
+          <a:effectRef idx="0">
+            <a:schemeClr val="accent1"/>
+          </a:effectRef>
+          <a:fontRef idx="minor">
+            <a:schemeClr val="lt1"/>
+          </a:fontRef>
+        </p:style>
+        <p:txBody>
+          <a:bodyPr rtlCol="0" anchor="ctr"/>
+          <a:lstStyle/>
+          <a:p>
+            <a:pPr algn="ctr"/>
+            <a:endParaRPr lang="en-US"/>
+          </a:p>
+        </p:txBody>
+      </p:sp>
+      <p:sp>
+        <p:nvSpPr>
+          <p:cNvPr id="42" name="TextBox 41">
+            <a:extLst>
+              <a:ext uri="{FF2B5EF4-FFF2-40B4-BE49-F238E27FC236}">
+                <a16:creationId xmlns:a16="http://schemas.microsoft.com/office/drawing/2014/main" id="{31DC238A-E5D8-40C8-B0B4-8DBA471EA1D6}"/>
+              </a:ext>
+            </a:extLst>
+          </p:cNvPr>
+          <p:cNvSpPr txBox="1"/>
+          <p:nvPr/>
+        </p:nvSpPr>
+        <p:spPr>
+          <a:xfrm>
+            <a:off x="3474395" y="1539673"/>
+            <a:ext cx="2219325" cy="461665"/>
+          </a:xfrm>
+          <a:prstGeom prst="rect">
+            <a:avLst/>
+          </a:prstGeom>
+          <a:noFill/>
+        </p:spPr>
+        <p:txBody>
+          <a:bodyPr wrap="square" rtlCol="0">
+            <a:spAutoFit/>
+          </a:bodyPr>
+          <a:lstStyle/>
+          <a:p>
+            <a:pPr algn="ctr"/>
+            <a:r>
+              <a:rPr lang="en-US" sz="2400" b="1" dirty="0">
+                <a:solidFill>
+                  <a:srgbClr val="005035"/>
+                </a:solidFill>
+              </a:rPr>
+              <a:t>Connect With:</a:t>
+            </a:r>
+            <a:endParaRPr lang="en-US" b="1" dirty="0">
+              <a:solidFill>
+                <a:srgbClr val="005035"/>
+              </a:solidFill>
+            </a:endParaRPr>
+          </a:p>
+        </p:txBody>
+      </p:sp>
+      <p:sp>
+        <p:nvSpPr>
+          <p:cNvPr id="44" name="Rectangle: Rounded Corners 43">
+            <a:extLst>
+              <a:ext uri="{FF2B5EF4-FFF2-40B4-BE49-F238E27FC236}">
+                <a16:creationId xmlns:a16="http://schemas.microsoft.com/office/drawing/2014/main" id="{272686B1-541C-4F81-BCC5-91F62772FBB1}"/>
+              </a:ext>
+            </a:extLst>
+          </p:cNvPr>
+          <p:cNvSpPr/>
+          <p:nvPr/>
+        </p:nvSpPr>
+        <p:spPr>
+          <a:xfrm>
+            <a:off x="5504637" y="5391109"/>
+            <a:ext cx="1030388" cy="399495"/>
+          </a:xfrm>
+          <a:prstGeom prst="roundRect">
+            <a:avLst/>
+          </a:prstGeom>
+          <a:solidFill>
+            <a:srgbClr val="BFAE7F"/>
+          </a:solidFill>
+          <a:ln>
+            <a:solidFill>
+              <a:srgbClr val="005035"/>
+            </a:solidFill>
+          </a:ln>
+        </p:spPr>
+        <p:style>
+          <a:lnRef idx="2">
+            <a:schemeClr val="accent1">
+              <a:shade val="50000"/>
+            </a:schemeClr>
+          </a:lnRef>
+          <a:fillRef idx="1">
+            <a:schemeClr val="accent1"/>
+          </a:fillRef>
+          <a:effectRef idx="0">
+            <a:schemeClr val="accent1"/>
+          </a:effectRef>
+          <a:fontRef idx="minor">
+            <a:schemeClr val="lt1"/>
+          </a:fontRef>
+        </p:style>
+        <p:txBody>
+          <a:bodyPr rtlCol="0" anchor="ctr"/>
+          <a:lstStyle/>
+          <a:p>
+            <a:r>
+              <a:rPr lang="en-US" dirty="0">
+                <a:solidFill>
+                  <a:srgbClr val="005035"/>
+                </a:solidFill>
+              </a:rPr>
+              <a:t>Send</a:t>
+            </a:r>
+          </a:p>
+        </p:txBody>
+      </p:sp>
+      <p:pic>
+        <p:nvPicPr>
+          <p:cNvPr id="10" name="Picture 9" descr="Logo&#10;&#10;Description automatically generated">
+            <a:extLst>
+              <a:ext uri="{FF2B5EF4-FFF2-40B4-BE49-F238E27FC236}">
+                <a16:creationId xmlns:a16="http://schemas.microsoft.com/office/drawing/2014/main" id="{41ECDECA-934E-448A-BC95-606847C295D1}"/>
+              </a:ext>
+            </a:extLst>
+          </p:cNvPr>
+          <p:cNvPicPr>
+            <a:picLocks noChangeAspect="1"/>
+          </p:cNvPicPr>
+          <p:nvPr/>
+        </p:nvPicPr>
+        <p:blipFill>
+          <a:blip r:embed="rId4">
+            <a:extLst>
+              <a:ext uri="{28A0092B-C50C-407E-A947-70E740481C1C}">
+                <a14:useLocalDpi xmlns:a14="http://schemas.microsoft.com/office/drawing/2010/main" val="0"/>
+              </a:ext>
+            </a:extLst>
+          </a:blip>
+          <a:stretch>
+            <a:fillRect/>
+          </a:stretch>
+        </p:blipFill>
+        <p:spPr>
+          <a:xfrm>
+            <a:off x="-43497" y="-395007"/>
+            <a:ext cx="1956628" cy="1280838"/>
+          </a:xfrm>
+          <a:prstGeom prst="rect">
+            <a:avLst/>
+          </a:prstGeom>
+        </p:spPr>
+      </p:pic>
+      <p:sp>
+        <p:nvSpPr>
+          <p:cNvPr id="14" name="Plus Sign 13">
+            <a:extLst>
+              <a:ext uri="{FF2B5EF4-FFF2-40B4-BE49-F238E27FC236}">
+                <a16:creationId xmlns:a16="http://schemas.microsoft.com/office/drawing/2014/main" id="{B25F1543-F023-4DCF-8F8C-A740E9B11ECF}"/>
+              </a:ext>
+            </a:extLst>
+          </p:cNvPr>
+          <p:cNvSpPr/>
+          <p:nvPr/>
+        </p:nvSpPr>
+        <p:spPr>
+          <a:xfrm>
+            <a:off x="3647197" y="139880"/>
+            <a:ext cx="333676" cy="285337"/>
+          </a:xfrm>
+          <a:prstGeom prst="mathPlus">
+            <a:avLst/>
+          </a:prstGeom>
+          <a:solidFill>
+            <a:srgbClr val="BFAE7F"/>
+          </a:solidFill>
+          <a:ln w="19050">
+            <a:solidFill>
+              <a:srgbClr val="005035"/>
+            </a:solidFill>
+          </a:ln>
+        </p:spPr>
+        <p:style>
+          <a:lnRef idx="2">
+            <a:schemeClr val="accent1">
+              <a:shade val="50000"/>
+            </a:schemeClr>
+          </a:lnRef>
+          <a:fillRef idx="1">
+            <a:schemeClr val="accent1"/>
+          </a:fillRef>
+          <a:effectRef idx="0">
+            <a:schemeClr val="accent1"/>
+          </a:effectRef>
+          <a:fontRef idx="minor">
+            <a:schemeClr val="lt1"/>
+          </a:fontRef>
+        </p:style>
+        <p:txBody>
+          <a:bodyPr rtlCol="0" anchor="ctr"/>
+          <a:lstStyle/>
+          <a:p>
+            <a:pPr algn="ctr"/>
+            <a:endParaRPr lang="en-US"/>
+          </a:p>
+        </p:txBody>
+      </p:sp>
+      <p:sp>
+        <p:nvSpPr>
+          <p:cNvPr id="46" name="Rectangle 45">
+            <a:hlinkClick r:id="rId5" action="ppaction://hlinksldjump"/>
+            <a:extLst>
+              <a:ext uri="{FF2B5EF4-FFF2-40B4-BE49-F238E27FC236}">
+                <a16:creationId xmlns:a16="http://schemas.microsoft.com/office/drawing/2014/main" id="{05D3371D-1F42-498D-BE4F-2CF1A14B6371}"/>
+              </a:ext>
+            </a:extLst>
+          </p:cNvPr>
+          <p:cNvSpPr/>
+          <p:nvPr/>
+        </p:nvSpPr>
+        <p:spPr>
+          <a:xfrm>
+            <a:off x="9916358" y="195601"/>
+            <a:ext cx="1182727" cy="260982"/>
+          </a:xfrm>
+          <a:prstGeom prst="rect">
+            <a:avLst/>
+          </a:prstGeom>
+          <a:noFill/>
+          <a:ln>
+            <a:noFill/>
+          </a:ln>
+        </p:spPr>
+        <p:style>
+          <a:lnRef idx="2">
+            <a:schemeClr val="accent1">
+              <a:shade val="50000"/>
+            </a:schemeClr>
+          </a:lnRef>
+          <a:fillRef idx="1">
+            <a:schemeClr val="accent1"/>
+          </a:fillRef>
+          <a:effectRef idx="0">
+            <a:schemeClr val="accent1"/>
+          </a:effectRef>
+          <a:fontRef idx="minor">
+            <a:schemeClr val="lt1"/>
+          </a:fontRef>
+        </p:style>
+        <p:txBody>
+          <a:bodyPr rtlCol="0" anchor="ctr"/>
+          <a:lstStyle/>
+          <a:p>
+            <a:pPr algn="ctr"/>
+            <a:endParaRPr lang="en-US"/>
+          </a:p>
+        </p:txBody>
+      </p:sp>
+      <p:sp>
+        <p:nvSpPr>
+          <p:cNvPr id="51" name="TextBox 50">
+            <a:extLst>
+              <a:ext uri="{FF2B5EF4-FFF2-40B4-BE49-F238E27FC236}">
+                <a16:creationId xmlns:a16="http://schemas.microsoft.com/office/drawing/2014/main" id="{CF67036B-1BFB-405F-8FA3-8D87A7579E0F}"/>
+              </a:ext>
+            </a:extLst>
+          </p:cNvPr>
+          <p:cNvSpPr txBox="1"/>
+          <p:nvPr/>
+        </p:nvSpPr>
+        <p:spPr>
+          <a:xfrm>
+            <a:off x="3407284" y="2709754"/>
+            <a:ext cx="963380" cy="338554"/>
+          </a:xfrm>
+          <a:prstGeom prst="rect">
+            <a:avLst/>
+          </a:prstGeom>
+          <a:noFill/>
+        </p:spPr>
+        <p:txBody>
+          <a:bodyPr wrap="square" rtlCol="0">
+            <a:spAutoFit/>
+          </a:bodyPr>
+          <a:lstStyle/>
+          <a:p>
+            <a:pPr algn="ctr"/>
+            <a:r>
+              <a:rPr lang="en-US" sz="1600" dirty="0">
+                <a:solidFill>
+                  <a:srgbClr val="005035"/>
+                </a:solidFill>
+              </a:rPr>
+              <a:t>To:</a:t>
+            </a:r>
+            <a:endParaRPr lang="en-US" sz="1200" dirty="0">
+              <a:solidFill>
+                <a:srgbClr val="005035"/>
+              </a:solidFill>
+            </a:endParaRPr>
+          </a:p>
+        </p:txBody>
+      </p:sp>
+      <p:sp>
+        <p:nvSpPr>
+          <p:cNvPr id="52" name="TextBox 51">
+            <a:extLst>
+              <a:ext uri="{FF2B5EF4-FFF2-40B4-BE49-F238E27FC236}">
+                <a16:creationId xmlns:a16="http://schemas.microsoft.com/office/drawing/2014/main" id="{CF539CE3-242B-40CD-B062-DF4F410272A1}"/>
+              </a:ext>
+            </a:extLst>
+          </p:cNvPr>
+          <p:cNvSpPr txBox="1"/>
+          <p:nvPr/>
+        </p:nvSpPr>
+        <p:spPr>
+          <a:xfrm>
+            <a:off x="3323295" y="3510337"/>
+            <a:ext cx="1227206" cy="338554"/>
+          </a:xfrm>
+          <a:prstGeom prst="rect">
+            <a:avLst/>
+          </a:prstGeom>
+          <a:noFill/>
+        </p:spPr>
+        <p:txBody>
+          <a:bodyPr wrap="square" rtlCol="0">
+            <a:spAutoFit/>
+          </a:bodyPr>
+          <a:lstStyle/>
+          <a:p>
+            <a:pPr algn="ctr"/>
+            <a:r>
+              <a:rPr lang="en-US" sz="1600" dirty="0">
+                <a:solidFill>
+                  <a:srgbClr val="005035"/>
+                </a:solidFill>
+              </a:rPr>
+              <a:t>Message:</a:t>
+            </a:r>
+            <a:endParaRPr lang="en-US" sz="1200" dirty="0">
+              <a:solidFill>
+                <a:srgbClr val="005035"/>
+              </a:solidFill>
+            </a:endParaRPr>
+          </a:p>
+        </p:txBody>
+      </p:sp>
+      <p:sp>
+        <p:nvSpPr>
+          <p:cNvPr id="53" name="Rectangle 52">
+            <a:hlinkClick r:id="rId6" action="ppaction://hlinksldjump"/>
+            <a:extLst>
+              <a:ext uri="{FF2B5EF4-FFF2-40B4-BE49-F238E27FC236}">
+                <a16:creationId xmlns:a16="http://schemas.microsoft.com/office/drawing/2014/main" id="{4868DD6F-3604-4D92-B6DF-A7C130B22476}"/>
+              </a:ext>
+            </a:extLst>
+          </p:cNvPr>
+          <p:cNvSpPr/>
+          <p:nvPr/>
+        </p:nvSpPr>
+        <p:spPr>
+          <a:xfrm>
+            <a:off x="8028264" y="139880"/>
+            <a:ext cx="578841" cy="307015"/>
+          </a:xfrm>
+          <a:prstGeom prst="rect">
+            <a:avLst/>
+          </a:prstGeom>
+          <a:noFill/>
+          <a:ln>
+            <a:noFill/>
+          </a:ln>
+        </p:spPr>
+        <p:style>
+          <a:lnRef idx="2">
+            <a:schemeClr val="accent1">
+              <a:shade val="50000"/>
+            </a:schemeClr>
+          </a:lnRef>
+          <a:fillRef idx="1">
+            <a:schemeClr val="accent1"/>
+          </a:fillRef>
+          <a:effectRef idx="0">
+            <a:schemeClr val="accent1"/>
+          </a:effectRef>
+          <a:fontRef idx="minor">
+            <a:schemeClr val="lt1"/>
+          </a:fontRef>
+        </p:style>
+        <p:txBody>
+          <a:bodyPr rtlCol="0" anchor="ctr"/>
+          <a:lstStyle/>
+          <a:p>
+            <a:pPr algn="ctr"/>
+            <a:endParaRPr lang="en-US"/>
+          </a:p>
+        </p:txBody>
+      </p:sp>
+      <p:sp>
+        <p:nvSpPr>
+          <p:cNvPr id="54" name="Rectangle 53">
+            <a:hlinkClick r:id="rId6" action="ppaction://hlinksldjump"/>
+            <a:extLst>
+              <a:ext uri="{FF2B5EF4-FFF2-40B4-BE49-F238E27FC236}">
+                <a16:creationId xmlns:a16="http://schemas.microsoft.com/office/drawing/2014/main" id="{25D7D4A7-79CF-43AD-ABA8-A667AF7C8636}"/>
+              </a:ext>
+            </a:extLst>
+          </p:cNvPr>
+          <p:cNvSpPr/>
+          <p:nvPr/>
+        </p:nvSpPr>
+        <p:spPr>
+          <a:xfrm>
+            <a:off x="2277743" y="162885"/>
+            <a:ext cx="1703130" cy="307015"/>
+          </a:xfrm>
+          <a:prstGeom prst="rect">
+            <a:avLst/>
+          </a:prstGeom>
+          <a:noFill/>
+          <a:ln>
+            <a:noFill/>
+          </a:ln>
+        </p:spPr>
+        <p:style>
+          <a:lnRef idx="2">
+            <a:schemeClr val="accent1">
+              <a:shade val="50000"/>
+            </a:schemeClr>
+          </a:lnRef>
+          <a:fillRef idx="1">
+            <a:schemeClr val="accent1"/>
+          </a:fillRef>
+          <a:effectRef idx="0">
+            <a:schemeClr val="accent1"/>
+          </a:effectRef>
+          <a:fontRef idx="minor">
+            <a:schemeClr val="lt1"/>
+          </a:fontRef>
+        </p:style>
+        <p:txBody>
+          <a:bodyPr rtlCol="0" anchor="ctr"/>
+          <a:lstStyle/>
+          <a:p>
+            <a:pPr algn="ctr"/>
+            <a:endParaRPr lang="en-US"/>
+          </a:p>
+        </p:txBody>
+      </p:sp>
+      <p:sp>
+        <p:nvSpPr>
+          <p:cNvPr id="56" name="Rectangle 55">
+            <a:hlinkClick r:id="rId7" action="ppaction://hlinksldjump"/>
+            <a:extLst>
+              <a:ext uri="{FF2B5EF4-FFF2-40B4-BE49-F238E27FC236}">
+                <a16:creationId xmlns:a16="http://schemas.microsoft.com/office/drawing/2014/main" id="{10010486-50F7-4742-9BAD-412F756428F8}"/>
+              </a:ext>
+            </a:extLst>
+          </p:cNvPr>
+          <p:cNvSpPr/>
+          <p:nvPr/>
+        </p:nvSpPr>
+        <p:spPr>
+          <a:xfrm>
+            <a:off x="11400638" y="127989"/>
+            <a:ext cx="716159" cy="399495"/>
+          </a:xfrm>
+          <a:prstGeom prst="rect">
+            <a:avLst/>
+          </a:prstGeom>
+          <a:noFill/>
+          <a:ln>
+            <a:noFill/>
+          </a:ln>
+        </p:spPr>
+        <p:style>
+          <a:lnRef idx="2">
+            <a:schemeClr val="accent1">
+              <a:shade val="50000"/>
+            </a:schemeClr>
+          </a:lnRef>
+          <a:fillRef idx="1">
+            <a:schemeClr val="accent1"/>
+          </a:fillRef>
+          <a:effectRef idx="0">
+            <a:schemeClr val="accent1"/>
+          </a:effectRef>
+          <a:fontRef idx="minor">
+            <a:schemeClr val="lt1"/>
+          </a:fontRef>
+        </p:style>
+        <p:txBody>
+          <a:bodyPr rtlCol="0" anchor="ctr"/>
+          <a:lstStyle/>
+          <a:p>
+            <a:pPr algn="ctr"/>
+            <a:endParaRPr lang="en-US"/>
+          </a:p>
+        </p:txBody>
+      </p:sp>
+      <p:sp>
+        <p:nvSpPr>
+          <p:cNvPr id="2" name="TextBox 1">
+            <a:extLst>
+              <a:ext uri="{FF2B5EF4-FFF2-40B4-BE49-F238E27FC236}">
+                <a16:creationId xmlns:a16="http://schemas.microsoft.com/office/drawing/2014/main" id="{E4901731-70B7-4A31-B2F6-1C302AAE0AEB}"/>
+              </a:ext>
+            </a:extLst>
+          </p:cNvPr>
+          <p:cNvSpPr txBox="1"/>
+          <p:nvPr/>
+        </p:nvSpPr>
+        <p:spPr>
+          <a:xfrm>
+            <a:off x="5991621" y="1539673"/>
+            <a:ext cx="2139192" cy="1200329"/>
+          </a:xfrm>
+          <a:prstGeom prst="rect">
+            <a:avLst/>
+          </a:prstGeom>
+          <a:noFill/>
+        </p:spPr>
+        <p:txBody>
+          <a:bodyPr wrap="square" rtlCol="0">
+            <a:spAutoFit/>
+          </a:bodyPr>
+          <a:lstStyle/>
+          <a:p>
+            <a:pPr marL="0" algn="l" rtl="0" eaLnBrk="1" fontAlgn="t" latinLnBrk="0" hangingPunct="1">
+              <a:spcBef>
+                <a:spcPts val="0"/>
+              </a:spcBef>
+              <a:spcAft>
+                <a:spcPts val="0"/>
+              </a:spcAft>
+            </a:pPr>
+            <a:r>
+              <a:rPr lang="en-US" sz="1800" i="0" u="none" strike="noStrike" kern="1200" dirty="0">
+                <a:effectLst/>
+                <a:latin typeface="Calibri" panose="020F0502020204030204" pitchFamily="34" charset="0"/>
+              </a:rPr>
+              <a:t>Robert Sanders</a:t>
+            </a:r>
+            <a:endParaRPr lang="en-US" sz="1800" i="0" u="none" strike="noStrike" dirty="0">
+              <a:effectLst/>
+              <a:latin typeface="Arial" panose="020B0604020202020204" pitchFamily="34" charset="0"/>
+            </a:endParaRPr>
+          </a:p>
+          <a:p>
+            <a:pPr marL="0" algn="l" rtl="0" eaLnBrk="1" fontAlgn="t" latinLnBrk="0" hangingPunct="1">
+              <a:spcBef>
+                <a:spcPts val="0"/>
+              </a:spcBef>
+              <a:spcAft>
+                <a:spcPts val="0"/>
+              </a:spcAft>
+            </a:pPr>
+            <a:r>
+              <a:rPr lang="en-US" sz="1800" i="0" u="none" strike="noStrike" kern="1200" dirty="0">
+                <a:effectLst/>
+                <a:latin typeface="Calibri" panose="020F0502020204030204" pitchFamily="34" charset="0"/>
+              </a:rPr>
+              <a:t>Duke Energy</a:t>
+            </a:r>
+            <a:endParaRPr lang="en-US" sz="1800" i="0" u="none" strike="noStrike" dirty="0">
+              <a:effectLst/>
+              <a:latin typeface="Arial" panose="020B0604020202020204" pitchFamily="34" charset="0"/>
+            </a:endParaRPr>
+          </a:p>
+          <a:p>
+            <a:pPr marL="0" algn="l" rtl="0" eaLnBrk="1" fontAlgn="t" latinLnBrk="0" hangingPunct="1">
+              <a:spcBef>
+                <a:spcPts val="0"/>
+              </a:spcBef>
+              <a:spcAft>
+                <a:spcPts val="0"/>
+              </a:spcAft>
+            </a:pPr>
+            <a:r>
+              <a:rPr lang="en-US" sz="1800" i="0" u="none" strike="noStrike" kern="1200" dirty="0">
+                <a:effectLst/>
+                <a:latin typeface="Calibri" panose="020F0502020204030204" pitchFamily="34" charset="0"/>
+              </a:rPr>
+              <a:t>Software Developer</a:t>
+            </a:r>
+            <a:endParaRPr lang="en-US" sz="1800" i="0" u="none" strike="noStrike" dirty="0">
+              <a:effectLst/>
+              <a:latin typeface="Arial" panose="020B0604020202020204" pitchFamily="34" charset="0"/>
+            </a:endParaRPr>
+          </a:p>
+          <a:p>
+            <a:endParaRPr lang="en-US" dirty="0"/>
+          </a:p>
+        </p:txBody>
+      </p:sp>
+      <p:pic>
+        <p:nvPicPr>
+          <p:cNvPr id="7" name="Graphic 6" descr="Send with solid fill">
+            <a:extLst>
+              <a:ext uri="{FF2B5EF4-FFF2-40B4-BE49-F238E27FC236}">
+                <a16:creationId xmlns:a16="http://schemas.microsoft.com/office/drawing/2014/main" id="{331A4767-583A-4667-B00C-C5867F4AEF46}"/>
+              </a:ext>
+            </a:extLst>
+          </p:cNvPr>
+          <p:cNvPicPr>
+            <a:picLocks noChangeAspect="1"/>
+          </p:cNvPicPr>
+          <p:nvPr/>
+        </p:nvPicPr>
+        <p:blipFill>
+          <a:blip r:embed="rId8">
+            <a:extLst>
+              <a:ext uri="{28A0092B-C50C-407E-A947-70E740481C1C}">
+                <a14:useLocalDpi xmlns:a14="http://schemas.microsoft.com/office/drawing/2010/main" val="0"/>
+              </a:ext>
+              <a:ext uri="{96DAC541-7B7A-43D3-8B79-37D633B846F1}">
+                <asvg:svgBlip xmlns:asvg="http://schemas.microsoft.com/office/drawing/2016/SVG/main" r:embed="rId9"/>
+              </a:ext>
+            </a:extLst>
+          </a:blip>
+          <a:stretch>
+            <a:fillRect/>
+          </a:stretch>
+        </p:blipFill>
+        <p:spPr>
+          <a:xfrm>
+            <a:off x="6095998" y="5421578"/>
+            <a:ext cx="338555" cy="338555"/>
+          </a:xfrm>
+          <a:prstGeom prst="rect">
+            <a:avLst/>
+          </a:prstGeom>
+        </p:spPr>
+      </p:pic>
+      <p:sp>
+        <p:nvSpPr>
+          <p:cNvPr id="26" name="TextBox 25">
+            <a:extLst>
+              <a:ext uri="{FF2B5EF4-FFF2-40B4-BE49-F238E27FC236}">
+                <a16:creationId xmlns:a16="http://schemas.microsoft.com/office/drawing/2014/main" id="{79174884-F6D6-40DE-9B6C-14BD404BD220}"/>
+              </a:ext>
+            </a:extLst>
+          </p:cNvPr>
+          <p:cNvSpPr txBox="1"/>
+          <p:nvPr/>
+        </p:nvSpPr>
+        <p:spPr>
+          <a:xfrm>
+            <a:off x="3261153" y="3073234"/>
+            <a:ext cx="963380" cy="338554"/>
+          </a:xfrm>
+          <a:prstGeom prst="rect">
+            <a:avLst/>
+          </a:prstGeom>
+          <a:noFill/>
+        </p:spPr>
+        <p:txBody>
+          <a:bodyPr wrap="square" rtlCol="0">
+            <a:spAutoFit/>
+          </a:bodyPr>
+          <a:lstStyle/>
+          <a:p>
+            <a:pPr algn="ctr"/>
+            <a:r>
+              <a:rPr lang="en-US" sz="1600" dirty="0">
+                <a:solidFill>
+                  <a:srgbClr val="005035"/>
+                </a:solidFill>
+              </a:rPr>
+              <a:t>From:</a:t>
+            </a:r>
+            <a:endParaRPr lang="en-US" sz="1200" dirty="0">
+              <a:solidFill>
+                <a:srgbClr val="005035"/>
+              </a:solidFill>
+            </a:endParaRPr>
+          </a:p>
+        </p:txBody>
+      </p:sp>
+      <p:sp>
+        <p:nvSpPr>
+          <p:cNvPr id="9" name="TextBox 8">
+            <a:extLst>
+              <a:ext uri="{FF2B5EF4-FFF2-40B4-BE49-F238E27FC236}">
+                <a16:creationId xmlns:a16="http://schemas.microsoft.com/office/drawing/2014/main" id="{21C5B14F-F25F-4E64-9D41-B2712392831D}"/>
+              </a:ext>
+            </a:extLst>
+          </p:cNvPr>
+          <p:cNvSpPr txBox="1"/>
+          <p:nvPr/>
+        </p:nvSpPr>
+        <p:spPr>
+          <a:xfrm>
+            <a:off x="4078402" y="2677416"/>
+            <a:ext cx="2733457" cy="646331"/>
+          </a:xfrm>
+          <a:prstGeom prst="rect">
+            <a:avLst/>
+          </a:prstGeom>
+          <a:noFill/>
+        </p:spPr>
+        <p:txBody>
+          <a:bodyPr wrap="square" rtlCol="0">
+            <a:spAutoFit/>
+          </a:bodyPr>
+          <a:lstStyle/>
+          <a:p>
+            <a:r>
+              <a:rPr lang="en-US" dirty="0"/>
+              <a:t>Mr.Sanders@email.com</a:t>
+            </a:r>
+          </a:p>
+          <a:p>
+            <a:endParaRPr lang="en-US" dirty="0"/>
+          </a:p>
+        </p:txBody>
+      </p:sp>
+      <p:sp>
+        <p:nvSpPr>
+          <p:cNvPr id="28" name="TextBox 27">
+            <a:extLst>
+              <a:ext uri="{FF2B5EF4-FFF2-40B4-BE49-F238E27FC236}">
+                <a16:creationId xmlns:a16="http://schemas.microsoft.com/office/drawing/2014/main" id="{7DE0BD68-A19C-477F-B54C-5DFE11F008C1}"/>
+              </a:ext>
+            </a:extLst>
+          </p:cNvPr>
+          <p:cNvSpPr txBox="1"/>
+          <p:nvPr/>
+        </p:nvSpPr>
+        <p:spPr>
+          <a:xfrm>
+            <a:off x="4078401" y="3080646"/>
+            <a:ext cx="2733457" cy="646331"/>
+          </a:xfrm>
+          <a:prstGeom prst="rect">
+            <a:avLst/>
+          </a:prstGeom>
+          <a:noFill/>
+        </p:spPr>
+        <p:txBody>
+          <a:bodyPr wrap="square" rtlCol="0">
+            <a:spAutoFit/>
+          </a:bodyPr>
+          <a:lstStyle/>
+          <a:p>
+            <a:r>
+              <a:rPr lang="en-US" dirty="0"/>
+              <a:t>j.smith@uncc.edu</a:t>
+            </a:r>
+          </a:p>
+          <a:p>
+            <a:endParaRPr lang="en-US" dirty="0"/>
+          </a:p>
+        </p:txBody>
+      </p:sp>
+      <p:sp>
+        <p:nvSpPr>
+          <p:cNvPr id="30" name="Rectangle 29">
+            <a:hlinkClick r:id="rId10" action="ppaction://hlinksldjump"/>
+            <a:extLst>
+              <a:ext uri="{FF2B5EF4-FFF2-40B4-BE49-F238E27FC236}">
+                <a16:creationId xmlns:a16="http://schemas.microsoft.com/office/drawing/2014/main" id="{7B4EEFC4-1786-47D2-9780-DCF9FA08BCB0}"/>
+              </a:ext>
+            </a:extLst>
+          </p:cNvPr>
+          <p:cNvSpPr/>
+          <p:nvPr/>
+        </p:nvSpPr>
+        <p:spPr>
+          <a:xfrm>
+            <a:off x="5504637" y="5391109"/>
+            <a:ext cx="1030388" cy="399495"/>
+          </a:xfrm>
+          <a:prstGeom prst="rect">
+            <a:avLst/>
+          </a:prstGeom>
+          <a:noFill/>
+          <a:ln>
+            <a:noFill/>
+          </a:ln>
+        </p:spPr>
+        <p:style>
+          <a:lnRef idx="2">
+            <a:schemeClr val="accent1">
+              <a:shade val="50000"/>
+            </a:schemeClr>
+          </a:lnRef>
+          <a:fillRef idx="1">
+            <a:schemeClr val="accent1"/>
+          </a:fillRef>
+          <a:effectRef idx="0">
+            <a:schemeClr val="accent1"/>
+          </a:effectRef>
+          <a:fontRef idx="minor">
+            <a:schemeClr val="lt1"/>
+          </a:fontRef>
+        </p:style>
+        <p:txBody>
+          <a:bodyPr rtlCol="0" anchor="ctr"/>
+          <a:lstStyle/>
+          <a:p>
+            <a:pPr algn="ctr"/>
+            <a:endParaRPr lang="en-US"/>
+          </a:p>
+        </p:txBody>
+      </p:sp>
+    </p:spTree>
+    <p:controls>
+      <mc:AlternateContent xmlns:mc="http://schemas.openxmlformats.org/markup-compatibility/2006">
+        <mc:Choice xmlns:v="urn:schemas-microsoft-com:vml" Requires="v">
+          <p:control spid="4102" name="TextBox1" r:id="rId2" imgW="3867120" imgH="1476360"/>
+        </mc:Choice>
+        <mc:Fallback>
+          <p:control name="TextBox1" r:id="rId2" imgW="3867120" imgH="1476360">
+            <p:pic>
+              <p:nvPicPr>
+                <p:cNvPr id="29" name="TextBox1">
+                  <a:extLst>
+                    <a:ext uri="{FF2B5EF4-FFF2-40B4-BE49-F238E27FC236}">
+                      <a16:creationId xmlns:a16="http://schemas.microsoft.com/office/drawing/2014/main" id="{A83029B6-05AD-4BBF-B1F9-D3DC88BAD9B7}"/>
+                    </a:ext>
+                  </a:extLst>
+                </p:cNvPr>
+                <p:cNvPicPr>
+                  <a:picLocks/>
+                </p:cNvPicPr>
+                <p:nvPr/>
+              </p:nvPicPr>
+              <p:blipFill>
+                <a:blip r:embed="rId11"/>
+                <a:stretch>
+                  <a:fillRect/>
+                </a:stretch>
+              </p:blipFill>
+              <p:spPr>
+                <a:xfrm>
+                  <a:off x="4458953" y="3575517"/>
+                  <a:ext cx="3862926" cy="1477234"/>
+                </a:xfrm>
+                <a:prstGeom prst="rect">
+                  <a:avLst/>
+                </a:prstGeom>
+              </p:spPr>
+            </p:pic>
+          </p:control>
+        </mc:Fallback>
+      </mc:AlternateContent>
+    </p:controls>
+    <p:extLst>
+      <p:ext uri="{BB962C8B-B14F-4D97-AF65-F5344CB8AC3E}">
+        <p14:creationId xmlns:p14="http://schemas.microsoft.com/office/powerpoint/2010/main" val="2139396852"/>
+      </p:ext>
+    </p:extLst>
+  </p:cSld>
+  <p:clrMapOvr>
+    <a:masterClrMapping/>
+  </p:clrMapOvr>
+</p:sld>
+</file>
+
+<file path=ppt/slides/slide12.xml><?xml version="1.0" encoding="utf-8"?>
+<p:sld xmlns:a="http://schemas.openxmlformats.org/drawingml/2006/main" xmlns:r="http://schemas.openxmlformats.org/officeDocument/2006/relationships" xmlns:p="http://schemas.openxmlformats.org/presentationml/2006/main">
+  <p:cSld>
+    <p:spTree>
+      <p:nvGrpSpPr>
+        <p:cNvPr id="1" name=""/>
+        <p:cNvGrpSpPr/>
+        <p:nvPr/>
+      </p:nvGrpSpPr>
+      <p:grpSpPr>
+        <a:xfrm>
+          <a:off x="0" y="0"/>
+          <a:ext cx="0" cy="0"/>
+          <a:chOff x="0" y="0"/>
+          <a:chExt cx="0" cy="0"/>
+        </a:xfrm>
+      </p:grpSpPr>
+      <p:sp>
+        <p:nvSpPr>
+          <p:cNvPr id="45" name="Rectangle 44">
+            <a:extLst>
+              <a:ext uri="{FF2B5EF4-FFF2-40B4-BE49-F238E27FC236}">
+                <a16:creationId xmlns:a16="http://schemas.microsoft.com/office/drawing/2014/main" id="{E448BBBF-D84C-4FF3-BD3C-9ADE6945E108}"/>
+              </a:ext>
+            </a:extLst>
+          </p:cNvPr>
+          <p:cNvSpPr/>
+          <p:nvPr/>
+        </p:nvSpPr>
+        <p:spPr>
+          <a:xfrm>
+            <a:off x="-1" y="6238036"/>
+            <a:ext cx="12192000" cy="630314"/>
+          </a:xfrm>
+          <a:prstGeom prst="rect">
+            <a:avLst/>
+          </a:prstGeom>
+          <a:solidFill>
+            <a:schemeClr val="bg1">
+              <a:lumMod val="95000"/>
+            </a:schemeClr>
+          </a:solidFill>
+          <a:ln w="38100">
+            <a:solidFill>
+              <a:srgbClr val="005035"/>
+            </a:solidFill>
+          </a:ln>
+        </p:spPr>
+        <p:style>
+          <a:lnRef idx="2">
+            <a:schemeClr val="accent1">
+              <a:shade val="50000"/>
+            </a:schemeClr>
+          </a:lnRef>
+          <a:fillRef idx="1">
+            <a:schemeClr val="accent1"/>
+          </a:fillRef>
+          <a:effectRef idx="0">
+            <a:schemeClr val="accent1"/>
+          </a:effectRef>
+          <a:fontRef idx="minor">
+            <a:schemeClr val="lt1"/>
+          </a:fontRef>
+        </p:style>
+        <p:txBody>
+          <a:bodyPr rtlCol="0" anchor="ctr"/>
+          <a:lstStyle/>
+          <a:p>
+            <a:pPr algn="ctr"/>
+            <a:endParaRPr lang="en-US"/>
+          </a:p>
+        </p:txBody>
+      </p:sp>
+      <p:sp>
+        <p:nvSpPr>
+          <p:cNvPr id="4" name="Rectangle 3">
+            <a:extLst>
+              <a:ext uri="{FF2B5EF4-FFF2-40B4-BE49-F238E27FC236}">
+                <a16:creationId xmlns:a16="http://schemas.microsoft.com/office/drawing/2014/main" id="{6DD2732E-FDC8-45C7-BB85-7A92B0639642}"/>
+              </a:ext>
+            </a:extLst>
+          </p:cNvPr>
+          <p:cNvSpPr/>
+          <p:nvPr/>
+        </p:nvSpPr>
+        <p:spPr>
+          <a:xfrm>
+            <a:off x="0" y="0"/>
+            <a:ext cx="12192000" cy="630314"/>
+          </a:xfrm>
+          <a:prstGeom prst="rect">
+            <a:avLst/>
+          </a:prstGeom>
+          <a:solidFill>
+            <a:schemeClr val="bg1">
+              <a:lumMod val="95000"/>
+            </a:schemeClr>
+          </a:solidFill>
+          <a:ln w="38100">
+            <a:solidFill>
+              <a:srgbClr val="005035"/>
+            </a:solidFill>
+          </a:ln>
+        </p:spPr>
+        <p:style>
+          <a:lnRef idx="2">
+            <a:schemeClr val="accent1">
+              <a:shade val="50000"/>
+            </a:schemeClr>
+          </a:lnRef>
+          <a:fillRef idx="1">
+            <a:schemeClr val="accent1"/>
+          </a:fillRef>
+          <a:effectRef idx="0">
+            <a:schemeClr val="accent1"/>
+          </a:effectRef>
+          <a:fontRef idx="minor">
+            <a:schemeClr val="lt1"/>
+          </a:fontRef>
+        </p:style>
+        <p:txBody>
+          <a:bodyPr rtlCol="0" anchor="ctr"/>
+          <a:lstStyle/>
+          <a:p>
+            <a:pPr algn="ctr"/>
+            <a:endParaRPr lang="en-US"/>
+          </a:p>
+        </p:txBody>
+      </p:sp>
+      <p:sp>
+        <p:nvSpPr>
+          <p:cNvPr id="8" name="TextBox 7">
+            <a:extLst>
+              <a:ext uri="{FF2B5EF4-FFF2-40B4-BE49-F238E27FC236}">
+                <a16:creationId xmlns:a16="http://schemas.microsoft.com/office/drawing/2014/main" id="{87019874-CE38-4427-9800-8DF69A74AA31}"/>
+              </a:ext>
+            </a:extLst>
+          </p:cNvPr>
+          <p:cNvSpPr txBox="1"/>
+          <p:nvPr/>
+        </p:nvSpPr>
+        <p:spPr>
+          <a:xfrm>
+            <a:off x="7833064" y="111827"/>
+            <a:ext cx="4358936" cy="369332"/>
+          </a:xfrm>
+          <a:prstGeom prst="rect">
+            <a:avLst/>
+          </a:prstGeom>
+          <a:noFill/>
+          <a:ln>
+            <a:noFill/>
+          </a:ln>
+        </p:spPr>
+        <p:txBody>
+          <a:bodyPr wrap="square" rtlCol="0">
+            <a:spAutoFit/>
+          </a:bodyPr>
+          <a:lstStyle/>
+          <a:p>
+            <a:pPr algn="ctr"/>
+            <a:r>
+              <a:rPr lang="en-US" dirty="0">
+                <a:solidFill>
+                  <a:srgbClr val="005035"/>
+                </a:solidFill>
+              </a:rPr>
+              <a:t>Home   </a:t>
+            </a:r>
+            <a:r>
+              <a:rPr lang="en-US" dirty="0">
+                <a:solidFill>
+                  <a:srgbClr val="BFAE7F"/>
+                </a:solidFill>
+              </a:rPr>
+              <a:t>|</a:t>
+            </a:r>
+            <a:r>
+              <a:rPr lang="en-US" dirty="0">
+                <a:solidFill>
+                  <a:srgbClr val="005035"/>
+                </a:solidFill>
+              </a:rPr>
+              <a:t>   About   </a:t>
+            </a:r>
+            <a:r>
+              <a:rPr lang="en-US" dirty="0">
+                <a:solidFill>
+                  <a:srgbClr val="BFAE7F"/>
+                </a:solidFill>
+              </a:rPr>
+              <a:t>|</a:t>
+            </a:r>
+            <a:r>
+              <a:rPr lang="en-US" dirty="0">
+                <a:solidFill>
+                  <a:srgbClr val="005035"/>
+                </a:solidFill>
+              </a:rPr>
+              <a:t> Networking   </a:t>
+            </a:r>
+            <a:r>
+              <a:rPr lang="en-US" dirty="0">
+                <a:solidFill>
+                  <a:srgbClr val="BFAE7F"/>
+                </a:solidFill>
+              </a:rPr>
+              <a:t>|</a:t>
+            </a:r>
+            <a:r>
+              <a:rPr lang="en-US" dirty="0">
+                <a:solidFill>
+                  <a:srgbClr val="005035"/>
+                </a:solidFill>
+              </a:rPr>
+              <a:t>   Login</a:t>
+            </a:r>
+          </a:p>
+        </p:txBody>
+      </p:sp>
+      <p:sp>
+        <p:nvSpPr>
+          <p:cNvPr id="22" name="TextBox 21">
+            <a:extLst>
+              <a:ext uri="{FF2B5EF4-FFF2-40B4-BE49-F238E27FC236}">
+                <a16:creationId xmlns:a16="http://schemas.microsoft.com/office/drawing/2014/main" id="{521B6C31-20E4-4B90-8C88-ECCA224F71E3}"/>
+              </a:ext>
+            </a:extLst>
+          </p:cNvPr>
+          <p:cNvSpPr txBox="1"/>
+          <p:nvPr/>
+        </p:nvSpPr>
+        <p:spPr>
+          <a:xfrm>
+            <a:off x="1110787" y="116328"/>
+            <a:ext cx="3728622" cy="369332"/>
+          </a:xfrm>
+          <a:prstGeom prst="rect">
+            <a:avLst/>
+          </a:prstGeom>
+          <a:noFill/>
+        </p:spPr>
+        <p:txBody>
+          <a:bodyPr wrap="square" rtlCol="0">
+            <a:spAutoFit/>
+          </a:bodyPr>
+          <a:lstStyle/>
+          <a:p>
+            <a:pPr algn="ctr"/>
+            <a:r>
+              <a:rPr lang="en-US" dirty="0">
+                <a:solidFill>
+                  <a:srgbClr val="005035"/>
+                </a:solidFill>
+              </a:rPr>
+              <a:t>Degree Works</a:t>
+            </a:r>
+          </a:p>
+        </p:txBody>
+      </p:sp>
+      <p:sp>
+        <p:nvSpPr>
+          <p:cNvPr id="24" name="TextBox 23">
+            <a:extLst>
+              <a:ext uri="{FF2B5EF4-FFF2-40B4-BE49-F238E27FC236}">
+                <a16:creationId xmlns:a16="http://schemas.microsoft.com/office/drawing/2014/main" id="{273A3718-CD45-4282-9D1F-825036D47828}"/>
+              </a:ext>
+            </a:extLst>
+          </p:cNvPr>
+          <p:cNvSpPr txBox="1"/>
+          <p:nvPr/>
+        </p:nvSpPr>
+        <p:spPr>
+          <a:xfrm>
+            <a:off x="9916358" y="6368527"/>
+            <a:ext cx="1722268" cy="369332"/>
+          </a:xfrm>
+          <a:prstGeom prst="rect">
+            <a:avLst/>
+          </a:prstGeom>
+          <a:noFill/>
+        </p:spPr>
+        <p:txBody>
+          <a:bodyPr wrap="square" rtlCol="0">
+            <a:spAutoFit/>
+          </a:bodyPr>
+          <a:lstStyle/>
+          <a:p>
+            <a:pPr algn="ctr"/>
+            <a:r>
+              <a:rPr lang="en-US" dirty="0">
+                <a:solidFill>
+                  <a:srgbClr val="005035"/>
+                </a:solidFill>
+              </a:rPr>
+              <a:t>? Help   </a:t>
+            </a:r>
+            <a:r>
+              <a:rPr lang="en-US" dirty="0">
+                <a:solidFill>
+                  <a:srgbClr val="BFAE7F"/>
+                </a:solidFill>
+              </a:rPr>
+              <a:t>|</a:t>
+            </a:r>
+            <a:r>
+              <a:rPr lang="en-US" dirty="0">
+                <a:solidFill>
+                  <a:srgbClr val="005035"/>
+                </a:solidFill>
+              </a:rPr>
+              <a:t>   FAQ</a:t>
+            </a:r>
+          </a:p>
+        </p:txBody>
+      </p:sp>
+      <p:sp>
+        <p:nvSpPr>
+          <p:cNvPr id="31" name="Rectangle 30">
+            <a:extLst>
+              <a:ext uri="{FF2B5EF4-FFF2-40B4-BE49-F238E27FC236}">
+                <a16:creationId xmlns:a16="http://schemas.microsoft.com/office/drawing/2014/main" id="{78A7008B-1A66-4BA5-AD4C-E4F4F0F71328}"/>
+              </a:ext>
+            </a:extLst>
+          </p:cNvPr>
+          <p:cNvSpPr/>
+          <p:nvPr/>
+        </p:nvSpPr>
+        <p:spPr>
+          <a:xfrm>
+            <a:off x="3136032" y="999140"/>
+            <a:ext cx="5919933" cy="4870069"/>
+          </a:xfrm>
+          <a:prstGeom prst="rect">
+            <a:avLst/>
+          </a:prstGeom>
+          <a:solidFill>
+            <a:schemeClr val="bg1">
+              <a:lumMod val="95000"/>
+            </a:schemeClr>
+          </a:solidFill>
+          <a:ln>
+            <a:solidFill>
+              <a:srgbClr val="005035"/>
+            </a:solidFill>
+          </a:ln>
+        </p:spPr>
+        <p:style>
+          <a:lnRef idx="2">
+            <a:schemeClr val="accent1">
+              <a:shade val="50000"/>
+            </a:schemeClr>
+          </a:lnRef>
+          <a:fillRef idx="1">
+            <a:schemeClr val="accent1"/>
+          </a:fillRef>
+          <a:effectRef idx="0">
+            <a:schemeClr val="accent1"/>
+          </a:effectRef>
+          <a:fontRef idx="minor">
+            <a:schemeClr val="lt1"/>
+          </a:fontRef>
+        </p:style>
+        <p:txBody>
+          <a:bodyPr rtlCol="0" anchor="ctr"/>
+          <a:lstStyle/>
+          <a:p>
+            <a:pPr algn="ctr"/>
+            <a:endParaRPr lang="en-US"/>
+          </a:p>
+        </p:txBody>
+      </p:sp>
+      <p:sp>
+        <p:nvSpPr>
+          <p:cNvPr id="42" name="TextBox 41">
+            <a:extLst>
+              <a:ext uri="{FF2B5EF4-FFF2-40B4-BE49-F238E27FC236}">
+                <a16:creationId xmlns:a16="http://schemas.microsoft.com/office/drawing/2014/main" id="{31DC238A-E5D8-40C8-B0B4-8DBA471EA1D6}"/>
+              </a:ext>
+            </a:extLst>
+          </p:cNvPr>
+          <p:cNvSpPr txBox="1"/>
+          <p:nvPr/>
+        </p:nvSpPr>
+        <p:spPr>
+          <a:xfrm>
+            <a:off x="4951810" y="2967335"/>
+            <a:ext cx="2288371" cy="461665"/>
+          </a:xfrm>
+          <a:prstGeom prst="rect">
+            <a:avLst/>
+          </a:prstGeom>
+          <a:noFill/>
+        </p:spPr>
+        <p:txBody>
+          <a:bodyPr wrap="square" rtlCol="0">
+            <a:spAutoFit/>
+          </a:bodyPr>
+          <a:lstStyle/>
+          <a:p>
+            <a:pPr algn="ctr"/>
+            <a:r>
+              <a:rPr lang="en-US" sz="2400" b="1" dirty="0">
+                <a:solidFill>
+                  <a:srgbClr val="005035"/>
+                </a:solidFill>
+              </a:rPr>
+              <a:t>Message Sent.</a:t>
+            </a:r>
+            <a:endParaRPr lang="en-US" b="1" dirty="0">
+              <a:solidFill>
+                <a:srgbClr val="005035"/>
+              </a:solidFill>
+            </a:endParaRPr>
+          </a:p>
+        </p:txBody>
+      </p:sp>
+      <p:sp>
+        <p:nvSpPr>
+          <p:cNvPr id="44" name="Rectangle: Rounded Corners 43">
+            <a:extLst>
+              <a:ext uri="{FF2B5EF4-FFF2-40B4-BE49-F238E27FC236}">
+                <a16:creationId xmlns:a16="http://schemas.microsoft.com/office/drawing/2014/main" id="{272686B1-541C-4F81-BCC5-91F62772FBB1}"/>
+              </a:ext>
+            </a:extLst>
+          </p:cNvPr>
+          <p:cNvSpPr/>
+          <p:nvPr/>
+        </p:nvSpPr>
+        <p:spPr>
+          <a:xfrm>
+            <a:off x="4904092" y="3797826"/>
+            <a:ext cx="2383806" cy="399495"/>
+          </a:xfrm>
+          <a:prstGeom prst="roundRect">
+            <a:avLst/>
+          </a:prstGeom>
+          <a:solidFill>
+            <a:srgbClr val="BFAE7F"/>
+          </a:solidFill>
+          <a:ln>
+            <a:solidFill>
+              <a:srgbClr val="005035"/>
+            </a:solidFill>
+          </a:ln>
+        </p:spPr>
+        <p:style>
+          <a:lnRef idx="2">
+            <a:schemeClr val="accent1">
+              <a:shade val="50000"/>
+            </a:schemeClr>
+          </a:lnRef>
+          <a:fillRef idx="1">
+            <a:schemeClr val="accent1"/>
+          </a:fillRef>
+          <a:effectRef idx="0">
+            <a:schemeClr val="accent1"/>
+          </a:effectRef>
+          <a:fontRef idx="minor">
+            <a:schemeClr val="lt1"/>
+          </a:fontRef>
+        </p:style>
+        <p:txBody>
+          <a:bodyPr rtlCol="0" anchor="ctr"/>
+          <a:lstStyle/>
+          <a:p>
+            <a:pPr algn="ctr"/>
+            <a:r>
+              <a:rPr lang="en-US" dirty="0">
+                <a:solidFill>
+                  <a:srgbClr val="005035"/>
+                </a:solidFill>
+              </a:rPr>
+              <a:t>Return To Networking</a:t>
+            </a:r>
+          </a:p>
+        </p:txBody>
+      </p:sp>
+      <p:pic>
+        <p:nvPicPr>
+          <p:cNvPr id="10" name="Picture 9" descr="Logo&#10;&#10;Description automatically generated">
+            <a:extLst>
+              <a:ext uri="{FF2B5EF4-FFF2-40B4-BE49-F238E27FC236}">
+                <a16:creationId xmlns:a16="http://schemas.microsoft.com/office/drawing/2014/main" id="{41ECDECA-934E-448A-BC95-606847C295D1}"/>
+              </a:ext>
+            </a:extLst>
+          </p:cNvPr>
+          <p:cNvPicPr>
+            <a:picLocks noChangeAspect="1"/>
+          </p:cNvPicPr>
+          <p:nvPr/>
+        </p:nvPicPr>
+        <p:blipFill>
+          <a:blip r:embed="rId2">
+            <a:extLst>
+              <a:ext uri="{28A0092B-C50C-407E-A947-70E740481C1C}">
+                <a14:useLocalDpi xmlns:a14="http://schemas.microsoft.com/office/drawing/2010/main" val="0"/>
+              </a:ext>
+            </a:extLst>
+          </a:blip>
+          <a:stretch>
+            <a:fillRect/>
+          </a:stretch>
+        </p:blipFill>
+        <p:spPr>
+          <a:xfrm>
+            <a:off x="-43497" y="-395007"/>
+            <a:ext cx="1956628" cy="1280838"/>
+          </a:xfrm>
+          <a:prstGeom prst="rect">
+            <a:avLst/>
+          </a:prstGeom>
+        </p:spPr>
+      </p:pic>
+      <p:sp>
+        <p:nvSpPr>
+          <p:cNvPr id="14" name="Plus Sign 13">
+            <a:extLst>
+              <a:ext uri="{FF2B5EF4-FFF2-40B4-BE49-F238E27FC236}">
+                <a16:creationId xmlns:a16="http://schemas.microsoft.com/office/drawing/2014/main" id="{B25F1543-F023-4DCF-8F8C-A740E9B11ECF}"/>
+              </a:ext>
+            </a:extLst>
+          </p:cNvPr>
+          <p:cNvSpPr/>
+          <p:nvPr/>
+        </p:nvSpPr>
+        <p:spPr>
+          <a:xfrm>
+            <a:off x="3647197" y="139880"/>
+            <a:ext cx="333676" cy="285337"/>
+          </a:xfrm>
+          <a:prstGeom prst="mathPlus">
+            <a:avLst/>
+          </a:prstGeom>
+          <a:solidFill>
+            <a:srgbClr val="BFAE7F"/>
+          </a:solidFill>
+          <a:ln w="19050">
+            <a:solidFill>
+              <a:srgbClr val="005035"/>
+            </a:solidFill>
+          </a:ln>
+        </p:spPr>
+        <p:style>
+          <a:lnRef idx="2">
+            <a:schemeClr val="accent1">
+              <a:shade val="50000"/>
+            </a:schemeClr>
+          </a:lnRef>
+          <a:fillRef idx="1">
+            <a:schemeClr val="accent1"/>
+          </a:fillRef>
+          <a:effectRef idx="0">
+            <a:schemeClr val="accent1"/>
+          </a:effectRef>
+          <a:fontRef idx="minor">
+            <a:schemeClr val="lt1"/>
+          </a:fontRef>
+        </p:style>
+        <p:txBody>
+          <a:bodyPr rtlCol="0" anchor="ctr"/>
+          <a:lstStyle/>
+          <a:p>
+            <a:pPr algn="ctr"/>
+            <a:endParaRPr lang="en-US"/>
+          </a:p>
+        </p:txBody>
+      </p:sp>
+      <p:sp>
+        <p:nvSpPr>
+          <p:cNvPr id="46" name="Rectangle 45">
+            <a:hlinkClick r:id="rId3" action="ppaction://hlinksldjump"/>
+            <a:extLst>
+              <a:ext uri="{FF2B5EF4-FFF2-40B4-BE49-F238E27FC236}">
+                <a16:creationId xmlns:a16="http://schemas.microsoft.com/office/drawing/2014/main" id="{05D3371D-1F42-498D-BE4F-2CF1A14B6371}"/>
+              </a:ext>
+            </a:extLst>
+          </p:cNvPr>
+          <p:cNvSpPr/>
+          <p:nvPr/>
+        </p:nvSpPr>
+        <p:spPr>
+          <a:xfrm>
+            <a:off x="9916358" y="195601"/>
+            <a:ext cx="1182727" cy="260982"/>
+          </a:xfrm>
+          <a:prstGeom prst="rect">
+            <a:avLst/>
+          </a:prstGeom>
+          <a:noFill/>
+          <a:ln>
+            <a:noFill/>
+          </a:ln>
+        </p:spPr>
+        <p:style>
+          <a:lnRef idx="2">
+            <a:schemeClr val="accent1">
+              <a:shade val="50000"/>
+            </a:schemeClr>
+          </a:lnRef>
+          <a:fillRef idx="1">
+            <a:schemeClr val="accent1"/>
+          </a:fillRef>
+          <a:effectRef idx="0">
+            <a:schemeClr val="accent1"/>
+          </a:effectRef>
+          <a:fontRef idx="minor">
+            <a:schemeClr val="lt1"/>
+          </a:fontRef>
+        </p:style>
+        <p:txBody>
+          <a:bodyPr rtlCol="0" anchor="ctr"/>
+          <a:lstStyle/>
+          <a:p>
+            <a:pPr algn="ctr"/>
+            <a:endParaRPr lang="en-US"/>
+          </a:p>
+        </p:txBody>
+      </p:sp>
+      <p:sp>
+        <p:nvSpPr>
+          <p:cNvPr id="53" name="Rectangle 52">
+            <a:hlinkClick r:id="rId4" action="ppaction://hlinksldjump"/>
+            <a:extLst>
+              <a:ext uri="{FF2B5EF4-FFF2-40B4-BE49-F238E27FC236}">
+                <a16:creationId xmlns:a16="http://schemas.microsoft.com/office/drawing/2014/main" id="{4868DD6F-3604-4D92-B6DF-A7C130B22476}"/>
+              </a:ext>
+            </a:extLst>
+          </p:cNvPr>
+          <p:cNvSpPr/>
+          <p:nvPr/>
+        </p:nvSpPr>
+        <p:spPr>
+          <a:xfrm>
+            <a:off x="8028264" y="139880"/>
+            <a:ext cx="578841" cy="307015"/>
+          </a:xfrm>
+          <a:prstGeom prst="rect">
+            <a:avLst/>
+          </a:prstGeom>
+          <a:noFill/>
+          <a:ln>
+            <a:noFill/>
+          </a:ln>
+        </p:spPr>
+        <p:style>
+          <a:lnRef idx="2">
+            <a:schemeClr val="accent1">
+              <a:shade val="50000"/>
+            </a:schemeClr>
+          </a:lnRef>
+          <a:fillRef idx="1">
+            <a:schemeClr val="accent1"/>
+          </a:fillRef>
+          <a:effectRef idx="0">
+            <a:schemeClr val="accent1"/>
+          </a:effectRef>
+          <a:fontRef idx="minor">
+            <a:schemeClr val="lt1"/>
+          </a:fontRef>
+        </p:style>
+        <p:txBody>
+          <a:bodyPr rtlCol="0" anchor="ctr"/>
+          <a:lstStyle/>
+          <a:p>
+            <a:pPr algn="ctr"/>
+            <a:endParaRPr lang="en-US"/>
+          </a:p>
+        </p:txBody>
+      </p:sp>
+      <p:sp>
+        <p:nvSpPr>
+          <p:cNvPr id="54" name="Rectangle 53">
+            <a:hlinkClick r:id="rId4" action="ppaction://hlinksldjump"/>
+            <a:extLst>
+              <a:ext uri="{FF2B5EF4-FFF2-40B4-BE49-F238E27FC236}">
+                <a16:creationId xmlns:a16="http://schemas.microsoft.com/office/drawing/2014/main" id="{25D7D4A7-79CF-43AD-ABA8-A667AF7C8636}"/>
+              </a:ext>
+            </a:extLst>
+          </p:cNvPr>
+          <p:cNvSpPr/>
+          <p:nvPr/>
+        </p:nvSpPr>
+        <p:spPr>
+          <a:xfrm>
+            <a:off x="2277743" y="162885"/>
+            <a:ext cx="1703130" cy="307015"/>
+          </a:xfrm>
+          <a:prstGeom prst="rect">
+            <a:avLst/>
+          </a:prstGeom>
+          <a:noFill/>
+          <a:ln>
+            <a:noFill/>
+          </a:ln>
+        </p:spPr>
+        <p:style>
+          <a:lnRef idx="2">
+            <a:schemeClr val="accent1">
+              <a:shade val="50000"/>
+            </a:schemeClr>
+          </a:lnRef>
+          <a:fillRef idx="1">
+            <a:schemeClr val="accent1"/>
+          </a:fillRef>
+          <a:effectRef idx="0">
+            <a:schemeClr val="accent1"/>
+          </a:effectRef>
+          <a:fontRef idx="minor">
+            <a:schemeClr val="lt1"/>
+          </a:fontRef>
+        </p:style>
+        <p:txBody>
+          <a:bodyPr rtlCol="0" anchor="ctr"/>
+          <a:lstStyle/>
+          <a:p>
+            <a:pPr algn="ctr"/>
+            <a:endParaRPr lang="en-US"/>
+          </a:p>
+        </p:txBody>
+      </p:sp>
+      <p:sp>
+        <p:nvSpPr>
+          <p:cNvPr id="56" name="Rectangle 55">
+            <a:hlinkClick r:id="rId5" action="ppaction://hlinksldjump"/>
+            <a:extLst>
+              <a:ext uri="{FF2B5EF4-FFF2-40B4-BE49-F238E27FC236}">
+                <a16:creationId xmlns:a16="http://schemas.microsoft.com/office/drawing/2014/main" id="{10010486-50F7-4742-9BAD-412F756428F8}"/>
+              </a:ext>
+            </a:extLst>
+          </p:cNvPr>
+          <p:cNvSpPr/>
+          <p:nvPr/>
+        </p:nvSpPr>
+        <p:spPr>
+          <a:xfrm>
+            <a:off x="11400638" y="127989"/>
+            <a:ext cx="716159" cy="399495"/>
+          </a:xfrm>
+          <a:prstGeom prst="rect">
+            <a:avLst/>
+          </a:prstGeom>
+          <a:noFill/>
+          <a:ln>
+            <a:noFill/>
+          </a:ln>
+        </p:spPr>
+        <p:style>
+          <a:lnRef idx="2">
+            <a:schemeClr val="accent1">
+              <a:shade val="50000"/>
+            </a:schemeClr>
+          </a:lnRef>
+          <a:fillRef idx="1">
+            <a:schemeClr val="accent1"/>
+          </a:fillRef>
+          <a:effectRef idx="0">
+            <a:schemeClr val="accent1"/>
+          </a:effectRef>
+          <a:fontRef idx="minor">
+            <a:schemeClr val="lt1"/>
+          </a:fontRef>
+        </p:style>
+        <p:txBody>
+          <a:bodyPr rtlCol="0" anchor="ctr"/>
+          <a:lstStyle/>
+          <a:p>
+            <a:pPr algn="ctr"/>
+            <a:endParaRPr lang="en-US"/>
+          </a:p>
+        </p:txBody>
+      </p:sp>
+      <p:sp>
+        <p:nvSpPr>
+          <p:cNvPr id="2" name="Rectangle 1">
+            <a:hlinkClick r:id="rId3" action="ppaction://hlinksldjump"/>
+            <a:extLst>
+              <a:ext uri="{FF2B5EF4-FFF2-40B4-BE49-F238E27FC236}">
+                <a16:creationId xmlns:a16="http://schemas.microsoft.com/office/drawing/2014/main" id="{CE046587-2290-4376-919C-65BF0D9BD474}"/>
+              </a:ext>
+            </a:extLst>
+          </p:cNvPr>
+          <p:cNvSpPr/>
+          <p:nvPr/>
+        </p:nvSpPr>
+        <p:spPr>
+          <a:xfrm>
+            <a:off x="4904092" y="3797826"/>
+            <a:ext cx="2383806" cy="399495"/>
+          </a:xfrm>
+          <a:prstGeom prst="rect">
+            <a:avLst/>
+          </a:prstGeom>
+          <a:noFill/>
+          <a:ln>
+            <a:noFill/>
+          </a:ln>
+        </p:spPr>
+        <p:style>
+          <a:lnRef idx="2">
+            <a:schemeClr val="accent1">
+              <a:shade val="50000"/>
+            </a:schemeClr>
+          </a:lnRef>
+          <a:fillRef idx="1">
+            <a:schemeClr val="accent1"/>
+          </a:fillRef>
+          <a:effectRef idx="0">
+            <a:schemeClr val="accent1"/>
+          </a:effectRef>
+          <a:fontRef idx="minor">
+            <a:schemeClr val="lt1"/>
+          </a:fontRef>
+        </p:style>
+        <p:txBody>
+          <a:bodyPr rtlCol="0" anchor="ctr"/>
+          <a:lstStyle/>
+          <a:p>
+            <a:pPr algn="ctr"/>
+            <a:endParaRPr lang="en-US"/>
+          </a:p>
+        </p:txBody>
+      </p:sp>
     </p:spTree>
     <p:extLst>
       <p:ext uri="{BB962C8B-B14F-4D97-AF65-F5344CB8AC3E}">
-        <p14:creationId xmlns:p14="http://schemas.microsoft.com/office/powerpoint/2010/main" val="1925264102"/>
+        <p14:creationId xmlns:p14="http://schemas.microsoft.com/office/powerpoint/2010/main" val="1138580333"/>
+      </p:ext>
+    </p:extLst>
+  </p:cSld>
+  <p:clrMapOvr>
+    <a:masterClrMapping/>
+  </p:clrMapOvr>
+</p:sld>
+</file>
+
+<file path=ppt/slides/slide13.xml><?xml version="1.0" encoding="utf-8"?>
+<p:sld xmlns:a="http://schemas.openxmlformats.org/drawingml/2006/main" xmlns:r="http://schemas.openxmlformats.org/officeDocument/2006/relationships" xmlns:p="http://schemas.openxmlformats.org/presentationml/2006/main">
+  <p:cSld>
+    <p:spTree>
+      <p:nvGrpSpPr>
+        <p:cNvPr id="1" name=""/>
+        <p:cNvGrpSpPr/>
+        <p:nvPr/>
+      </p:nvGrpSpPr>
+      <p:grpSpPr>
+        <a:xfrm>
+          <a:off x="0" y="0"/>
+          <a:ext cx="0" cy="0"/>
+          <a:chOff x="0" y="0"/>
+          <a:chExt cx="0" cy="0"/>
+        </a:xfrm>
+      </p:grpSpPr>
+      <p:sp>
+        <p:nvSpPr>
+          <p:cNvPr id="45" name="Rectangle 44">
+            <a:extLst>
+              <a:ext uri="{FF2B5EF4-FFF2-40B4-BE49-F238E27FC236}">
+                <a16:creationId xmlns:a16="http://schemas.microsoft.com/office/drawing/2014/main" id="{E448BBBF-D84C-4FF3-BD3C-9ADE6945E108}"/>
+              </a:ext>
+            </a:extLst>
+          </p:cNvPr>
+          <p:cNvSpPr/>
+          <p:nvPr/>
+        </p:nvSpPr>
+        <p:spPr>
+          <a:xfrm>
+            <a:off x="-1" y="6238036"/>
+            <a:ext cx="12192000" cy="630314"/>
+          </a:xfrm>
+          <a:prstGeom prst="rect">
+            <a:avLst/>
+          </a:prstGeom>
+          <a:solidFill>
+            <a:schemeClr val="bg1">
+              <a:lumMod val="95000"/>
+            </a:schemeClr>
+          </a:solidFill>
+          <a:ln w="38100">
+            <a:solidFill>
+              <a:srgbClr val="005035"/>
+            </a:solidFill>
+          </a:ln>
+        </p:spPr>
+        <p:style>
+          <a:lnRef idx="2">
+            <a:schemeClr val="accent1">
+              <a:shade val="50000"/>
+            </a:schemeClr>
+          </a:lnRef>
+          <a:fillRef idx="1">
+            <a:schemeClr val="accent1"/>
+          </a:fillRef>
+          <a:effectRef idx="0">
+            <a:schemeClr val="accent1"/>
+          </a:effectRef>
+          <a:fontRef idx="minor">
+            <a:schemeClr val="lt1"/>
+          </a:fontRef>
+        </p:style>
+        <p:txBody>
+          <a:bodyPr rtlCol="0" anchor="ctr"/>
+          <a:lstStyle/>
+          <a:p>
+            <a:pPr algn="ctr"/>
+            <a:endParaRPr lang="en-US"/>
+          </a:p>
+        </p:txBody>
+      </p:sp>
+      <p:sp>
+        <p:nvSpPr>
+          <p:cNvPr id="4" name="Rectangle 3">
+            <a:extLst>
+              <a:ext uri="{FF2B5EF4-FFF2-40B4-BE49-F238E27FC236}">
+                <a16:creationId xmlns:a16="http://schemas.microsoft.com/office/drawing/2014/main" id="{6DD2732E-FDC8-45C7-BB85-7A92B0639642}"/>
+              </a:ext>
+            </a:extLst>
+          </p:cNvPr>
+          <p:cNvSpPr/>
+          <p:nvPr/>
+        </p:nvSpPr>
+        <p:spPr>
+          <a:xfrm>
+            <a:off x="0" y="0"/>
+            <a:ext cx="12192000" cy="630314"/>
+          </a:xfrm>
+          <a:prstGeom prst="rect">
+            <a:avLst/>
+          </a:prstGeom>
+          <a:solidFill>
+            <a:schemeClr val="bg1">
+              <a:lumMod val="95000"/>
+            </a:schemeClr>
+          </a:solidFill>
+          <a:ln w="38100">
+            <a:solidFill>
+              <a:srgbClr val="005035"/>
+            </a:solidFill>
+          </a:ln>
+        </p:spPr>
+        <p:style>
+          <a:lnRef idx="2">
+            <a:schemeClr val="accent1">
+              <a:shade val="50000"/>
+            </a:schemeClr>
+          </a:lnRef>
+          <a:fillRef idx="1">
+            <a:schemeClr val="accent1"/>
+          </a:fillRef>
+          <a:effectRef idx="0">
+            <a:schemeClr val="accent1"/>
+          </a:effectRef>
+          <a:fontRef idx="minor">
+            <a:schemeClr val="lt1"/>
+          </a:fontRef>
+        </p:style>
+        <p:txBody>
+          <a:bodyPr rtlCol="0" anchor="ctr"/>
+          <a:lstStyle/>
+          <a:p>
+            <a:pPr algn="ctr"/>
+            <a:endParaRPr lang="en-US"/>
+          </a:p>
+        </p:txBody>
+      </p:sp>
+      <p:sp>
+        <p:nvSpPr>
+          <p:cNvPr id="8" name="TextBox 7">
+            <a:extLst>
+              <a:ext uri="{FF2B5EF4-FFF2-40B4-BE49-F238E27FC236}">
+                <a16:creationId xmlns:a16="http://schemas.microsoft.com/office/drawing/2014/main" id="{87019874-CE38-4427-9800-8DF69A74AA31}"/>
+              </a:ext>
+            </a:extLst>
+          </p:cNvPr>
+          <p:cNvSpPr txBox="1"/>
+          <p:nvPr/>
+        </p:nvSpPr>
+        <p:spPr>
+          <a:xfrm>
+            <a:off x="7833064" y="111827"/>
+            <a:ext cx="4358936" cy="369332"/>
+          </a:xfrm>
+          <a:prstGeom prst="rect">
+            <a:avLst/>
+          </a:prstGeom>
+          <a:noFill/>
+          <a:ln>
+            <a:noFill/>
+          </a:ln>
+        </p:spPr>
+        <p:txBody>
+          <a:bodyPr wrap="square" rtlCol="0">
+            <a:spAutoFit/>
+          </a:bodyPr>
+          <a:lstStyle/>
+          <a:p>
+            <a:pPr algn="ctr"/>
+            <a:r>
+              <a:rPr lang="en-US" dirty="0">
+                <a:solidFill>
+                  <a:srgbClr val="005035"/>
+                </a:solidFill>
+              </a:rPr>
+              <a:t>Home   </a:t>
+            </a:r>
+            <a:r>
+              <a:rPr lang="en-US" dirty="0">
+                <a:solidFill>
+                  <a:srgbClr val="BFAE7F"/>
+                </a:solidFill>
+              </a:rPr>
+              <a:t>|</a:t>
+            </a:r>
+            <a:r>
+              <a:rPr lang="en-US" dirty="0">
+                <a:solidFill>
+                  <a:srgbClr val="005035"/>
+                </a:solidFill>
+              </a:rPr>
+              <a:t>   About   </a:t>
+            </a:r>
+            <a:r>
+              <a:rPr lang="en-US" dirty="0">
+                <a:solidFill>
+                  <a:srgbClr val="BFAE7F"/>
+                </a:solidFill>
+              </a:rPr>
+              <a:t>|</a:t>
+            </a:r>
+            <a:r>
+              <a:rPr lang="en-US" dirty="0">
+                <a:solidFill>
+                  <a:srgbClr val="005035"/>
+                </a:solidFill>
+              </a:rPr>
+              <a:t> Networking   </a:t>
+            </a:r>
+            <a:r>
+              <a:rPr lang="en-US" dirty="0">
+                <a:solidFill>
+                  <a:srgbClr val="BFAE7F"/>
+                </a:solidFill>
+              </a:rPr>
+              <a:t>|</a:t>
+            </a:r>
+            <a:r>
+              <a:rPr lang="en-US" dirty="0">
+                <a:solidFill>
+                  <a:srgbClr val="005035"/>
+                </a:solidFill>
+              </a:rPr>
+              <a:t>   Login</a:t>
+            </a:r>
+          </a:p>
+        </p:txBody>
+      </p:sp>
+      <p:sp>
+        <p:nvSpPr>
+          <p:cNvPr id="22" name="TextBox 21">
+            <a:extLst>
+              <a:ext uri="{FF2B5EF4-FFF2-40B4-BE49-F238E27FC236}">
+                <a16:creationId xmlns:a16="http://schemas.microsoft.com/office/drawing/2014/main" id="{521B6C31-20E4-4B90-8C88-ECCA224F71E3}"/>
+              </a:ext>
+            </a:extLst>
+          </p:cNvPr>
+          <p:cNvSpPr txBox="1"/>
+          <p:nvPr/>
+        </p:nvSpPr>
+        <p:spPr>
+          <a:xfrm>
+            <a:off x="1110787" y="116328"/>
+            <a:ext cx="3728622" cy="369332"/>
+          </a:xfrm>
+          <a:prstGeom prst="rect">
+            <a:avLst/>
+          </a:prstGeom>
+          <a:noFill/>
+        </p:spPr>
+        <p:txBody>
+          <a:bodyPr wrap="square" rtlCol="0">
+            <a:spAutoFit/>
+          </a:bodyPr>
+          <a:lstStyle/>
+          <a:p>
+            <a:pPr algn="ctr"/>
+            <a:r>
+              <a:rPr lang="en-US" dirty="0">
+                <a:solidFill>
+                  <a:srgbClr val="005035"/>
+                </a:solidFill>
+              </a:rPr>
+              <a:t>Degree Works</a:t>
+            </a:r>
+          </a:p>
+        </p:txBody>
+      </p:sp>
+      <p:sp>
+        <p:nvSpPr>
+          <p:cNvPr id="24" name="TextBox 23">
+            <a:extLst>
+              <a:ext uri="{FF2B5EF4-FFF2-40B4-BE49-F238E27FC236}">
+                <a16:creationId xmlns:a16="http://schemas.microsoft.com/office/drawing/2014/main" id="{273A3718-CD45-4282-9D1F-825036D47828}"/>
+              </a:ext>
+            </a:extLst>
+          </p:cNvPr>
+          <p:cNvSpPr txBox="1"/>
+          <p:nvPr/>
+        </p:nvSpPr>
+        <p:spPr>
+          <a:xfrm>
+            <a:off x="9916358" y="6368527"/>
+            <a:ext cx="1722268" cy="369332"/>
+          </a:xfrm>
+          <a:prstGeom prst="rect">
+            <a:avLst/>
+          </a:prstGeom>
+          <a:noFill/>
+        </p:spPr>
+        <p:txBody>
+          <a:bodyPr wrap="square" rtlCol="0">
+            <a:spAutoFit/>
+          </a:bodyPr>
+          <a:lstStyle/>
+          <a:p>
+            <a:pPr algn="ctr"/>
+            <a:r>
+              <a:rPr lang="en-US" dirty="0">
+                <a:solidFill>
+                  <a:srgbClr val="005035"/>
+                </a:solidFill>
+              </a:rPr>
+              <a:t>? Help   </a:t>
+            </a:r>
+            <a:r>
+              <a:rPr lang="en-US" dirty="0">
+                <a:solidFill>
+                  <a:srgbClr val="BFAE7F"/>
+                </a:solidFill>
+              </a:rPr>
+              <a:t>|</a:t>
+            </a:r>
+            <a:r>
+              <a:rPr lang="en-US" dirty="0">
+                <a:solidFill>
+                  <a:srgbClr val="005035"/>
+                </a:solidFill>
+              </a:rPr>
+              <a:t>   FAQ</a:t>
+            </a:r>
+          </a:p>
+        </p:txBody>
+      </p:sp>
+      <p:sp>
+        <p:nvSpPr>
+          <p:cNvPr id="31" name="Rectangle 30">
+            <a:extLst>
+              <a:ext uri="{FF2B5EF4-FFF2-40B4-BE49-F238E27FC236}">
+                <a16:creationId xmlns:a16="http://schemas.microsoft.com/office/drawing/2014/main" id="{78A7008B-1A66-4BA5-AD4C-E4F4F0F71328}"/>
+              </a:ext>
+            </a:extLst>
+          </p:cNvPr>
+          <p:cNvSpPr/>
+          <p:nvPr/>
+        </p:nvSpPr>
+        <p:spPr>
+          <a:xfrm>
+            <a:off x="3136032" y="999140"/>
+            <a:ext cx="5919933" cy="4870069"/>
+          </a:xfrm>
+          <a:prstGeom prst="rect">
+            <a:avLst/>
+          </a:prstGeom>
+          <a:solidFill>
+            <a:schemeClr val="bg1">
+              <a:lumMod val="95000"/>
+            </a:schemeClr>
+          </a:solidFill>
+          <a:ln>
+            <a:solidFill>
+              <a:srgbClr val="005035"/>
+            </a:solidFill>
+          </a:ln>
+        </p:spPr>
+        <p:style>
+          <a:lnRef idx="2">
+            <a:schemeClr val="accent1">
+              <a:shade val="50000"/>
+            </a:schemeClr>
+          </a:lnRef>
+          <a:fillRef idx="1">
+            <a:schemeClr val="accent1"/>
+          </a:fillRef>
+          <a:effectRef idx="0">
+            <a:schemeClr val="accent1"/>
+          </a:effectRef>
+          <a:fontRef idx="minor">
+            <a:schemeClr val="lt1"/>
+          </a:fontRef>
+        </p:style>
+        <p:txBody>
+          <a:bodyPr rtlCol="0" anchor="ctr"/>
+          <a:lstStyle/>
+          <a:p>
+            <a:pPr algn="ctr"/>
+            <a:endParaRPr lang="en-US"/>
+          </a:p>
+        </p:txBody>
+      </p:sp>
+      <p:sp>
+        <p:nvSpPr>
+          <p:cNvPr id="42" name="TextBox 41">
+            <a:extLst>
+              <a:ext uri="{FF2B5EF4-FFF2-40B4-BE49-F238E27FC236}">
+                <a16:creationId xmlns:a16="http://schemas.microsoft.com/office/drawing/2014/main" id="{31DC238A-E5D8-40C8-B0B4-8DBA471EA1D6}"/>
+              </a:ext>
+            </a:extLst>
+          </p:cNvPr>
+          <p:cNvSpPr txBox="1"/>
+          <p:nvPr/>
+        </p:nvSpPr>
+        <p:spPr>
+          <a:xfrm>
+            <a:off x="4728348" y="2598509"/>
+            <a:ext cx="2735293" cy="461665"/>
+          </a:xfrm>
+          <a:prstGeom prst="rect">
+            <a:avLst/>
+          </a:prstGeom>
+          <a:noFill/>
+        </p:spPr>
+        <p:txBody>
+          <a:bodyPr wrap="square" rtlCol="0">
+            <a:spAutoFit/>
+          </a:bodyPr>
+          <a:lstStyle/>
+          <a:p>
+            <a:pPr algn="ctr"/>
+            <a:r>
+              <a:rPr lang="en-US" sz="2400" b="1" dirty="0">
+                <a:solidFill>
+                  <a:srgbClr val="005035"/>
+                </a:solidFill>
+              </a:rPr>
+              <a:t>Sign Up Complete</a:t>
+            </a:r>
+            <a:endParaRPr lang="en-US" b="1" dirty="0">
+              <a:solidFill>
+                <a:srgbClr val="005035"/>
+              </a:solidFill>
+            </a:endParaRPr>
+          </a:p>
+        </p:txBody>
+      </p:sp>
+      <p:sp>
+        <p:nvSpPr>
+          <p:cNvPr id="44" name="Rectangle: Rounded Corners 43">
+            <a:extLst>
+              <a:ext uri="{FF2B5EF4-FFF2-40B4-BE49-F238E27FC236}">
+                <a16:creationId xmlns:a16="http://schemas.microsoft.com/office/drawing/2014/main" id="{272686B1-541C-4F81-BCC5-91F62772FBB1}"/>
+              </a:ext>
+            </a:extLst>
+          </p:cNvPr>
+          <p:cNvSpPr/>
+          <p:nvPr/>
+        </p:nvSpPr>
+        <p:spPr>
+          <a:xfrm>
+            <a:off x="4904092" y="3797826"/>
+            <a:ext cx="2383806" cy="399495"/>
+          </a:xfrm>
+          <a:prstGeom prst="roundRect">
+            <a:avLst/>
+          </a:prstGeom>
+          <a:solidFill>
+            <a:srgbClr val="BFAE7F"/>
+          </a:solidFill>
+          <a:ln>
+            <a:solidFill>
+              <a:srgbClr val="005035"/>
+            </a:solidFill>
+          </a:ln>
+        </p:spPr>
+        <p:style>
+          <a:lnRef idx="2">
+            <a:schemeClr val="accent1">
+              <a:shade val="50000"/>
+            </a:schemeClr>
+          </a:lnRef>
+          <a:fillRef idx="1">
+            <a:schemeClr val="accent1"/>
+          </a:fillRef>
+          <a:effectRef idx="0">
+            <a:schemeClr val="accent1"/>
+          </a:effectRef>
+          <a:fontRef idx="minor">
+            <a:schemeClr val="lt1"/>
+          </a:fontRef>
+        </p:style>
+        <p:txBody>
+          <a:bodyPr rtlCol="0" anchor="ctr"/>
+          <a:lstStyle/>
+          <a:p>
+            <a:pPr algn="ctr"/>
+            <a:r>
+              <a:rPr lang="en-US" dirty="0">
+                <a:solidFill>
+                  <a:srgbClr val="005035"/>
+                </a:solidFill>
+              </a:rPr>
+              <a:t>Return To Networking</a:t>
+            </a:r>
+          </a:p>
+        </p:txBody>
+      </p:sp>
+      <p:pic>
+        <p:nvPicPr>
+          <p:cNvPr id="10" name="Picture 9" descr="Logo&#10;&#10;Description automatically generated">
+            <a:extLst>
+              <a:ext uri="{FF2B5EF4-FFF2-40B4-BE49-F238E27FC236}">
+                <a16:creationId xmlns:a16="http://schemas.microsoft.com/office/drawing/2014/main" id="{41ECDECA-934E-448A-BC95-606847C295D1}"/>
+              </a:ext>
+            </a:extLst>
+          </p:cNvPr>
+          <p:cNvPicPr>
+            <a:picLocks noChangeAspect="1"/>
+          </p:cNvPicPr>
+          <p:nvPr/>
+        </p:nvPicPr>
+        <p:blipFill>
+          <a:blip r:embed="rId2">
+            <a:extLst>
+              <a:ext uri="{28A0092B-C50C-407E-A947-70E740481C1C}">
+                <a14:useLocalDpi xmlns:a14="http://schemas.microsoft.com/office/drawing/2010/main" val="0"/>
+              </a:ext>
+            </a:extLst>
+          </a:blip>
+          <a:stretch>
+            <a:fillRect/>
+          </a:stretch>
+        </p:blipFill>
+        <p:spPr>
+          <a:xfrm>
+            <a:off x="-43497" y="-395007"/>
+            <a:ext cx="1956628" cy="1280838"/>
+          </a:xfrm>
+          <a:prstGeom prst="rect">
+            <a:avLst/>
+          </a:prstGeom>
+        </p:spPr>
+      </p:pic>
+      <p:sp>
+        <p:nvSpPr>
+          <p:cNvPr id="14" name="Plus Sign 13">
+            <a:extLst>
+              <a:ext uri="{FF2B5EF4-FFF2-40B4-BE49-F238E27FC236}">
+                <a16:creationId xmlns:a16="http://schemas.microsoft.com/office/drawing/2014/main" id="{B25F1543-F023-4DCF-8F8C-A740E9B11ECF}"/>
+              </a:ext>
+            </a:extLst>
+          </p:cNvPr>
+          <p:cNvSpPr/>
+          <p:nvPr/>
+        </p:nvSpPr>
+        <p:spPr>
+          <a:xfrm>
+            <a:off x="3647197" y="139880"/>
+            <a:ext cx="333676" cy="285337"/>
+          </a:xfrm>
+          <a:prstGeom prst="mathPlus">
+            <a:avLst/>
+          </a:prstGeom>
+          <a:solidFill>
+            <a:srgbClr val="BFAE7F"/>
+          </a:solidFill>
+          <a:ln w="19050">
+            <a:solidFill>
+              <a:srgbClr val="005035"/>
+            </a:solidFill>
+          </a:ln>
+        </p:spPr>
+        <p:style>
+          <a:lnRef idx="2">
+            <a:schemeClr val="accent1">
+              <a:shade val="50000"/>
+            </a:schemeClr>
+          </a:lnRef>
+          <a:fillRef idx="1">
+            <a:schemeClr val="accent1"/>
+          </a:fillRef>
+          <a:effectRef idx="0">
+            <a:schemeClr val="accent1"/>
+          </a:effectRef>
+          <a:fontRef idx="minor">
+            <a:schemeClr val="lt1"/>
+          </a:fontRef>
+        </p:style>
+        <p:txBody>
+          <a:bodyPr rtlCol="0" anchor="ctr"/>
+          <a:lstStyle/>
+          <a:p>
+            <a:pPr algn="ctr"/>
+            <a:endParaRPr lang="en-US"/>
+          </a:p>
+        </p:txBody>
+      </p:sp>
+      <p:sp>
+        <p:nvSpPr>
+          <p:cNvPr id="46" name="Rectangle 45">
+            <a:hlinkClick r:id="rId3" action="ppaction://hlinksldjump"/>
+            <a:extLst>
+              <a:ext uri="{FF2B5EF4-FFF2-40B4-BE49-F238E27FC236}">
+                <a16:creationId xmlns:a16="http://schemas.microsoft.com/office/drawing/2014/main" id="{05D3371D-1F42-498D-BE4F-2CF1A14B6371}"/>
+              </a:ext>
+            </a:extLst>
+          </p:cNvPr>
+          <p:cNvSpPr/>
+          <p:nvPr/>
+        </p:nvSpPr>
+        <p:spPr>
+          <a:xfrm>
+            <a:off x="9916358" y="195601"/>
+            <a:ext cx="1182727" cy="260982"/>
+          </a:xfrm>
+          <a:prstGeom prst="rect">
+            <a:avLst/>
+          </a:prstGeom>
+          <a:noFill/>
+          <a:ln>
+            <a:noFill/>
+          </a:ln>
+        </p:spPr>
+        <p:style>
+          <a:lnRef idx="2">
+            <a:schemeClr val="accent1">
+              <a:shade val="50000"/>
+            </a:schemeClr>
+          </a:lnRef>
+          <a:fillRef idx="1">
+            <a:schemeClr val="accent1"/>
+          </a:fillRef>
+          <a:effectRef idx="0">
+            <a:schemeClr val="accent1"/>
+          </a:effectRef>
+          <a:fontRef idx="minor">
+            <a:schemeClr val="lt1"/>
+          </a:fontRef>
+        </p:style>
+        <p:txBody>
+          <a:bodyPr rtlCol="0" anchor="ctr"/>
+          <a:lstStyle/>
+          <a:p>
+            <a:pPr algn="ctr"/>
+            <a:endParaRPr lang="en-US"/>
+          </a:p>
+        </p:txBody>
+      </p:sp>
+      <p:sp>
+        <p:nvSpPr>
+          <p:cNvPr id="53" name="Rectangle 52">
+            <a:hlinkClick r:id="rId4" action="ppaction://hlinksldjump"/>
+            <a:extLst>
+              <a:ext uri="{FF2B5EF4-FFF2-40B4-BE49-F238E27FC236}">
+                <a16:creationId xmlns:a16="http://schemas.microsoft.com/office/drawing/2014/main" id="{4868DD6F-3604-4D92-B6DF-A7C130B22476}"/>
+              </a:ext>
+            </a:extLst>
+          </p:cNvPr>
+          <p:cNvSpPr/>
+          <p:nvPr/>
+        </p:nvSpPr>
+        <p:spPr>
+          <a:xfrm>
+            <a:off x="8028264" y="139880"/>
+            <a:ext cx="578841" cy="307015"/>
+          </a:xfrm>
+          <a:prstGeom prst="rect">
+            <a:avLst/>
+          </a:prstGeom>
+          <a:noFill/>
+          <a:ln>
+            <a:noFill/>
+          </a:ln>
+        </p:spPr>
+        <p:style>
+          <a:lnRef idx="2">
+            <a:schemeClr val="accent1">
+              <a:shade val="50000"/>
+            </a:schemeClr>
+          </a:lnRef>
+          <a:fillRef idx="1">
+            <a:schemeClr val="accent1"/>
+          </a:fillRef>
+          <a:effectRef idx="0">
+            <a:schemeClr val="accent1"/>
+          </a:effectRef>
+          <a:fontRef idx="minor">
+            <a:schemeClr val="lt1"/>
+          </a:fontRef>
+        </p:style>
+        <p:txBody>
+          <a:bodyPr rtlCol="0" anchor="ctr"/>
+          <a:lstStyle/>
+          <a:p>
+            <a:pPr algn="ctr"/>
+            <a:endParaRPr lang="en-US"/>
+          </a:p>
+        </p:txBody>
+      </p:sp>
+      <p:sp>
+        <p:nvSpPr>
+          <p:cNvPr id="54" name="Rectangle 53">
+            <a:hlinkClick r:id="rId4" action="ppaction://hlinksldjump"/>
+            <a:extLst>
+              <a:ext uri="{FF2B5EF4-FFF2-40B4-BE49-F238E27FC236}">
+                <a16:creationId xmlns:a16="http://schemas.microsoft.com/office/drawing/2014/main" id="{25D7D4A7-79CF-43AD-ABA8-A667AF7C8636}"/>
+              </a:ext>
+            </a:extLst>
+          </p:cNvPr>
+          <p:cNvSpPr/>
+          <p:nvPr/>
+        </p:nvSpPr>
+        <p:spPr>
+          <a:xfrm>
+            <a:off x="2277743" y="162885"/>
+            <a:ext cx="1703130" cy="307015"/>
+          </a:xfrm>
+          <a:prstGeom prst="rect">
+            <a:avLst/>
+          </a:prstGeom>
+          <a:noFill/>
+          <a:ln>
+            <a:noFill/>
+          </a:ln>
+        </p:spPr>
+        <p:style>
+          <a:lnRef idx="2">
+            <a:schemeClr val="accent1">
+              <a:shade val="50000"/>
+            </a:schemeClr>
+          </a:lnRef>
+          <a:fillRef idx="1">
+            <a:schemeClr val="accent1"/>
+          </a:fillRef>
+          <a:effectRef idx="0">
+            <a:schemeClr val="accent1"/>
+          </a:effectRef>
+          <a:fontRef idx="minor">
+            <a:schemeClr val="lt1"/>
+          </a:fontRef>
+        </p:style>
+        <p:txBody>
+          <a:bodyPr rtlCol="0" anchor="ctr"/>
+          <a:lstStyle/>
+          <a:p>
+            <a:pPr algn="ctr"/>
+            <a:endParaRPr lang="en-US"/>
+          </a:p>
+        </p:txBody>
+      </p:sp>
+      <p:sp>
+        <p:nvSpPr>
+          <p:cNvPr id="56" name="Rectangle 55">
+            <a:hlinkClick r:id="rId5" action="ppaction://hlinksldjump"/>
+            <a:extLst>
+              <a:ext uri="{FF2B5EF4-FFF2-40B4-BE49-F238E27FC236}">
+                <a16:creationId xmlns:a16="http://schemas.microsoft.com/office/drawing/2014/main" id="{10010486-50F7-4742-9BAD-412F756428F8}"/>
+              </a:ext>
+            </a:extLst>
+          </p:cNvPr>
+          <p:cNvSpPr/>
+          <p:nvPr/>
+        </p:nvSpPr>
+        <p:spPr>
+          <a:xfrm>
+            <a:off x="11400638" y="127989"/>
+            <a:ext cx="716159" cy="399495"/>
+          </a:xfrm>
+          <a:prstGeom prst="rect">
+            <a:avLst/>
+          </a:prstGeom>
+          <a:noFill/>
+          <a:ln>
+            <a:noFill/>
+          </a:ln>
+        </p:spPr>
+        <p:style>
+          <a:lnRef idx="2">
+            <a:schemeClr val="accent1">
+              <a:shade val="50000"/>
+            </a:schemeClr>
+          </a:lnRef>
+          <a:fillRef idx="1">
+            <a:schemeClr val="accent1"/>
+          </a:fillRef>
+          <a:effectRef idx="0">
+            <a:schemeClr val="accent1"/>
+          </a:effectRef>
+          <a:fontRef idx="minor">
+            <a:schemeClr val="lt1"/>
+          </a:fontRef>
+        </p:style>
+        <p:txBody>
+          <a:bodyPr rtlCol="0" anchor="ctr"/>
+          <a:lstStyle/>
+          <a:p>
+            <a:pPr algn="ctr"/>
+            <a:endParaRPr lang="en-US"/>
+          </a:p>
+        </p:txBody>
+      </p:sp>
+      <p:sp>
+        <p:nvSpPr>
+          <p:cNvPr id="2" name="Rectangle 1">
+            <a:hlinkClick r:id="rId3" action="ppaction://hlinksldjump"/>
+            <a:extLst>
+              <a:ext uri="{FF2B5EF4-FFF2-40B4-BE49-F238E27FC236}">
+                <a16:creationId xmlns:a16="http://schemas.microsoft.com/office/drawing/2014/main" id="{CE046587-2290-4376-919C-65BF0D9BD474}"/>
+              </a:ext>
+            </a:extLst>
+          </p:cNvPr>
+          <p:cNvSpPr/>
+          <p:nvPr/>
+        </p:nvSpPr>
+        <p:spPr>
+          <a:xfrm>
+            <a:off x="4904092" y="3797826"/>
+            <a:ext cx="2383806" cy="399495"/>
+          </a:xfrm>
+          <a:prstGeom prst="rect">
+            <a:avLst/>
+          </a:prstGeom>
+          <a:noFill/>
+          <a:ln>
+            <a:noFill/>
+          </a:ln>
+        </p:spPr>
+        <p:style>
+          <a:lnRef idx="2">
+            <a:schemeClr val="accent1">
+              <a:shade val="50000"/>
+            </a:schemeClr>
+          </a:lnRef>
+          <a:fillRef idx="1">
+            <a:schemeClr val="accent1"/>
+          </a:fillRef>
+          <a:effectRef idx="0">
+            <a:schemeClr val="accent1"/>
+          </a:effectRef>
+          <a:fontRef idx="minor">
+            <a:schemeClr val="lt1"/>
+          </a:fontRef>
+        </p:style>
+        <p:txBody>
+          <a:bodyPr rtlCol="0" anchor="ctr"/>
+          <a:lstStyle/>
+          <a:p>
+            <a:pPr algn="ctr"/>
+            <a:endParaRPr lang="en-US" dirty="0"/>
+          </a:p>
+        </p:txBody>
+      </p:sp>
+      <p:sp>
+        <p:nvSpPr>
+          <p:cNvPr id="17" name="TextBox 16">
+            <a:extLst>
+              <a:ext uri="{FF2B5EF4-FFF2-40B4-BE49-F238E27FC236}">
+                <a16:creationId xmlns:a16="http://schemas.microsoft.com/office/drawing/2014/main" id="{6FEE34E3-92F5-4665-BA21-50F4146ED40C}"/>
+              </a:ext>
+            </a:extLst>
+          </p:cNvPr>
+          <p:cNvSpPr txBox="1"/>
+          <p:nvPr/>
+        </p:nvSpPr>
+        <p:spPr>
+          <a:xfrm>
+            <a:off x="3913916" y="2960795"/>
+            <a:ext cx="4364156" cy="646331"/>
+          </a:xfrm>
+          <a:prstGeom prst="rect">
+            <a:avLst/>
+          </a:prstGeom>
+          <a:noFill/>
+        </p:spPr>
+        <p:txBody>
+          <a:bodyPr wrap="square" rtlCol="0">
+            <a:spAutoFit/>
+          </a:bodyPr>
+          <a:lstStyle/>
+          <a:p>
+            <a:pPr marL="0" algn="ctr" rtl="0" eaLnBrk="1" fontAlgn="t" latinLnBrk="0" hangingPunct="1">
+              <a:spcBef>
+                <a:spcPts val="0"/>
+              </a:spcBef>
+              <a:spcAft>
+                <a:spcPts val="0"/>
+              </a:spcAft>
+            </a:pPr>
+            <a:r>
+              <a:rPr lang="en-US" sz="1800" i="0" u="none" strike="noStrike" kern="1200" dirty="0">
+                <a:effectLst/>
+                <a:latin typeface="Calibri" panose="020F0502020204030204" pitchFamily="34" charset="0"/>
+              </a:rPr>
+              <a:t>A reminder has been sent to your email.</a:t>
+            </a:r>
+            <a:endParaRPr lang="en-US" sz="1800" i="0" u="none" strike="noStrike" dirty="0">
+              <a:effectLst/>
+              <a:latin typeface="Arial" panose="020B0604020202020204" pitchFamily="34" charset="0"/>
+            </a:endParaRPr>
+          </a:p>
+          <a:p>
+            <a:pPr algn="ctr"/>
+            <a:endParaRPr lang="en-US" dirty="0"/>
+          </a:p>
+        </p:txBody>
+      </p:sp>
+    </p:spTree>
+    <p:extLst>
+      <p:ext uri="{BB962C8B-B14F-4D97-AF65-F5344CB8AC3E}">
+        <p14:creationId xmlns:p14="http://schemas.microsoft.com/office/powerpoint/2010/main" val="72002341"/>
       </p:ext>
     </p:extLst>
   </p:cSld>
@@ -5509,42 +8570,6 @@
           <a:chExt cx="0" cy="0"/>
         </a:xfrm>
       </p:grpSpPr>
-      <p:pic>
-        <p:nvPicPr>
-          <p:cNvPr id="30" name="Picture 29">
-            <a:extLst>
-              <a:ext uri="{FF2B5EF4-FFF2-40B4-BE49-F238E27FC236}">
-                <a16:creationId xmlns:a16="http://schemas.microsoft.com/office/drawing/2014/main" id="{FA399FC7-98A4-4A16-A043-98CF280E38E4}"/>
-              </a:ext>
-            </a:extLst>
-          </p:cNvPr>
-          <p:cNvPicPr>
-            <a:picLocks noChangeAspect="1"/>
-          </p:cNvPicPr>
-          <p:nvPr/>
-        </p:nvPicPr>
-        <p:blipFill>
-          <a:blip r:embed="rId2">
-            <a:extLst>
-              <a:ext uri="{28A0092B-C50C-407E-A947-70E740481C1C}">
-                <a14:useLocalDpi xmlns:a14="http://schemas.microsoft.com/office/drawing/2010/main" val="0"/>
-              </a:ext>
-            </a:extLst>
-          </a:blip>
-          <a:stretch>
-            <a:fillRect/>
-          </a:stretch>
-        </p:blipFill>
-        <p:spPr>
-          <a:xfrm>
-            <a:off x="10598936" y="1214587"/>
-            <a:ext cx="1182727" cy="2078916"/>
-          </a:xfrm>
-          <a:prstGeom prst="rect">
-            <a:avLst/>
-          </a:prstGeom>
-        </p:spPr>
-      </p:pic>
       <p:sp>
         <p:nvSpPr>
           <p:cNvPr id="32" name="Rectangle: Top Corners Snipped 31">
@@ -7779,7 +10804,7 @@
           <p:nvPr/>
         </p:nvPicPr>
         <p:blipFill>
-          <a:blip r:embed="rId3">
+          <a:blip r:embed="rId2">
             <a:extLst>
               <a:ext uri="{28A0092B-C50C-407E-A947-70E740481C1C}">
                 <a14:useLocalDpi xmlns:a14="http://schemas.microsoft.com/office/drawing/2010/main" val="0"/>
@@ -7965,7 +10990,7 @@
       <p:sp>
         <p:nvSpPr>
           <p:cNvPr id="3" name="Rectangle 2">
-            <a:hlinkClick r:id="rId4" action="ppaction://hlinksldjump"/>
+            <a:hlinkClick r:id="rId3" action="ppaction://hlinksldjump"/>
             <a:extLst>
               <a:ext uri="{FF2B5EF4-FFF2-40B4-BE49-F238E27FC236}">
                 <a16:creationId xmlns:a16="http://schemas.microsoft.com/office/drawing/2014/main" id="{56B069A5-0A31-4279-8C65-4967826ED198}"/>
@@ -8016,7 +11041,7 @@
       <p:sp>
         <p:nvSpPr>
           <p:cNvPr id="47" name="Rectangle 46">
-            <a:hlinkClick r:id="rId5" action="ppaction://hlinksldjump"/>
+            <a:hlinkClick r:id="rId4" action="ppaction://hlinksldjump"/>
             <a:extLst>
               <a:ext uri="{FF2B5EF4-FFF2-40B4-BE49-F238E27FC236}">
                 <a16:creationId xmlns:a16="http://schemas.microsoft.com/office/drawing/2014/main" id="{7F3AC99C-D2D0-4824-AC18-14757ADDFE41}"/>
@@ -8067,7 +11092,7 @@
       <p:sp>
         <p:nvSpPr>
           <p:cNvPr id="48" name="Rectangle 47">
-            <a:hlinkClick r:id="rId5" action="ppaction://hlinksldjump"/>
+            <a:hlinkClick r:id="rId4" action="ppaction://hlinksldjump"/>
             <a:extLst>
               <a:ext uri="{FF2B5EF4-FFF2-40B4-BE49-F238E27FC236}">
                 <a16:creationId xmlns:a16="http://schemas.microsoft.com/office/drawing/2014/main" id="{401E8750-31E8-4FD3-9038-9D56D1252C27}"/>
@@ -8118,7 +11143,7 @@
       <p:sp>
         <p:nvSpPr>
           <p:cNvPr id="49" name="Rectangle 48">
-            <a:hlinkClick r:id="rId5" action="ppaction://hlinksldjump"/>
+            <a:hlinkClick r:id="rId4" action="ppaction://hlinksldjump"/>
             <a:extLst>
               <a:ext uri="{FF2B5EF4-FFF2-40B4-BE49-F238E27FC236}">
                 <a16:creationId xmlns:a16="http://schemas.microsoft.com/office/drawing/2014/main" id="{FBAA37AA-F5FD-43F2-9A1A-4A9A5CA8B7D9}"/>
@@ -8169,7 +11194,7 @@
       <p:sp>
         <p:nvSpPr>
           <p:cNvPr id="51" name="TextBox 50">
-            <a:hlinkClick r:id="rId6" action="ppaction://hlinksldjump"/>
+            <a:hlinkClick r:id="rId5" action="ppaction://hlinksldjump"/>
             <a:extLst>
               <a:ext uri="{FF2B5EF4-FFF2-40B4-BE49-F238E27FC236}">
                 <a16:creationId xmlns:a16="http://schemas.microsoft.com/office/drawing/2014/main" id="{D6B05E60-6389-4FD3-9F52-AC99485A07BE}"/>
@@ -8278,7 +11303,7 @@
       <p:sp>
         <p:nvSpPr>
           <p:cNvPr id="4" name="Rectangle 3">
-            <a:hlinkClick r:id="rId7" action="ppaction://hlinksldjump"/>
+            <a:hlinkClick r:id="rId6" action="ppaction://hlinksldjump"/>
             <a:extLst>
               <a:ext uri="{FF2B5EF4-FFF2-40B4-BE49-F238E27FC236}">
                 <a16:creationId xmlns:a16="http://schemas.microsoft.com/office/drawing/2014/main" id="{6ED9B99B-883D-4962-ABDC-6CB28C409DD3}"/>
@@ -8329,7 +11354,7 @@
       <p:sp>
         <p:nvSpPr>
           <p:cNvPr id="5" name="Rectangle 4">
-            <a:hlinkClick r:id="rId8" action="ppaction://hlinksldjump"/>
+            <a:hlinkClick r:id="rId7" action="ppaction://hlinksldjump"/>
             <a:extLst>
               <a:ext uri="{FF2B5EF4-FFF2-40B4-BE49-F238E27FC236}">
                 <a16:creationId xmlns:a16="http://schemas.microsoft.com/office/drawing/2014/main" id="{CE0E80EE-1082-4C57-B75D-17ABA959F8F5}"/>
@@ -8380,7 +11405,7 @@
       <p:sp>
         <p:nvSpPr>
           <p:cNvPr id="54" name="Rectangle 53">
-            <a:hlinkClick r:id="rId9" action="ppaction://hlinksldjump"/>
+            <a:hlinkClick r:id="rId8" action="ppaction://hlinksldjump"/>
             <a:extLst>
               <a:ext uri="{FF2B5EF4-FFF2-40B4-BE49-F238E27FC236}">
                 <a16:creationId xmlns:a16="http://schemas.microsoft.com/office/drawing/2014/main" id="{2B93E4C9-9B90-47C4-B837-044E8275BAA6}"/>
@@ -8425,6 +11450,134 @@
           <a:p>
             <a:pPr algn="ctr"/>
             <a:endParaRPr lang="en-US"/>
+          </a:p>
+        </p:txBody>
+      </p:sp>
+      <p:sp>
+        <p:nvSpPr>
+          <p:cNvPr id="35" name="Rectangle: Rounded Corners 34">
+            <a:extLst>
+              <a:ext uri="{FF2B5EF4-FFF2-40B4-BE49-F238E27FC236}">
+                <a16:creationId xmlns:a16="http://schemas.microsoft.com/office/drawing/2014/main" id="{174BAECB-18EF-4851-9792-DEFA4625ECCF}"/>
+              </a:ext>
+            </a:extLst>
+          </p:cNvPr>
+          <p:cNvSpPr/>
+          <p:nvPr/>
+        </p:nvSpPr>
+        <p:spPr>
+          <a:xfrm>
+            <a:off x="10482376" y="1086636"/>
+            <a:ext cx="1415846" cy="1483264"/>
+          </a:xfrm>
+          <a:prstGeom prst="roundRect">
+            <a:avLst/>
+          </a:prstGeom>
+          <a:solidFill>
+            <a:schemeClr val="bg2"/>
+          </a:solidFill>
+          <a:ln>
+            <a:solidFill>
+              <a:srgbClr val="005035"/>
+            </a:solidFill>
+          </a:ln>
+        </p:spPr>
+        <p:style>
+          <a:lnRef idx="2">
+            <a:schemeClr val="accent1">
+              <a:shade val="50000"/>
+            </a:schemeClr>
+          </a:lnRef>
+          <a:fillRef idx="1">
+            <a:schemeClr val="accent1"/>
+          </a:fillRef>
+          <a:effectRef idx="0">
+            <a:schemeClr val="accent1"/>
+          </a:effectRef>
+          <a:fontRef idx="minor">
+            <a:schemeClr val="lt1"/>
+          </a:fontRef>
+        </p:style>
+        <p:txBody>
+          <a:bodyPr rtlCol="0" anchor="ctr"/>
+          <a:lstStyle/>
+          <a:p>
+            <a:pPr algn="ctr"/>
+            <a:endParaRPr lang="en-US"/>
+          </a:p>
+        </p:txBody>
+      </p:sp>
+      <p:sp>
+        <p:nvSpPr>
+          <p:cNvPr id="37" name="TextBox 36">
+            <a:extLst>
+              <a:ext uri="{FF2B5EF4-FFF2-40B4-BE49-F238E27FC236}">
+                <a16:creationId xmlns:a16="http://schemas.microsoft.com/office/drawing/2014/main" id="{4CBCA49A-1CDA-4059-8DA0-664C15D67BE3}"/>
+              </a:ext>
+            </a:extLst>
+          </p:cNvPr>
+          <p:cNvSpPr txBox="1"/>
+          <p:nvPr/>
+        </p:nvSpPr>
+        <p:spPr>
+          <a:xfrm>
+            <a:off x="10621048" y="1147560"/>
+            <a:ext cx="861134" cy="369332"/>
+          </a:xfrm>
+          <a:prstGeom prst="rect">
+            <a:avLst/>
+          </a:prstGeom>
+          <a:noFill/>
+        </p:spPr>
+        <p:txBody>
+          <a:bodyPr wrap="square" rtlCol="0">
+            <a:spAutoFit/>
+          </a:bodyPr>
+          <a:lstStyle/>
+          <a:p>
+            <a:r>
+              <a:rPr lang="en-US" dirty="0">
+                <a:solidFill>
+                  <a:srgbClr val="005035"/>
+                </a:solidFill>
+              </a:rPr>
+              <a:t>Tips:</a:t>
+            </a:r>
+          </a:p>
+        </p:txBody>
+      </p:sp>
+      <p:sp>
+        <p:nvSpPr>
+          <p:cNvPr id="38" name="TextBox 37">
+            <a:extLst>
+              <a:ext uri="{FF2B5EF4-FFF2-40B4-BE49-F238E27FC236}">
+                <a16:creationId xmlns:a16="http://schemas.microsoft.com/office/drawing/2014/main" id="{2A818FDD-3257-4300-82F5-3F5BB1E31426}"/>
+              </a:ext>
+            </a:extLst>
+          </p:cNvPr>
+          <p:cNvSpPr txBox="1"/>
+          <p:nvPr/>
+        </p:nvSpPr>
+        <p:spPr>
+          <a:xfrm>
+            <a:off x="10544960" y="1577816"/>
+            <a:ext cx="1415846" cy="769441"/>
+          </a:xfrm>
+          <a:prstGeom prst="rect">
+            <a:avLst/>
+          </a:prstGeom>
+          <a:noFill/>
+        </p:spPr>
+        <p:txBody>
+          <a:bodyPr wrap="square" rtlCol="0">
+            <a:spAutoFit/>
+          </a:bodyPr>
+          <a:lstStyle/>
+          <a:p>
+            <a:r>
+              <a:rPr lang="en-US" sz="1100" dirty="0"/>
+              <a:t>Use the tabs to access your degree information and available courses. </a:t>
+            </a:r>
           </a:p>
         </p:txBody>
       </p:sp>
@@ -8463,42 +11616,6 @@
           <a:chExt cx="0" cy="0"/>
         </a:xfrm>
       </p:grpSpPr>
-      <p:pic>
-        <p:nvPicPr>
-          <p:cNvPr id="30" name="Picture 29">
-            <a:extLst>
-              <a:ext uri="{FF2B5EF4-FFF2-40B4-BE49-F238E27FC236}">
-                <a16:creationId xmlns:a16="http://schemas.microsoft.com/office/drawing/2014/main" id="{FA399FC7-98A4-4A16-A043-98CF280E38E4}"/>
-              </a:ext>
-            </a:extLst>
-          </p:cNvPr>
-          <p:cNvPicPr>
-            <a:picLocks noChangeAspect="1"/>
-          </p:cNvPicPr>
-          <p:nvPr/>
-        </p:nvPicPr>
-        <p:blipFill>
-          <a:blip r:embed="rId3">
-            <a:extLst>
-              <a:ext uri="{28A0092B-C50C-407E-A947-70E740481C1C}">
-                <a14:useLocalDpi xmlns:a14="http://schemas.microsoft.com/office/drawing/2010/main" val="0"/>
-              </a:ext>
-            </a:extLst>
-          </a:blip>
-          <a:stretch>
-            <a:fillRect/>
-          </a:stretch>
-        </p:blipFill>
-        <p:spPr>
-          <a:xfrm>
-            <a:off x="10564908" y="1093403"/>
-            <a:ext cx="1182727" cy="2078916"/>
-          </a:xfrm>
-          <a:prstGeom prst="rect">
-            <a:avLst/>
-          </a:prstGeom>
-        </p:spPr>
-      </p:pic>
       <p:sp>
         <p:nvSpPr>
           <p:cNvPr id="32" name="Rectangle: Top Corners Snipped 31">
@@ -10743,7 +13860,7 @@
           <p:nvPr/>
         </p:nvPicPr>
         <p:blipFill>
-          <a:blip r:embed="rId4">
+          <a:blip r:embed="rId3">
             <a:extLst>
               <a:ext uri="{28A0092B-C50C-407E-A947-70E740481C1C}">
                 <a14:useLocalDpi xmlns:a14="http://schemas.microsoft.com/office/drawing/2010/main" val="0"/>
@@ -10767,7 +13884,7 @@
       <p:sp>
         <p:nvSpPr>
           <p:cNvPr id="50" name="Rectangle 49">
-            <a:hlinkClick r:id="rId5" action="ppaction://hlinksldjump"/>
+            <a:hlinkClick r:id="rId4" action="ppaction://hlinksldjump"/>
             <a:extLst>
               <a:ext uri="{FF2B5EF4-FFF2-40B4-BE49-F238E27FC236}">
                 <a16:creationId xmlns:a16="http://schemas.microsoft.com/office/drawing/2014/main" id="{0418FA13-AAB2-42AF-910B-B7855FFC31D3}"/>
@@ -10818,7 +13935,7 @@
       <p:sp>
         <p:nvSpPr>
           <p:cNvPr id="51" name="Rectangle 50">
-            <a:hlinkClick r:id="rId6" action="ppaction://hlinksldjump"/>
+            <a:hlinkClick r:id="rId5" action="ppaction://hlinksldjump"/>
             <a:extLst>
               <a:ext uri="{FF2B5EF4-FFF2-40B4-BE49-F238E27FC236}">
                 <a16:creationId xmlns:a16="http://schemas.microsoft.com/office/drawing/2014/main" id="{EEF90C16-B0A3-4B82-A1F4-5B0F4C360C7B}"/>
@@ -10869,7 +13986,7 @@
       <p:sp>
         <p:nvSpPr>
           <p:cNvPr id="52" name="Rectangle 51">
-            <a:hlinkClick r:id="rId6" action="ppaction://hlinksldjump"/>
+            <a:hlinkClick r:id="rId5" action="ppaction://hlinksldjump"/>
             <a:extLst>
               <a:ext uri="{FF2B5EF4-FFF2-40B4-BE49-F238E27FC236}">
                 <a16:creationId xmlns:a16="http://schemas.microsoft.com/office/drawing/2014/main" id="{F272AA98-FCFE-46FA-842D-1AA079B31E54}"/>
@@ -10920,7 +14037,7 @@
       <p:sp>
         <p:nvSpPr>
           <p:cNvPr id="53" name="TextBox 52">
-            <a:hlinkClick r:id="rId7" action="ppaction://hlinksldjump"/>
+            <a:hlinkClick r:id="rId6" action="ppaction://hlinksldjump"/>
             <a:extLst>
               <a:ext uri="{FF2B5EF4-FFF2-40B4-BE49-F238E27FC236}">
                 <a16:creationId xmlns:a16="http://schemas.microsoft.com/office/drawing/2014/main" id="{AECE4242-6AC3-4E5C-A8F0-6FAA96224FEB}"/>
@@ -10957,7 +14074,7 @@
       <p:sp>
         <p:nvSpPr>
           <p:cNvPr id="54" name="Rectangle 53">
-            <a:hlinkClick r:id="rId7" action="ppaction://hlinksldjump"/>
+            <a:hlinkClick r:id="rId6" action="ppaction://hlinksldjump"/>
             <a:extLst>
               <a:ext uri="{FF2B5EF4-FFF2-40B4-BE49-F238E27FC236}">
                 <a16:creationId xmlns:a16="http://schemas.microsoft.com/office/drawing/2014/main" id="{5103603F-B706-42F1-84E3-962755920CCB}"/>
@@ -11044,7 +14161,7 @@
       <p:sp>
         <p:nvSpPr>
           <p:cNvPr id="56" name="Rectangle 55">
-            <a:hlinkClick r:id="rId8" action="ppaction://hlinksldjump"/>
+            <a:hlinkClick r:id="rId7" action="ppaction://hlinksldjump"/>
             <a:extLst>
               <a:ext uri="{FF2B5EF4-FFF2-40B4-BE49-F238E27FC236}">
                 <a16:creationId xmlns:a16="http://schemas.microsoft.com/office/drawing/2014/main" id="{EBF43E93-4AB9-4CFB-B873-F3765918249D}"/>
@@ -11095,7 +14212,7 @@
       <p:sp>
         <p:nvSpPr>
           <p:cNvPr id="57" name="Rectangle 56">
-            <a:hlinkClick r:id="rId9" action="ppaction://hlinksldjump"/>
+            <a:hlinkClick r:id="rId8" action="ppaction://hlinksldjump"/>
             <a:extLst>
               <a:ext uri="{FF2B5EF4-FFF2-40B4-BE49-F238E27FC236}">
                 <a16:creationId xmlns:a16="http://schemas.microsoft.com/office/drawing/2014/main" id="{17A4E734-4D76-4506-90E9-AE86FC254569}"/>
@@ -11146,7 +14263,7 @@
       <p:sp>
         <p:nvSpPr>
           <p:cNvPr id="58" name="Rectangle 57">
-            <a:hlinkClick r:id="rId10" action="ppaction://hlinksldjump"/>
+            <a:hlinkClick r:id="rId9" action="ppaction://hlinksldjump"/>
             <a:extLst>
               <a:ext uri="{FF2B5EF4-FFF2-40B4-BE49-F238E27FC236}">
                 <a16:creationId xmlns:a16="http://schemas.microsoft.com/office/drawing/2014/main" id="{6FFCD4DB-70C4-4CDD-AC73-E7074D087AF5}"/>
@@ -12952,136 +16069,12 @@
           </a:p>
         </p:txBody>
       </p:sp>
-      <p:sp>
-        <p:nvSpPr>
-          <p:cNvPr id="4" name="Rectangle: Rounded Corners 3">
-            <a:extLst>
-              <a:ext uri="{FF2B5EF4-FFF2-40B4-BE49-F238E27FC236}">
-                <a16:creationId xmlns:a16="http://schemas.microsoft.com/office/drawing/2014/main" id="{AFE1204E-2F44-4CBC-AA5E-7E98E13AE0B1}"/>
-              </a:ext>
-            </a:extLst>
-          </p:cNvPr>
-          <p:cNvSpPr/>
-          <p:nvPr/>
-        </p:nvSpPr>
-        <p:spPr>
-          <a:xfrm>
-            <a:off x="10482376" y="1086636"/>
-            <a:ext cx="1415846" cy="1483264"/>
-          </a:xfrm>
-          <a:prstGeom prst="roundRect">
-            <a:avLst/>
-          </a:prstGeom>
-          <a:solidFill>
-            <a:schemeClr val="bg2"/>
-          </a:solidFill>
-          <a:ln>
-            <a:solidFill>
-              <a:schemeClr val="accent3"/>
-            </a:solidFill>
-          </a:ln>
-        </p:spPr>
-        <p:style>
-          <a:lnRef idx="2">
-            <a:schemeClr val="accent1">
-              <a:shade val="50000"/>
-            </a:schemeClr>
-          </a:lnRef>
-          <a:fillRef idx="1">
-            <a:schemeClr val="accent1"/>
-          </a:fillRef>
-          <a:effectRef idx="0">
-            <a:schemeClr val="accent1"/>
-          </a:effectRef>
-          <a:fontRef idx="minor">
-            <a:schemeClr val="lt1"/>
-          </a:fontRef>
-        </p:style>
-        <p:txBody>
-          <a:bodyPr rtlCol="0" anchor="ctr"/>
-          <a:lstStyle/>
-          <a:p>
-            <a:pPr algn="ctr"/>
-            <a:endParaRPr lang="en-US"/>
-          </a:p>
-        </p:txBody>
-      </p:sp>
-      <p:sp>
-        <p:nvSpPr>
-          <p:cNvPr id="5" name="TextBox 4">
-            <a:extLst>
-              <a:ext uri="{FF2B5EF4-FFF2-40B4-BE49-F238E27FC236}">
-                <a16:creationId xmlns:a16="http://schemas.microsoft.com/office/drawing/2014/main" id="{D63F3CED-9E41-44C0-8518-FD7ACA9A2030}"/>
-              </a:ext>
-            </a:extLst>
-          </p:cNvPr>
-          <p:cNvSpPr txBox="1"/>
-          <p:nvPr/>
-        </p:nvSpPr>
-        <p:spPr>
-          <a:xfrm>
-            <a:off x="10621048" y="1147560"/>
-            <a:ext cx="861134" cy="369332"/>
-          </a:xfrm>
-          <a:prstGeom prst="rect">
-            <a:avLst/>
-          </a:prstGeom>
-          <a:noFill/>
-        </p:spPr>
-        <p:txBody>
-          <a:bodyPr wrap="square" rtlCol="0">
-            <a:spAutoFit/>
-          </a:bodyPr>
-          <a:lstStyle/>
-          <a:p>
-            <a:r>
-              <a:rPr lang="en-US" dirty="0"/>
-              <a:t>Tips:</a:t>
-            </a:r>
-          </a:p>
-        </p:txBody>
-      </p:sp>
-      <p:sp>
-        <p:nvSpPr>
-          <p:cNvPr id="6" name="TextBox 5">
-            <a:extLst>
-              <a:ext uri="{FF2B5EF4-FFF2-40B4-BE49-F238E27FC236}">
-                <a16:creationId xmlns:a16="http://schemas.microsoft.com/office/drawing/2014/main" id="{B156CB78-F2D5-4B8A-8EA3-9314A6A1303C}"/>
-              </a:ext>
-            </a:extLst>
-          </p:cNvPr>
-          <p:cNvSpPr txBox="1"/>
-          <p:nvPr/>
-        </p:nvSpPr>
-        <p:spPr>
-          <a:xfrm>
-            <a:off x="10663650" y="1720746"/>
-            <a:ext cx="1160615" cy="600164"/>
-          </a:xfrm>
-          <a:prstGeom prst="rect">
-            <a:avLst/>
-          </a:prstGeom>
-          <a:noFill/>
-        </p:spPr>
-        <p:txBody>
-          <a:bodyPr wrap="square" rtlCol="0">
-            <a:spAutoFit/>
-          </a:bodyPr>
-          <a:lstStyle/>
-          <a:p>
-            <a:r>
-              <a:rPr lang="en-US" sz="1100" dirty="0"/>
-              <a:t>Drag and drop classes to change schedule.  </a:t>
-            </a:r>
-          </a:p>
-        </p:txBody>
-      </p:sp>
       <p:grpSp>
         <p:nvGrpSpPr>
-          <p:cNvPr id="9" name="Group 8">
-            <a:extLst>
-              <a:ext uri="{FF2B5EF4-FFF2-40B4-BE49-F238E27FC236}">
-                <a16:creationId xmlns:a16="http://schemas.microsoft.com/office/drawing/2014/main" id="{F5612F56-E134-4E84-83BB-84BB61EDCF35}"/>
+          <p:cNvPr id="39" name="Group 38">
+            <a:extLst>
+              <a:ext uri="{FF2B5EF4-FFF2-40B4-BE49-F238E27FC236}">
+                <a16:creationId xmlns:a16="http://schemas.microsoft.com/office/drawing/2014/main" id="{D857D861-6358-4E15-AED1-8E475CC2E46D}"/>
               </a:ext>
             </a:extLst>
           </p:cNvPr>
@@ -13098,10 +16091,10 @@
         </p:grpSpPr>
         <p:sp>
           <p:nvSpPr>
-            <p:cNvPr id="7" name="Rectangle: Rounded Corners 6">
+            <p:cNvPr id="63" name="Rectangle: Rounded Corners 62">
               <a:extLst>
                 <a:ext uri="{FF2B5EF4-FFF2-40B4-BE49-F238E27FC236}">
-                  <a16:creationId xmlns:a16="http://schemas.microsoft.com/office/drawing/2014/main" id="{94D51524-35F2-4442-AAA4-941F04E68008}"/>
+                  <a16:creationId xmlns:a16="http://schemas.microsoft.com/office/drawing/2014/main" id="{2F93F073-20E0-45DE-9AFD-ABD3A5D824A6}"/>
                 </a:ext>
               </a:extLst>
             </p:cNvPr>
@@ -13119,6 +16112,9 @@
             <a:solidFill>
               <a:srgbClr val="C00000"/>
             </a:solidFill>
+            <a:ln>
+              <a:noFill/>
+            </a:ln>
           </p:spPr>
           <p:style>
             <a:lnRef idx="2">
@@ -13147,10 +16143,10 @@
         </p:sp>
         <p:sp>
           <p:nvSpPr>
-            <p:cNvPr id="8" name="TextBox 7">
+            <p:cNvPr id="64" name="TextBox 63">
               <a:extLst>
                 <a:ext uri="{FF2B5EF4-FFF2-40B4-BE49-F238E27FC236}">
-                  <a16:creationId xmlns:a16="http://schemas.microsoft.com/office/drawing/2014/main" id="{B9E1960C-C61A-4645-8FEB-E251923B1EB0}"/>
+                  <a16:creationId xmlns:a16="http://schemas.microsoft.com/office/drawing/2014/main" id="{3160E236-2A9B-4D36-BA10-BAE4D53ECC25}"/>
                 </a:ext>
               </a:extLst>
             </p:cNvPr>
@@ -13166,6 +16162,9 @@
               <a:avLst/>
             </a:prstGeom>
             <a:noFill/>
+            <a:ln>
+              <a:noFill/>
+            </a:ln>
           </p:spPr>
           <p:txBody>
             <a:bodyPr wrap="square" rtlCol="0">
@@ -13174,7 +16173,11 @@
             <a:lstStyle/>
             <a:p>
               <a:r>
-                <a:rPr lang="en-US" sz="800" dirty="0"/>
+                <a:rPr lang="en-US" sz="800" dirty="0">
+                  <a:solidFill>
+                    <a:schemeClr val="bg1"/>
+                  </a:solidFill>
+                </a:rPr>
                 <a:t>Alternative</a:t>
               </a:r>
             </a:p>
@@ -13183,10 +16186,10 @@
       </p:grpSp>
       <p:sp>
         <p:nvSpPr>
-          <p:cNvPr id="63" name="Rectangle: Rounded Corners 62">
-            <a:extLst>
-              <a:ext uri="{FF2B5EF4-FFF2-40B4-BE49-F238E27FC236}">
-                <a16:creationId xmlns:a16="http://schemas.microsoft.com/office/drawing/2014/main" id="{10ADDE89-80A6-4A16-B555-279B430031BF}"/>
+          <p:cNvPr id="65" name="Rectangle: Rounded Corners 64">
+            <a:extLst>
+              <a:ext uri="{FF2B5EF4-FFF2-40B4-BE49-F238E27FC236}">
+                <a16:creationId xmlns:a16="http://schemas.microsoft.com/office/drawing/2014/main" id="{B5B94120-BEB1-4314-9939-43195DC0B3D9}"/>
               </a:ext>
             </a:extLst>
           </p:cNvPr>
@@ -13204,6 +16207,9 @@
           <a:solidFill>
             <a:srgbClr val="7030A0"/>
           </a:solidFill>
+          <a:ln>
+            <a:noFill/>
+          </a:ln>
         </p:spPr>
         <p:style>
           <a:lnRef idx="2">
@@ -13232,10 +16238,10 @@
       </p:sp>
       <p:sp>
         <p:nvSpPr>
-          <p:cNvPr id="64" name="TextBox 63">
-            <a:extLst>
-              <a:ext uri="{FF2B5EF4-FFF2-40B4-BE49-F238E27FC236}">
-                <a16:creationId xmlns:a16="http://schemas.microsoft.com/office/drawing/2014/main" id="{1A0821CF-572D-4DC9-8B58-260A0AE9B866}"/>
+          <p:cNvPr id="66" name="TextBox 65">
+            <a:extLst>
+              <a:ext uri="{FF2B5EF4-FFF2-40B4-BE49-F238E27FC236}">
+                <a16:creationId xmlns:a16="http://schemas.microsoft.com/office/drawing/2014/main" id="{E3F9270B-DCFE-4033-9CDD-7E5D5434A813}"/>
               </a:ext>
             </a:extLst>
           </p:cNvPr>
@@ -13259,7 +16265,11 @@
           <a:lstStyle/>
           <a:p>
             <a:r>
-              <a:rPr lang="en-US" sz="800" dirty="0"/>
+              <a:rPr lang="en-US" sz="800" dirty="0">
+                <a:solidFill>
+                  <a:schemeClr val="bg1"/>
+                </a:solidFill>
+              </a:rPr>
               <a:t>Can be changed.</a:t>
             </a:r>
           </a:p>
@@ -13267,10 +16277,10 @@
       </p:sp>
       <p:sp>
         <p:nvSpPr>
-          <p:cNvPr id="65" name="Rectangle: Rounded Corners 64">
-            <a:extLst>
-              <a:ext uri="{FF2B5EF4-FFF2-40B4-BE49-F238E27FC236}">
-                <a16:creationId xmlns:a16="http://schemas.microsoft.com/office/drawing/2014/main" id="{BB3C90E3-A9E1-4DB2-84CC-FC88809725F2}"/>
+          <p:cNvPr id="67" name="Rectangle: Rounded Corners 66">
+            <a:extLst>
+              <a:ext uri="{FF2B5EF4-FFF2-40B4-BE49-F238E27FC236}">
+                <a16:creationId xmlns:a16="http://schemas.microsoft.com/office/drawing/2014/main" id="{8AEBF01B-C92D-4B3C-BAF9-0B1D27D8BA14}"/>
               </a:ext>
             </a:extLst>
           </p:cNvPr>
@@ -13288,6 +16298,9 @@
           <a:solidFill>
             <a:schemeClr val="accent6"/>
           </a:solidFill>
+          <a:ln>
+            <a:noFill/>
+          </a:ln>
         </p:spPr>
         <p:style>
           <a:lnRef idx="2">
@@ -13316,10 +16329,10 @@
       </p:sp>
       <p:sp>
         <p:nvSpPr>
-          <p:cNvPr id="66" name="TextBox 65">
-            <a:extLst>
-              <a:ext uri="{FF2B5EF4-FFF2-40B4-BE49-F238E27FC236}">
-                <a16:creationId xmlns:a16="http://schemas.microsoft.com/office/drawing/2014/main" id="{E00BEBE4-524B-44B6-99E4-6C4027FECE57}"/>
+          <p:cNvPr id="68" name="TextBox 67">
+            <a:extLst>
+              <a:ext uri="{FF2B5EF4-FFF2-40B4-BE49-F238E27FC236}">
+                <a16:creationId xmlns:a16="http://schemas.microsoft.com/office/drawing/2014/main" id="{55F65964-5D8F-4047-9B3D-045BF74DEB58}"/>
               </a:ext>
             </a:extLst>
           </p:cNvPr>
@@ -13343,8 +16356,140 @@
           <a:lstStyle/>
           <a:p>
             <a:r>
-              <a:rPr lang="en-US" sz="800" dirty="0"/>
+              <a:rPr lang="en-US" sz="800" dirty="0">
+                <a:solidFill>
+                  <a:schemeClr val="bg1"/>
+                </a:solidFill>
+              </a:rPr>
               <a:t>Required</a:t>
+            </a:r>
+          </a:p>
+        </p:txBody>
+      </p:sp>
+      <p:sp>
+        <p:nvSpPr>
+          <p:cNvPr id="69" name="Rectangle: Rounded Corners 68">
+            <a:extLst>
+              <a:ext uri="{FF2B5EF4-FFF2-40B4-BE49-F238E27FC236}">
+                <a16:creationId xmlns:a16="http://schemas.microsoft.com/office/drawing/2014/main" id="{C564B2A3-7539-4E37-825E-B6FF49242ADB}"/>
+              </a:ext>
+            </a:extLst>
+          </p:cNvPr>
+          <p:cNvSpPr/>
+          <p:nvPr/>
+        </p:nvSpPr>
+        <p:spPr>
+          <a:xfrm>
+            <a:off x="10482376" y="1086636"/>
+            <a:ext cx="1415846" cy="1483264"/>
+          </a:xfrm>
+          <a:prstGeom prst="roundRect">
+            <a:avLst/>
+          </a:prstGeom>
+          <a:solidFill>
+            <a:schemeClr val="bg2"/>
+          </a:solidFill>
+          <a:ln>
+            <a:solidFill>
+              <a:srgbClr val="005035"/>
+            </a:solidFill>
+          </a:ln>
+        </p:spPr>
+        <p:style>
+          <a:lnRef idx="2">
+            <a:schemeClr val="accent1">
+              <a:shade val="50000"/>
+            </a:schemeClr>
+          </a:lnRef>
+          <a:fillRef idx="1">
+            <a:schemeClr val="accent1"/>
+          </a:fillRef>
+          <a:effectRef idx="0">
+            <a:schemeClr val="accent1"/>
+          </a:effectRef>
+          <a:fontRef idx="minor">
+            <a:schemeClr val="lt1"/>
+          </a:fontRef>
+        </p:style>
+        <p:txBody>
+          <a:bodyPr rtlCol="0" anchor="ctr"/>
+          <a:lstStyle/>
+          <a:p>
+            <a:pPr algn="ctr"/>
+            <a:endParaRPr lang="en-US"/>
+          </a:p>
+        </p:txBody>
+      </p:sp>
+      <p:sp>
+        <p:nvSpPr>
+          <p:cNvPr id="70" name="TextBox 69">
+            <a:extLst>
+              <a:ext uri="{FF2B5EF4-FFF2-40B4-BE49-F238E27FC236}">
+                <a16:creationId xmlns:a16="http://schemas.microsoft.com/office/drawing/2014/main" id="{8EB33EE3-BA3B-4FC4-AEF7-81DF07CED73C}"/>
+              </a:ext>
+            </a:extLst>
+          </p:cNvPr>
+          <p:cNvSpPr txBox="1"/>
+          <p:nvPr/>
+        </p:nvSpPr>
+        <p:spPr>
+          <a:xfrm>
+            <a:off x="10621048" y="1147560"/>
+            <a:ext cx="861134" cy="369332"/>
+          </a:xfrm>
+          <a:prstGeom prst="rect">
+            <a:avLst/>
+          </a:prstGeom>
+          <a:noFill/>
+        </p:spPr>
+        <p:txBody>
+          <a:bodyPr wrap="square" rtlCol="0">
+            <a:spAutoFit/>
+          </a:bodyPr>
+          <a:lstStyle/>
+          <a:p>
+            <a:r>
+              <a:rPr lang="en-US" dirty="0">
+                <a:solidFill>
+                  <a:srgbClr val="005035"/>
+                </a:solidFill>
+              </a:rPr>
+              <a:t>Tips:</a:t>
+            </a:r>
+          </a:p>
+        </p:txBody>
+      </p:sp>
+      <p:sp>
+        <p:nvSpPr>
+          <p:cNvPr id="71" name="TextBox 70">
+            <a:extLst>
+              <a:ext uri="{FF2B5EF4-FFF2-40B4-BE49-F238E27FC236}">
+                <a16:creationId xmlns:a16="http://schemas.microsoft.com/office/drawing/2014/main" id="{D440FC51-0B31-4EEF-984C-86F6D072CD7F}"/>
+              </a:ext>
+            </a:extLst>
+          </p:cNvPr>
+          <p:cNvSpPr txBox="1"/>
+          <p:nvPr/>
+        </p:nvSpPr>
+        <p:spPr>
+          <a:xfrm>
+            <a:off x="10663650" y="1720746"/>
+            <a:ext cx="1160615" cy="600164"/>
+          </a:xfrm>
+          <a:prstGeom prst="rect">
+            <a:avLst/>
+          </a:prstGeom>
+          <a:noFill/>
+        </p:spPr>
+        <p:txBody>
+          <a:bodyPr wrap="square" rtlCol="0">
+            <a:spAutoFit/>
+          </a:bodyPr>
+          <a:lstStyle/>
+          <a:p>
+            <a:r>
+              <a:rPr lang="en-US" sz="1100" dirty="0"/>
+              <a:t>Drag and drop classes to change schedule.  </a:t>
             </a:r>
           </a:p>
         </p:txBody>
@@ -13394,7 +16539,7 @@
           <p:nvPr>
             <p:extLst>
               <p:ext uri="{D42A27DB-BD31-4B8C-83A1-F6EECF244321}">
-                <p14:modId xmlns:p14="http://schemas.microsoft.com/office/powerpoint/2010/main" val="2915284035"/>
+                <p14:modId xmlns:p14="http://schemas.microsoft.com/office/powerpoint/2010/main" val="372485844"/>
               </p:ext>
             </p:extLst>
           </p:nvPr>
@@ -13904,7 +17049,7 @@
                     <a:p>
                       <a:r>
                         <a:rPr lang="en-US" dirty="0"/>
-                        <a:t>Robert Smith</a:t>
+                        <a:t>Robert Sanders</a:t>
                       </a:r>
                     </a:p>
                   </a:txBody>
@@ -14065,7 +17210,7 @@
                         <a:rPr lang="en-US" dirty="0">
                           <a:hlinkClick r:id="rId3"/>
                         </a:rPr>
-                        <a:t>Mr.Smith@email.com</a:t>
+                        <a:t>Mr.Sanders@email.com</a:t>
                       </a:r>
                       <a:endParaRPr lang="en-US" dirty="0"/>
                     </a:p>
@@ -16012,7 +19157,7 @@
         <p:spPr>
           <a:xfrm>
             <a:off x="503339" y="2533082"/>
-            <a:ext cx="2214694" cy="314981"/>
+            <a:ext cx="1409792" cy="314981"/>
           </a:xfrm>
           <a:prstGeom prst="rect">
             <a:avLst/>
@@ -16421,6 +19566,535 @@
           <a:xfrm>
             <a:off x="11400638" y="127989"/>
             <a:ext cx="716159" cy="399495"/>
+          </a:xfrm>
+          <a:prstGeom prst="rect">
+            <a:avLst/>
+          </a:prstGeom>
+          <a:noFill/>
+          <a:ln>
+            <a:noFill/>
+          </a:ln>
+        </p:spPr>
+        <p:style>
+          <a:lnRef idx="2">
+            <a:schemeClr val="accent1">
+              <a:shade val="50000"/>
+            </a:schemeClr>
+          </a:lnRef>
+          <a:fillRef idx="1">
+            <a:schemeClr val="accent1"/>
+          </a:fillRef>
+          <a:effectRef idx="0">
+            <a:schemeClr val="accent1"/>
+          </a:effectRef>
+          <a:fontRef idx="minor">
+            <a:schemeClr val="lt1"/>
+          </a:fontRef>
+        </p:style>
+        <p:txBody>
+          <a:bodyPr rtlCol="0" anchor="ctr"/>
+          <a:lstStyle/>
+          <a:p>
+            <a:pPr algn="ctr"/>
+            <a:endParaRPr lang="en-US"/>
+          </a:p>
+        </p:txBody>
+      </p:sp>
+      <p:sp>
+        <p:nvSpPr>
+          <p:cNvPr id="32" name="Rectangle: Rounded Corners 31">
+            <a:extLst>
+              <a:ext uri="{FF2B5EF4-FFF2-40B4-BE49-F238E27FC236}">
+                <a16:creationId xmlns:a16="http://schemas.microsoft.com/office/drawing/2014/main" id="{059F2D19-0044-412A-9BCA-3147F5114394}"/>
+              </a:ext>
+            </a:extLst>
+          </p:cNvPr>
+          <p:cNvSpPr/>
+          <p:nvPr/>
+        </p:nvSpPr>
+        <p:spPr>
+          <a:xfrm>
+            <a:off x="10330064" y="2229362"/>
+            <a:ext cx="1182727" cy="204076"/>
+          </a:xfrm>
+          <a:prstGeom prst="roundRect">
+            <a:avLst/>
+          </a:prstGeom>
+          <a:solidFill>
+            <a:srgbClr val="BFAE7F"/>
+          </a:solidFill>
+          <a:ln>
+            <a:solidFill>
+              <a:srgbClr val="005035"/>
+            </a:solidFill>
+          </a:ln>
+        </p:spPr>
+        <p:style>
+          <a:lnRef idx="2">
+            <a:schemeClr val="accent1">
+              <a:shade val="50000"/>
+            </a:schemeClr>
+          </a:lnRef>
+          <a:fillRef idx="1">
+            <a:schemeClr val="accent1"/>
+          </a:fillRef>
+          <a:effectRef idx="0">
+            <a:schemeClr val="accent1"/>
+          </a:effectRef>
+          <a:fontRef idx="minor">
+            <a:schemeClr val="lt1"/>
+          </a:fontRef>
+        </p:style>
+        <p:txBody>
+          <a:bodyPr rtlCol="0" anchor="ctr"/>
+          <a:lstStyle/>
+          <a:p>
+            <a:pPr algn="ctr"/>
+            <a:r>
+              <a:rPr lang="en-US" sz="1600" dirty="0">
+                <a:solidFill>
+                  <a:srgbClr val="005035"/>
+                </a:solidFill>
+              </a:rPr>
+              <a:t>Details</a:t>
+            </a:r>
+          </a:p>
+        </p:txBody>
+      </p:sp>
+      <p:sp>
+        <p:nvSpPr>
+          <p:cNvPr id="34" name="Rectangle: Rounded Corners 33">
+            <a:extLst>
+              <a:ext uri="{FF2B5EF4-FFF2-40B4-BE49-F238E27FC236}">
+                <a16:creationId xmlns:a16="http://schemas.microsoft.com/office/drawing/2014/main" id="{CC3A20CD-D528-45C3-9839-F9DA51379D7A}"/>
+              </a:ext>
+            </a:extLst>
+          </p:cNvPr>
+          <p:cNvSpPr/>
+          <p:nvPr/>
+        </p:nvSpPr>
+        <p:spPr>
+          <a:xfrm>
+            <a:off x="10330063" y="2624107"/>
+            <a:ext cx="1182727" cy="204076"/>
+          </a:xfrm>
+          <a:prstGeom prst="roundRect">
+            <a:avLst/>
+          </a:prstGeom>
+          <a:solidFill>
+            <a:srgbClr val="BFAE7F"/>
+          </a:solidFill>
+          <a:ln>
+            <a:solidFill>
+              <a:srgbClr val="005035"/>
+            </a:solidFill>
+          </a:ln>
+        </p:spPr>
+        <p:style>
+          <a:lnRef idx="2">
+            <a:schemeClr val="accent1">
+              <a:shade val="50000"/>
+            </a:schemeClr>
+          </a:lnRef>
+          <a:fillRef idx="1">
+            <a:schemeClr val="accent1"/>
+          </a:fillRef>
+          <a:effectRef idx="0">
+            <a:schemeClr val="accent1"/>
+          </a:effectRef>
+          <a:fontRef idx="minor">
+            <a:schemeClr val="lt1"/>
+          </a:fontRef>
+        </p:style>
+        <p:txBody>
+          <a:bodyPr rtlCol="0" anchor="ctr"/>
+          <a:lstStyle/>
+          <a:p>
+            <a:pPr algn="ctr"/>
+            <a:r>
+              <a:rPr lang="en-US" sz="1600" dirty="0">
+                <a:solidFill>
+                  <a:srgbClr val="005035"/>
+                </a:solidFill>
+              </a:rPr>
+              <a:t>Details</a:t>
+            </a:r>
+          </a:p>
+        </p:txBody>
+      </p:sp>
+      <p:sp>
+        <p:nvSpPr>
+          <p:cNvPr id="35" name="Rectangle: Rounded Corners 34">
+            <a:extLst>
+              <a:ext uri="{FF2B5EF4-FFF2-40B4-BE49-F238E27FC236}">
+                <a16:creationId xmlns:a16="http://schemas.microsoft.com/office/drawing/2014/main" id="{A7F427EB-36F7-4C3B-BEF1-136BF4A1E2ED}"/>
+              </a:ext>
+            </a:extLst>
+          </p:cNvPr>
+          <p:cNvSpPr/>
+          <p:nvPr/>
+        </p:nvSpPr>
+        <p:spPr>
+          <a:xfrm>
+            <a:off x="10330062" y="3018852"/>
+            <a:ext cx="1182727" cy="204076"/>
+          </a:xfrm>
+          <a:prstGeom prst="roundRect">
+            <a:avLst/>
+          </a:prstGeom>
+          <a:solidFill>
+            <a:srgbClr val="BFAE7F"/>
+          </a:solidFill>
+          <a:ln>
+            <a:solidFill>
+              <a:srgbClr val="005035"/>
+            </a:solidFill>
+          </a:ln>
+        </p:spPr>
+        <p:style>
+          <a:lnRef idx="2">
+            <a:schemeClr val="accent1">
+              <a:shade val="50000"/>
+            </a:schemeClr>
+          </a:lnRef>
+          <a:fillRef idx="1">
+            <a:schemeClr val="accent1"/>
+          </a:fillRef>
+          <a:effectRef idx="0">
+            <a:schemeClr val="accent1"/>
+          </a:effectRef>
+          <a:fontRef idx="minor">
+            <a:schemeClr val="lt1"/>
+          </a:fontRef>
+        </p:style>
+        <p:txBody>
+          <a:bodyPr rtlCol="0" anchor="ctr"/>
+          <a:lstStyle/>
+          <a:p>
+            <a:pPr algn="ctr"/>
+            <a:r>
+              <a:rPr lang="en-US" sz="1600" dirty="0">
+                <a:solidFill>
+                  <a:srgbClr val="005035"/>
+                </a:solidFill>
+              </a:rPr>
+              <a:t>Details</a:t>
+            </a:r>
+          </a:p>
+        </p:txBody>
+      </p:sp>
+      <p:sp>
+        <p:nvSpPr>
+          <p:cNvPr id="37" name="Rectangle: Rounded Corners 36">
+            <a:extLst>
+              <a:ext uri="{FF2B5EF4-FFF2-40B4-BE49-F238E27FC236}">
+                <a16:creationId xmlns:a16="http://schemas.microsoft.com/office/drawing/2014/main" id="{0D422FCE-D9D9-43C4-A483-FB4FDE4F922F}"/>
+              </a:ext>
+            </a:extLst>
+          </p:cNvPr>
+          <p:cNvSpPr/>
+          <p:nvPr/>
+        </p:nvSpPr>
+        <p:spPr>
+          <a:xfrm>
+            <a:off x="10330062" y="3413597"/>
+            <a:ext cx="1182727" cy="204076"/>
+          </a:xfrm>
+          <a:prstGeom prst="roundRect">
+            <a:avLst/>
+          </a:prstGeom>
+          <a:solidFill>
+            <a:srgbClr val="BFAE7F"/>
+          </a:solidFill>
+          <a:ln>
+            <a:solidFill>
+              <a:srgbClr val="005035"/>
+            </a:solidFill>
+          </a:ln>
+        </p:spPr>
+        <p:style>
+          <a:lnRef idx="2">
+            <a:schemeClr val="accent1">
+              <a:shade val="50000"/>
+            </a:schemeClr>
+          </a:lnRef>
+          <a:fillRef idx="1">
+            <a:schemeClr val="accent1"/>
+          </a:fillRef>
+          <a:effectRef idx="0">
+            <a:schemeClr val="accent1"/>
+          </a:effectRef>
+          <a:fontRef idx="minor">
+            <a:schemeClr val="lt1"/>
+          </a:fontRef>
+        </p:style>
+        <p:txBody>
+          <a:bodyPr rtlCol="0" anchor="ctr"/>
+          <a:lstStyle/>
+          <a:p>
+            <a:pPr algn="ctr"/>
+            <a:r>
+              <a:rPr lang="en-US" sz="1600" dirty="0">
+                <a:solidFill>
+                  <a:srgbClr val="005035"/>
+                </a:solidFill>
+              </a:rPr>
+              <a:t>Details</a:t>
+            </a:r>
+          </a:p>
+        </p:txBody>
+      </p:sp>
+      <p:sp>
+        <p:nvSpPr>
+          <p:cNvPr id="38" name="Rectangle: Rounded Corners 37">
+            <a:extLst>
+              <a:ext uri="{FF2B5EF4-FFF2-40B4-BE49-F238E27FC236}">
+                <a16:creationId xmlns:a16="http://schemas.microsoft.com/office/drawing/2014/main" id="{738495DE-E1A3-40DA-938A-6DCA43D940A2}"/>
+              </a:ext>
+            </a:extLst>
+          </p:cNvPr>
+          <p:cNvSpPr/>
+          <p:nvPr/>
+        </p:nvSpPr>
+        <p:spPr>
+          <a:xfrm>
+            <a:off x="10330062" y="4784480"/>
+            <a:ext cx="1182727" cy="204076"/>
+          </a:xfrm>
+          <a:prstGeom prst="roundRect">
+            <a:avLst/>
+          </a:prstGeom>
+          <a:solidFill>
+            <a:srgbClr val="BFAE7F"/>
+          </a:solidFill>
+          <a:ln>
+            <a:solidFill>
+              <a:srgbClr val="005035"/>
+            </a:solidFill>
+          </a:ln>
+        </p:spPr>
+        <p:style>
+          <a:lnRef idx="2">
+            <a:schemeClr val="accent1">
+              <a:shade val="50000"/>
+            </a:schemeClr>
+          </a:lnRef>
+          <a:fillRef idx="1">
+            <a:schemeClr val="accent1"/>
+          </a:fillRef>
+          <a:effectRef idx="0">
+            <a:schemeClr val="accent1"/>
+          </a:effectRef>
+          <a:fontRef idx="minor">
+            <a:schemeClr val="lt1"/>
+          </a:fontRef>
+        </p:style>
+        <p:txBody>
+          <a:bodyPr rtlCol="0" anchor="ctr"/>
+          <a:lstStyle/>
+          <a:p>
+            <a:pPr algn="ctr"/>
+            <a:r>
+              <a:rPr lang="en-US" sz="1600" dirty="0">
+                <a:solidFill>
+                  <a:srgbClr val="005035"/>
+                </a:solidFill>
+              </a:rPr>
+              <a:t>Sign Up</a:t>
+            </a:r>
+          </a:p>
+        </p:txBody>
+      </p:sp>
+      <p:sp>
+        <p:nvSpPr>
+          <p:cNvPr id="39" name="Rectangle: Rounded Corners 38">
+            <a:extLst>
+              <a:ext uri="{FF2B5EF4-FFF2-40B4-BE49-F238E27FC236}">
+                <a16:creationId xmlns:a16="http://schemas.microsoft.com/office/drawing/2014/main" id="{CA7544B3-7AAF-4FE4-A14A-0C3540B53407}"/>
+              </a:ext>
+            </a:extLst>
+          </p:cNvPr>
+          <p:cNvSpPr/>
+          <p:nvPr/>
+        </p:nvSpPr>
+        <p:spPr>
+          <a:xfrm>
+            <a:off x="10330061" y="5179225"/>
+            <a:ext cx="1182727" cy="204076"/>
+          </a:xfrm>
+          <a:prstGeom prst="roundRect">
+            <a:avLst/>
+          </a:prstGeom>
+          <a:solidFill>
+            <a:srgbClr val="BFAE7F"/>
+          </a:solidFill>
+          <a:ln>
+            <a:solidFill>
+              <a:srgbClr val="005035"/>
+            </a:solidFill>
+          </a:ln>
+        </p:spPr>
+        <p:style>
+          <a:lnRef idx="2">
+            <a:schemeClr val="accent1">
+              <a:shade val="50000"/>
+            </a:schemeClr>
+          </a:lnRef>
+          <a:fillRef idx="1">
+            <a:schemeClr val="accent1"/>
+          </a:fillRef>
+          <a:effectRef idx="0">
+            <a:schemeClr val="accent1"/>
+          </a:effectRef>
+          <a:fontRef idx="minor">
+            <a:schemeClr val="lt1"/>
+          </a:fontRef>
+        </p:style>
+        <p:txBody>
+          <a:bodyPr rtlCol="0" anchor="ctr"/>
+          <a:lstStyle/>
+          <a:p>
+            <a:pPr algn="ctr"/>
+            <a:r>
+              <a:rPr lang="en-US" sz="1600" dirty="0">
+                <a:solidFill>
+                  <a:srgbClr val="005035"/>
+                </a:solidFill>
+              </a:rPr>
+              <a:t>Sign Up</a:t>
+            </a:r>
+          </a:p>
+        </p:txBody>
+      </p:sp>
+      <p:sp>
+        <p:nvSpPr>
+          <p:cNvPr id="40" name="Rectangle: Rounded Corners 39">
+            <a:extLst>
+              <a:ext uri="{FF2B5EF4-FFF2-40B4-BE49-F238E27FC236}">
+                <a16:creationId xmlns:a16="http://schemas.microsoft.com/office/drawing/2014/main" id="{07B92452-911C-40C2-83F6-EBE8FF434111}"/>
+              </a:ext>
+            </a:extLst>
+          </p:cNvPr>
+          <p:cNvSpPr/>
+          <p:nvPr/>
+        </p:nvSpPr>
+        <p:spPr>
+          <a:xfrm>
+            <a:off x="10330061" y="5573970"/>
+            <a:ext cx="1182727" cy="204076"/>
+          </a:xfrm>
+          <a:prstGeom prst="roundRect">
+            <a:avLst/>
+          </a:prstGeom>
+          <a:solidFill>
+            <a:srgbClr val="BFAE7F"/>
+          </a:solidFill>
+          <a:ln>
+            <a:solidFill>
+              <a:srgbClr val="005035"/>
+            </a:solidFill>
+          </a:ln>
+        </p:spPr>
+        <p:style>
+          <a:lnRef idx="2">
+            <a:schemeClr val="accent1">
+              <a:shade val="50000"/>
+            </a:schemeClr>
+          </a:lnRef>
+          <a:fillRef idx="1">
+            <a:schemeClr val="accent1"/>
+          </a:fillRef>
+          <a:effectRef idx="0">
+            <a:schemeClr val="accent1"/>
+          </a:effectRef>
+          <a:fontRef idx="minor">
+            <a:schemeClr val="lt1"/>
+          </a:fontRef>
+        </p:style>
+        <p:txBody>
+          <a:bodyPr rtlCol="0" anchor="ctr"/>
+          <a:lstStyle/>
+          <a:p>
+            <a:pPr algn="ctr"/>
+            <a:r>
+              <a:rPr lang="en-US" sz="1600" dirty="0">
+                <a:solidFill>
+                  <a:srgbClr val="005035"/>
+                </a:solidFill>
+              </a:rPr>
+              <a:t>Sign Up</a:t>
+            </a:r>
+          </a:p>
+        </p:txBody>
+      </p:sp>
+      <p:sp>
+        <p:nvSpPr>
+          <p:cNvPr id="41" name="Rectangle 40">
+            <a:hlinkClick r:id="rId8" action="ppaction://hlinksldjump"/>
+            <a:extLst>
+              <a:ext uri="{FF2B5EF4-FFF2-40B4-BE49-F238E27FC236}">
+                <a16:creationId xmlns:a16="http://schemas.microsoft.com/office/drawing/2014/main" id="{C069C136-25EE-4BC8-95DA-1FD12CB1A33B}"/>
+              </a:ext>
+            </a:extLst>
+          </p:cNvPr>
+          <p:cNvSpPr/>
+          <p:nvPr/>
+        </p:nvSpPr>
+        <p:spPr>
+          <a:xfrm>
+            <a:off x="10311675" y="2582297"/>
+            <a:ext cx="1219497" cy="250199"/>
+          </a:xfrm>
+          <a:prstGeom prst="rect">
+            <a:avLst/>
+          </a:prstGeom>
+          <a:noFill/>
+          <a:ln>
+            <a:noFill/>
+          </a:ln>
+        </p:spPr>
+        <p:style>
+          <a:lnRef idx="2">
+            <a:schemeClr val="accent1">
+              <a:shade val="50000"/>
+            </a:schemeClr>
+          </a:lnRef>
+          <a:fillRef idx="1">
+            <a:schemeClr val="accent1"/>
+          </a:fillRef>
+          <a:effectRef idx="0">
+            <a:schemeClr val="accent1"/>
+          </a:effectRef>
+          <a:fontRef idx="minor">
+            <a:schemeClr val="lt1"/>
+          </a:fontRef>
+        </p:style>
+        <p:txBody>
+          <a:bodyPr rtlCol="0" anchor="ctr"/>
+          <a:lstStyle/>
+          <a:p>
+            <a:pPr algn="ctr"/>
+            <a:endParaRPr lang="en-US"/>
+          </a:p>
+        </p:txBody>
+      </p:sp>
+      <p:sp>
+        <p:nvSpPr>
+          <p:cNvPr id="42" name="Rectangle 41">
+            <a:hlinkClick r:id="rId9" action="ppaction://hlinksldjump"/>
+            <a:extLst>
+              <a:ext uri="{FF2B5EF4-FFF2-40B4-BE49-F238E27FC236}">
+                <a16:creationId xmlns:a16="http://schemas.microsoft.com/office/drawing/2014/main" id="{BBABAFE8-58F7-4D60-9E20-9894046C97B2}"/>
+              </a:ext>
+            </a:extLst>
+          </p:cNvPr>
+          <p:cNvSpPr/>
+          <p:nvPr/>
+        </p:nvSpPr>
+        <p:spPr>
+          <a:xfrm>
+            <a:off x="10330061" y="4788793"/>
+            <a:ext cx="1182727" cy="209904"/>
           </a:xfrm>
           <a:prstGeom prst="rect">
             <a:avLst/>
@@ -17154,7 +20828,7 @@
           <p:nvPr>
             <p:extLst>
               <p:ext uri="{D42A27DB-BD31-4B8C-83A1-F6EECF244321}">
-                <p14:modId xmlns:p14="http://schemas.microsoft.com/office/powerpoint/2010/main" val="438694218"/>
+                <p14:modId xmlns:p14="http://schemas.microsoft.com/office/powerpoint/2010/main" val="2068556098"/>
               </p:ext>
             </p:extLst>
           </p:nvPr>
@@ -17442,7 +21116,7 @@
                     <a:p>
                       <a:r>
                         <a:rPr lang="en-US" dirty="0"/>
-                        <a:t>Robert Smith</a:t>
+                        <a:t>Robert Sanders</a:t>
                       </a:r>
                     </a:p>
                   </a:txBody>
@@ -17603,7 +21277,7 @@
                         <a:rPr lang="en-US" dirty="0">
                           <a:hlinkClick r:id="rId7"/>
                         </a:rPr>
-                        <a:t>Mr.Smith@email.com</a:t>
+                        <a:t>Mr.Sanders@email.com</a:t>
                       </a:r>
                       <a:endParaRPr lang="en-US" dirty="0"/>
                     </a:p>
@@ -17779,6 +21453,118 @@
           <a:xfrm>
             <a:off x="11400638" y="127989"/>
             <a:ext cx="716159" cy="399495"/>
+          </a:xfrm>
+          <a:prstGeom prst="rect">
+            <a:avLst/>
+          </a:prstGeom>
+          <a:noFill/>
+          <a:ln>
+            <a:noFill/>
+          </a:ln>
+        </p:spPr>
+        <p:style>
+          <a:lnRef idx="2">
+            <a:schemeClr val="accent1">
+              <a:shade val="50000"/>
+            </a:schemeClr>
+          </a:lnRef>
+          <a:fillRef idx="1">
+            <a:schemeClr val="accent1"/>
+          </a:fillRef>
+          <a:effectRef idx="0">
+            <a:schemeClr val="accent1"/>
+          </a:effectRef>
+          <a:fontRef idx="minor">
+            <a:schemeClr val="lt1"/>
+          </a:fontRef>
+        </p:style>
+        <p:txBody>
+          <a:bodyPr rtlCol="0" anchor="ctr"/>
+          <a:lstStyle/>
+          <a:p>
+            <a:pPr algn="ctr"/>
+            <a:endParaRPr lang="en-US"/>
+          </a:p>
+        </p:txBody>
+      </p:sp>
+      <p:sp>
+        <p:nvSpPr>
+          <p:cNvPr id="22" name="Rectangle: Rounded Corners 21">
+            <a:extLst>
+              <a:ext uri="{FF2B5EF4-FFF2-40B4-BE49-F238E27FC236}">
+                <a16:creationId xmlns:a16="http://schemas.microsoft.com/office/drawing/2014/main" id="{37AFF893-565B-4DDA-8CE3-7343A1928296}"/>
+              </a:ext>
+            </a:extLst>
+          </p:cNvPr>
+          <p:cNvSpPr/>
+          <p:nvPr/>
+        </p:nvSpPr>
+        <p:spPr>
+          <a:xfrm>
+            <a:off x="9324994" y="3003543"/>
+            <a:ext cx="1182727" cy="399495"/>
+          </a:xfrm>
+          <a:prstGeom prst="roundRect">
+            <a:avLst/>
+          </a:prstGeom>
+          <a:solidFill>
+            <a:srgbClr val="BFAE7F"/>
+          </a:solidFill>
+          <a:ln>
+            <a:solidFill>
+              <a:srgbClr val="005035"/>
+            </a:solidFill>
+          </a:ln>
+        </p:spPr>
+        <p:style>
+          <a:lnRef idx="2">
+            <a:schemeClr val="accent1">
+              <a:shade val="50000"/>
+            </a:schemeClr>
+          </a:lnRef>
+          <a:fillRef idx="1">
+            <a:schemeClr val="accent1"/>
+          </a:fillRef>
+          <a:effectRef idx="0">
+            <a:schemeClr val="accent1"/>
+          </a:effectRef>
+          <a:fontRef idx="minor">
+            <a:schemeClr val="lt1"/>
+          </a:fontRef>
+        </p:style>
+        <p:txBody>
+          <a:bodyPr rtlCol="0" anchor="ctr"/>
+          <a:lstStyle/>
+          <a:p>
+            <a:pPr algn="ctr"/>
+            <a:r>
+              <a:rPr lang="en-US" dirty="0">
+                <a:solidFill>
+                  <a:srgbClr val="005035"/>
+                </a:solidFill>
+              </a:rPr>
+              <a:t>Connect</a:t>
+            </a:r>
+          </a:p>
+        </p:txBody>
+      </p:sp>
+      <p:sp>
+        <p:nvSpPr>
+          <p:cNvPr id="2" name="Rectangle 1">
+            <a:hlinkClick r:id="rId10" action="ppaction://hlinksldjump"/>
+            <a:extLst>
+              <a:ext uri="{FF2B5EF4-FFF2-40B4-BE49-F238E27FC236}">
+                <a16:creationId xmlns:a16="http://schemas.microsoft.com/office/drawing/2014/main" id="{698CAC84-6234-4C36-AAE7-C4FBD7BF83C7}"/>
+              </a:ext>
+            </a:extLst>
+          </p:cNvPr>
+          <p:cNvSpPr/>
+          <p:nvPr/>
+        </p:nvSpPr>
+        <p:spPr>
+          <a:xfrm>
+            <a:off x="9324994" y="3003543"/>
+            <a:ext cx="1182727" cy="399495"/>
           </a:xfrm>
           <a:prstGeom prst="rect">
             <a:avLst/>
@@ -19810,7 +23596,7 @@
         </p:nvSpPr>
         <p:spPr>
           <a:xfrm>
-            <a:off x="1" y="1064604"/>
+            <a:off x="-1" y="1089864"/>
             <a:ext cx="12192000" cy="4961603"/>
           </a:xfrm>
           <a:prstGeom prst="rect">
@@ -20010,8 +23796,8 @@
         </p:nvSpPr>
         <p:spPr>
           <a:xfrm>
-            <a:off x="585925" y="1846277"/>
-            <a:ext cx="11052701" cy="3416320"/>
+            <a:off x="1693515" y="1793083"/>
+            <a:ext cx="945022" cy="3416320"/>
           </a:xfrm>
           <a:prstGeom prst="rect">
             <a:avLst/>
@@ -20024,57 +23810,69 @@
           </a:bodyPr>
           <a:lstStyle/>
           <a:p>
+            <a:pPr algn="r"/>
             <a:r>
               <a:rPr lang="en-US" dirty="0"/>
               <a:t>Name:</a:t>
             </a:r>
           </a:p>
           <a:p>
+            <a:pPr algn="r"/>
             <a:endParaRPr lang="en-US" dirty="0"/>
           </a:p>
           <a:p>
+            <a:pPr algn="r"/>
             <a:r>
               <a:rPr lang="en-US" dirty="0"/>
               <a:t>Email:</a:t>
             </a:r>
           </a:p>
           <a:p>
+            <a:pPr algn="r"/>
             <a:endParaRPr lang="en-US" dirty="0"/>
           </a:p>
           <a:p>
+            <a:pPr algn="r"/>
             <a:r>
               <a:rPr lang="en-US" dirty="0"/>
               <a:t>College:</a:t>
             </a:r>
           </a:p>
           <a:p>
+            <a:pPr algn="r"/>
             <a:endParaRPr lang="en-US" dirty="0"/>
           </a:p>
           <a:p>
+            <a:pPr algn="r"/>
             <a:r>
               <a:rPr lang="en-US" dirty="0"/>
               <a:t>Major:</a:t>
             </a:r>
           </a:p>
           <a:p>
+            <a:pPr algn="r"/>
             <a:endParaRPr lang="en-US" dirty="0"/>
           </a:p>
           <a:p>
+            <a:pPr algn="r"/>
             <a:r>
               <a:rPr lang="en-US" dirty="0"/>
               <a:t>Minor:</a:t>
             </a:r>
           </a:p>
           <a:p>
+            <a:pPr algn="r"/>
             <a:endParaRPr lang="en-US" dirty="0"/>
           </a:p>
           <a:p>
+            <a:pPr algn="r"/>
             <a:r>
               <a:rPr lang="en-US" dirty="0"/>
               <a:t>Career </a:t>
             </a:r>
           </a:p>
           <a:p>
+            <a:pPr algn="r"/>
             <a:r>
               <a:rPr lang="en-US" dirty="0"/>
               <a:t>Choice:</a:t>
@@ -20096,8 +23894,8 @@
         </p:nvSpPr>
         <p:spPr>
           <a:xfrm>
-            <a:off x="236245" y="1237246"/>
-            <a:ext cx="1864310" cy="461665"/>
+            <a:off x="463484" y="1271808"/>
+            <a:ext cx="3946874" cy="461665"/>
           </a:xfrm>
           <a:prstGeom prst="rect">
             <a:avLst/>
@@ -20117,7 +23915,7 @@
                   <a:srgbClr val="005035"/>
                 </a:solidFill>
               </a:rPr>
-              <a:t>Sign Up</a:t>
+              <a:t>Sign Up For Degree Works +</a:t>
             </a:r>
             <a:endParaRPr lang="en-US" b="1" dirty="0">
               <a:solidFill>
@@ -20203,13 +24001,13 @@
           <p:nvPr/>
         </p:nvPicPr>
         <p:blipFill>
-          <a:blip r:embed="rId2">
+          <a:blip r:embed="rId11">
             <a:extLst>
               <a:ext uri="{28A0092B-C50C-407E-A947-70E740481C1C}">
                 <a14:useLocalDpi xmlns:a14="http://schemas.microsoft.com/office/drawing/2010/main" val="0"/>
               </a:ext>
               <a:ext uri="{837473B0-CC2E-450A-ABE3-18F120FF3D39}">
-                <a1611:picAttrSrcUrl xmlns:a1611="http://schemas.microsoft.com/office/drawing/2016/11/main" r:id="rId3"/>
+                <a1611:picAttrSrcUrl xmlns:a1611="http://schemas.microsoft.com/office/drawing/2016/11/main" r:id="rId12"/>
               </a:ext>
             </a:extLst>
           </a:blip>
@@ -20257,7 +24055,7 @@
           <a:p>
             <a:r>
               <a:rPr lang="en-US" sz="900">
-                <a:hlinkClick r:id="rId3" tooltip="https://en.wikipedia.org/wiki/Google_Contacts"/>
+                <a:hlinkClick r:id="rId12" tooltip="https://en.wikipedia.org/wiki/Google_Contacts"/>
               </a:rPr>
               <a:t>This Photo</a:t>
             </a:r>
@@ -20267,353 +24065,11 @@
             </a:r>
             <a:r>
               <a:rPr lang="en-US" sz="900">
-                <a:hlinkClick r:id="rId4" tooltip="https://creativecommons.org/licenses/by-sa/3.0/"/>
+                <a:hlinkClick r:id="rId13" tooltip="https://creativecommons.org/licenses/by-sa/3.0/"/>
               </a:rPr>
               <a:t>CC BY-SA</a:t>
             </a:r>
             <a:endParaRPr lang="en-US" sz="900"/>
-          </a:p>
-        </p:txBody>
-      </p:sp>
-      <p:sp>
-        <p:nvSpPr>
-          <p:cNvPr id="13" name="TextBox 12">
-            <a:extLst>
-              <a:ext uri="{FF2B5EF4-FFF2-40B4-BE49-F238E27FC236}">
-                <a16:creationId xmlns:a16="http://schemas.microsoft.com/office/drawing/2014/main" id="{BCFF317D-6709-42BF-A8EE-891BDDAE7E42}"/>
-              </a:ext>
-            </a:extLst>
-          </p:cNvPr>
-          <p:cNvSpPr txBox="1"/>
-          <p:nvPr/>
-        </p:nvSpPr>
-        <p:spPr>
-          <a:xfrm>
-            <a:off x="1935335" y="1868219"/>
-            <a:ext cx="2219417" cy="369332"/>
-          </a:xfrm>
-          <a:prstGeom prst="rect">
-            <a:avLst/>
-          </a:prstGeom>
-          <a:solidFill>
-            <a:schemeClr val="bg1"/>
-          </a:solidFill>
-          <a:ln>
-            <a:solidFill>
-              <a:schemeClr val="tx1"/>
-            </a:solidFill>
-          </a:ln>
-        </p:spPr>
-        <p:txBody>
-          <a:bodyPr wrap="square" rtlCol="0">
-            <a:spAutoFit/>
-          </a:bodyPr>
-          <a:lstStyle/>
-          <a:p>
-            <a:pPr algn="ctr"/>
-            <a:r>
-              <a:rPr lang="en-US" dirty="0">
-                <a:solidFill>
-                  <a:schemeClr val="bg2">
-                    <a:lumMod val="75000"/>
-                  </a:schemeClr>
-                </a:solidFill>
-              </a:rPr>
-              <a:t>First Name</a:t>
-            </a:r>
-          </a:p>
-        </p:txBody>
-      </p:sp>
-      <p:sp>
-        <p:nvSpPr>
-          <p:cNvPr id="36" name="TextBox 35">
-            <a:extLst>
-              <a:ext uri="{FF2B5EF4-FFF2-40B4-BE49-F238E27FC236}">
-                <a16:creationId xmlns:a16="http://schemas.microsoft.com/office/drawing/2014/main" id="{127DE175-6DA6-4F94-9972-72690C70B220}"/>
-              </a:ext>
-            </a:extLst>
-          </p:cNvPr>
-          <p:cNvSpPr txBox="1"/>
-          <p:nvPr/>
-        </p:nvSpPr>
-        <p:spPr>
-          <a:xfrm>
-            <a:off x="1935335" y="4754428"/>
-            <a:ext cx="7589665" cy="320815"/>
-          </a:xfrm>
-          <a:prstGeom prst="rect">
-            <a:avLst/>
-          </a:prstGeom>
-          <a:solidFill>
-            <a:schemeClr val="bg1"/>
-          </a:solidFill>
-          <a:ln>
-            <a:solidFill>
-              <a:schemeClr val="tx1"/>
-            </a:solidFill>
-          </a:ln>
-        </p:spPr>
-        <p:txBody>
-          <a:bodyPr wrap="square" rtlCol="0">
-            <a:spAutoFit/>
-          </a:bodyPr>
-          <a:lstStyle/>
-          <a:p>
-            <a:endParaRPr lang="en-US" dirty="0"/>
-          </a:p>
-        </p:txBody>
-      </p:sp>
-      <p:sp>
-        <p:nvSpPr>
-          <p:cNvPr id="47" name="TextBox 46">
-            <a:extLst>
-              <a:ext uri="{FF2B5EF4-FFF2-40B4-BE49-F238E27FC236}">
-                <a16:creationId xmlns:a16="http://schemas.microsoft.com/office/drawing/2014/main" id="{11EA3720-D0C1-42F8-8871-BAE8EC9A3169}"/>
-              </a:ext>
-            </a:extLst>
-          </p:cNvPr>
-          <p:cNvSpPr txBox="1"/>
-          <p:nvPr/>
-        </p:nvSpPr>
-        <p:spPr>
-          <a:xfrm>
-            <a:off x="1908698" y="4118629"/>
-            <a:ext cx="7589665" cy="320815"/>
-          </a:xfrm>
-          <a:prstGeom prst="rect">
-            <a:avLst/>
-          </a:prstGeom>
-          <a:solidFill>
-            <a:schemeClr val="bg1"/>
-          </a:solidFill>
-          <a:ln>
-            <a:solidFill>
-              <a:schemeClr val="tx1"/>
-            </a:solidFill>
-          </a:ln>
-        </p:spPr>
-        <p:txBody>
-          <a:bodyPr wrap="square" rtlCol="0">
-            <a:spAutoFit/>
-          </a:bodyPr>
-          <a:lstStyle/>
-          <a:p>
-            <a:endParaRPr lang="en-US" dirty="0"/>
-          </a:p>
-        </p:txBody>
-      </p:sp>
-      <p:sp>
-        <p:nvSpPr>
-          <p:cNvPr id="48" name="TextBox 47">
-            <a:extLst>
-              <a:ext uri="{FF2B5EF4-FFF2-40B4-BE49-F238E27FC236}">
-                <a16:creationId xmlns:a16="http://schemas.microsoft.com/office/drawing/2014/main" id="{3DBC82FA-36AA-41B4-8AC3-7F8DA4C3EAD3}"/>
-              </a:ext>
-            </a:extLst>
-          </p:cNvPr>
-          <p:cNvSpPr txBox="1"/>
-          <p:nvPr/>
-        </p:nvSpPr>
-        <p:spPr>
-          <a:xfrm>
-            <a:off x="1908700" y="2451664"/>
-            <a:ext cx="7589665" cy="320815"/>
-          </a:xfrm>
-          <a:prstGeom prst="rect">
-            <a:avLst/>
-          </a:prstGeom>
-          <a:solidFill>
-            <a:schemeClr val="bg1"/>
-          </a:solidFill>
-          <a:ln>
-            <a:solidFill>
-              <a:schemeClr val="tx1"/>
-            </a:solidFill>
-          </a:ln>
-        </p:spPr>
-        <p:txBody>
-          <a:bodyPr wrap="square" rtlCol="0">
-            <a:spAutoFit/>
-          </a:bodyPr>
-          <a:lstStyle/>
-          <a:p>
-            <a:endParaRPr lang="en-US" dirty="0"/>
-          </a:p>
-        </p:txBody>
-      </p:sp>
-      <p:sp>
-        <p:nvSpPr>
-          <p:cNvPr id="49" name="TextBox 48">
-            <a:extLst>
-              <a:ext uri="{FF2B5EF4-FFF2-40B4-BE49-F238E27FC236}">
-                <a16:creationId xmlns:a16="http://schemas.microsoft.com/office/drawing/2014/main" id="{613A47B5-9F33-4B75-AACD-F51504A274F6}"/>
-              </a:ext>
-            </a:extLst>
-          </p:cNvPr>
-          <p:cNvSpPr txBox="1"/>
-          <p:nvPr/>
-        </p:nvSpPr>
-        <p:spPr>
-          <a:xfrm>
-            <a:off x="1908699" y="2995024"/>
-            <a:ext cx="7589665" cy="320815"/>
-          </a:xfrm>
-          <a:prstGeom prst="rect">
-            <a:avLst/>
-          </a:prstGeom>
-          <a:solidFill>
-            <a:schemeClr val="bg1"/>
-          </a:solidFill>
-          <a:ln>
-            <a:solidFill>
-              <a:schemeClr val="tx1"/>
-            </a:solidFill>
-          </a:ln>
-        </p:spPr>
-        <p:txBody>
-          <a:bodyPr wrap="square" rtlCol="0">
-            <a:spAutoFit/>
-          </a:bodyPr>
-          <a:lstStyle/>
-          <a:p>
-            <a:endParaRPr lang="en-US" dirty="0"/>
-          </a:p>
-        </p:txBody>
-      </p:sp>
-      <p:sp>
-        <p:nvSpPr>
-          <p:cNvPr id="50" name="TextBox 49">
-            <a:extLst>
-              <a:ext uri="{FF2B5EF4-FFF2-40B4-BE49-F238E27FC236}">
-                <a16:creationId xmlns:a16="http://schemas.microsoft.com/office/drawing/2014/main" id="{A0D1D98B-0F4A-4689-BFE0-42CF0484902E}"/>
-              </a:ext>
-            </a:extLst>
-          </p:cNvPr>
-          <p:cNvSpPr txBox="1"/>
-          <p:nvPr/>
-        </p:nvSpPr>
-        <p:spPr>
-          <a:xfrm>
-            <a:off x="1908699" y="3546925"/>
-            <a:ext cx="7589665" cy="320815"/>
-          </a:xfrm>
-          <a:prstGeom prst="rect">
-            <a:avLst/>
-          </a:prstGeom>
-          <a:solidFill>
-            <a:schemeClr val="bg1"/>
-          </a:solidFill>
-          <a:ln>
-            <a:solidFill>
-              <a:schemeClr val="tx1"/>
-            </a:solidFill>
-          </a:ln>
-        </p:spPr>
-        <p:txBody>
-          <a:bodyPr wrap="square" rtlCol="0">
-            <a:spAutoFit/>
-          </a:bodyPr>
-          <a:lstStyle/>
-          <a:p>
-            <a:endParaRPr lang="en-US" dirty="0"/>
-          </a:p>
-        </p:txBody>
-      </p:sp>
-      <p:sp>
-        <p:nvSpPr>
-          <p:cNvPr id="30" name="TextBox 29">
-            <a:extLst>
-              <a:ext uri="{FF2B5EF4-FFF2-40B4-BE49-F238E27FC236}">
-                <a16:creationId xmlns:a16="http://schemas.microsoft.com/office/drawing/2014/main" id="{9BFBA11B-5174-4DBE-AF3F-A6BF792CCC1F}"/>
-              </a:ext>
-            </a:extLst>
-          </p:cNvPr>
-          <p:cNvSpPr txBox="1"/>
-          <p:nvPr/>
-        </p:nvSpPr>
-        <p:spPr>
-          <a:xfrm>
-            <a:off x="4559139" y="1873821"/>
-            <a:ext cx="2225517" cy="369332"/>
-          </a:xfrm>
-          <a:prstGeom prst="rect">
-            <a:avLst/>
-          </a:prstGeom>
-          <a:solidFill>
-            <a:schemeClr val="bg1"/>
-          </a:solidFill>
-          <a:ln>
-            <a:solidFill>
-              <a:schemeClr val="tx1"/>
-            </a:solidFill>
-          </a:ln>
-        </p:spPr>
-        <p:txBody>
-          <a:bodyPr wrap="square" rtlCol="0">
-            <a:spAutoFit/>
-          </a:bodyPr>
-          <a:lstStyle/>
-          <a:p>
-            <a:pPr algn="ctr"/>
-            <a:r>
-              <a:rPr lang="en-US" dirty="0">
-                <a:solidFill>
-                  <a:schemeClr val="bg2">
-                    <a:lumMod val="75000"/>
-                  </a:schemeClr>
-                </a:solidFill>
-              </a:rPr>
-              <a:t>Middle Name</a:t>
-            </a:r>
-          </a:p>
-        </p:txBody>
-      </p:sp>
-      <p:sp>
-        <p:nvSpPr>
-          <p:cNvPr id="43" name="TextBox 42">
-            <a:extLst>
-              <a:ext uri="{FF2B5EF4-FFF2-40B4-BE49-F238E27FC236}">
-                <a16:creationId xmlns:a16="http://schemas.microsoft.com/office/drawing/2014/main" id="{7A6D111C-6E49-4A08-A4D0-8A8C70BD8304}"/>
-              </a:ext>
-            </a:extLst>
-          </p:cNvPr>
-          <p:cNvSpPr txBox="1"/>
-          <p:nvPr/>
-        </p:nvSpPr>
-        <p:spPr>
-          <a:xfrm>
-            <a:off x="7189044" y="1851246"/>
-            <a:ext cx="2309319" cy="369332"/>
-          </a:xfrm>
-          <a:prstGeom prst="rect">
-            <a:avLst/>
-          </a:prstGeom>
-          <a:solidFill>
-            <a:schemeClr val="bg1"/>
-          </a:solidFill>
-          <a:ln>
-            <a:solidFill>
-              <a:schemeClr val="tx1"/>
-            </a:solidFill>
-          </a:ln>
-        </p:spPr>
-        <p:txBody>
-          <a:bodyPr wrap="square" rtlCol="0">
-            <a:spAutoFit/>
-          </a:bodyPr>
-          <a:lstStyle/>
-          <a:p>
-            <a:pPr algn="ctr"/>
-            <a:r>
-              <a:rPr lang="en-US" dirty="0">
-                <a:solidFill>
-                  <a:schemeClr val="bg2">
-                    <a:lumMod val="75000"/>
-                  </a:schemeClr>
-                </a:solidFill>
-              </a:rPr>
-              <a:t>Last Name</a:t>
-            </a:r>
           </a:p>
         </p:txBody>
       </p:sp>
@@ -20632,7 +24088,7 @@
           <p:nvPr/>
         </p:nvPicPr>
         <p:blipFill>
-          <a:blip r:embed="rId5">
+          <a:blip r:embed="rId14">
             <a:extLst>
               <a:ext uri="{28A0092B-C50C-407E-A947-70E740481C1C}">
                 <a14:useLocalDpi xmlns:a14="http://schemas.microsoft.com/office/drawing/2010/main" val="0"/>
@@ -20710,7 +24166,7 @@
       <p:sp>
         <p:nvSpPr>
           <p:cNvPr id="46" name="Rectangle 45">
-            <a:hlinkClick r:id="rId6" action="ppaction://hlinksldjump"/>
+            <a:hlinkClick r:id="rId15" action="ppaction://hlinksldjump"/>
             <a:extLst>
               <a:ext uri="{FF2B5EF4-FFF2-40B4-BE49-F238E27FC236}">
                 <a16:creationId xmlns:a16="http://schemas.microsoft.com/office/drawing/2014/main" id="{05D3371D-1F42-498D-BE4F-2CF1A14B6371}"/>
@@ -20761,7 +24217,7 @@
       <p:sp>
         <p:nvSpPr>
           <p:cNvPr id="51" name="Rectangle 50">
-            <a:hlinkClick r:id="rId7" action="ppaction://hlinksldjump"/>
+            <a:hlinkClick r:id="rId16" action="ppaction://hlinksldjump"/>
             <a:extLst>
               <a:ext uri="{FF2B5EF4-FFF2-40B4-BE49-F238E27FC236}">
                 <a16:creationId xmlns:a16="http://schemas.microsoft.com/office/drawing/2014/main" id="{2E9D1FE1-DBD7-4D87-B737-DB60580C6135}"/>
@@ -20812,7 +24268,7 @@
       <p:sp>
         <p:nvSpPr>
           <p:cNvPr id="52" name="Rectangle 51">
-            <a:hlinkClick r:id="rId7" action="ppaction://hlinksldjump"/>
+            <a:hlinkClick r:id="rId16" action="ppaction://hlinksldjump"/>
             <a:extLst>
               <a:ext uri="{FF2B5EF4-FFF2-40B4-BE49-F238E27FC236}">
                 <a16:creationId xmlns:a16="http://schemas.microsoft.com/office/drawing/2014/main" id="{CC546847-B2C9-484A-A0AB-686719506F3A}"/>
@@ -20863,7 +24319,7 @@
       <p:sp>
         <p:nvSpPr>
           <p:cNvPr id="53" name="Rectangle 52">
-            <a:hlinkClick r:id="rId8" action="ppaction://hlinksldjump"/>
+            <a:hlinkClick r:id="rId17" action="ppaction://hlinksldjump"/>
             <a:extLst>
               <a:ext uri="{FF2B5EF4-FFF2-40B4-BE49-F238E27FC236}">
                 <a16:creationId xmlns:a16="http://schemas.microsoft.com/office/drawing/2014/main" id="{92B26AEE-17DE-4141-937B-520B57078F1C}"/>
@@ -20911,7 +24367,372 @@
           </a:p>
         </p:txBody>
       </p:sp>
+      <p:sp>
+        <p:nvSpPr>
+          <p:cNvPr id="2" name="Rectangle 1">
+            <a:hlinkClick r:id="rId17" action="ppaction://hlinksldjump"/>
+            <a:extLst>
+              <a:ext uri="{FF2B5EF4-FFF2-40B4-BE49-F238E27FC236}">
+                <a16:creationId xmlns:a16="http://schemas.microsoft.com/office/drawing/2014/main" id="{674110EE-6229-42ED-9297-2D0EF08BE015}"/>
+              </a:ext>
+            </a:extLst>
+          </p:cNvPr>
+          <p:cNvSpPr/>
+          <p:nvPr/>
+        </p:nvSpPr>
+        <p:spPr>
+          <a:xfrm>
+            <a:off x="5504635" y="5409963"/>
+            <a:ext cx="1182727" cy="375631"/>
+          </a:xfrm>
+          <a:prstGeom prst="rect">
+            <a:avLst/>
+          </a:prstGeom>
+          <a:noFill/>
+          <a:ln>
+            <a:noFill/>
+          </a:ln>
+        </p:spPr>
+        <p:style>
+          <a:lnRef idx="2">
+            <a:schemeClr val="accent1">
+              <a:shade val="50000"/>
+            </a:schemeClr>
+          </a:lnRef>
+          <a:fillRef idx="1">
+            <a:schemeClr val="accent1"/>
+          </a:fillRef>
+          <a:effectRef idx="0">
+            <a:schemeClr val="accent1"/>
+          </a:effectRef>
+          <a:fontRef idx="minor">
+            <a:schemeClr val="lt1"/>
+          </a:fontRef>
+        </p:style>
+        <p:txBody>
+          <a:bodyPr rtlCol="0" anchor="ctr"/>
+          <a:lstStyle/>
+          <a:p>
+            <a:pPr algn="ctr"/>
+            <a:endParaRPr lang="en-US"/>
+          </a:p>
+        </p:txBody>
+      </p:sp>
     </p:spTree>
+    <p:controls>
+      <mc:AlternateContent xmlns:mc="http://schemas.openxmlformats.org/markup-compatibility/2006">
+        <mc:Choice xmlns:v="urn:schemas-microsoft-com:vml" Requires="v">
+          <p:control spid="3162" name="TextBox1" r:id="rId2" imgW="2219400" imgH="380880"/>
+        </mc:Choice>
+        <mc:Fallback>
+          <p:control name="TextBox1" r:id="rId2" imgW="2219400" imgH="380880">
+            <p:pic>
+              <p:nvPicPr>
+                <p:cNvPr id="54" name="TextBox1">
+                  <a:extLst>
+                    <a:ext uri="{FF2B5EF4-FFF2-40B4-BE49-F238E27FC236}">
+                      <a16:creationId xmlns:a16="http://schemas.microsoft.com/office/drawing/2014/main" id="{2746450B-5BAF-4B2A-8ED6-CF2CF6F779D2}"/>
+                    </a:ext>
+                  </a:extLst>
+                </p:cNvPr>
+                <p:cNvPicPr>
+                  <a:picLocks/>
+                </p:cNvPicPr>
+                <p:nvPr/>
+              </p:nvPicPr>
+              <p:blipFill>
+                <a:blip r:embed="rId18"/>
+                <a:stretch>
+                  <a:fillRect/>
+                </a:stretch>
+              </p:blipFill>
+              <p:spPr>
+                <a:xfrm>
+                  <a:off x="2638542" y="1817005"/>
+                  <a:ext cx="2219325" cy="381525"/>
+                </a:xfrm>
+                <a:prstGeom prst="rect">
+                  <a:avLst/>
+                </a:prstGeom>
+              </p:spPr>
+            </p:pic>
+          </p:control>
+        </mc:Fallback>
+      </mc:AlternateContent>
+      <mc:AlternateContent xmlns:mc="http://schemas.openxmlformats.org/markup-compatibility/2006">
+        <mc:Choice xmlns:v="urn:schemas-microsoft-com:vml" Requires="v">
+          <p:control spid="3163" name="TextBox2" r:id="rId3" imgW="2219400" imgH="380880"/>
+        </mc:Choice>
+        <mc:Fallback>
+          <p:control name="TextBox2" r:id="rId3" imgW="2219400" imgH="380880">
+            <p:pic>
+              <p:nvPicPr>
+                <p:cNvPr id="55" name="TextBox2">
+                  <a:extLst>
+                    <a:ext uri="{FF2B5EF4-FFF2-40B4-BE49-F238E27FC236}">
+                      <a16:creationId xmlns:a16="http://schemas.microsoft.com/office/drawing/2014/main" id="{6385DC5D-8DC8-4940-89D3-10A15425EC59}"/>
+                    </a:ext>
+                  </a:extLst>
+                </p:cNvPr>
+                <p:cNvPicPr>
+                  <a:picLocks/>
+                </p:cNvPicPr>
+                <p:nvPr/>
+              </p:nvPicPr>
+              <p:blipFill>
+                <a:blip r:embed="rId19"/>
+                <a:stretch>
+                  <a:fillRect/>
+                </a:stretch>
+              </p:blipFill>
+              <p:spPr>
+                <a:xfrm>
+                  <a:off x="8008882" y="1793083"/>
+                  <a:ext cx="2219325" cy="381525"/>
+                </a:xfrm>
+                <a:prstGeom prst="rect">
+                  <a:avLst/>
+                </a:prstGeom>
+              </p:spPr>
+            </p:pic>
+          </p:control>
+        </mc:Fallback>
+      </mc:AlternateContent>
+      <mc:AlternateContent xmlns:mc="http://schemas.openxmlformats.org/markup-compatibility/2006">
+        <mc:Choice xmlns:v="urn:schemas-microsoft-com:vml" Requires="v">
+          <p:control spid="3164" name="TextBox3" r:id="rId4" imgW="2219400" imgH="380880"/>
+        </mc:Choice>
+        <mc:Fallback>
+          <p:control name="TextBox3" r:id="rId4" imgW="2219400" imgH="380880">
+            <p:pic>
+              <p:nvPicPr>
+                <p:cNvPr id="56" name="TextBox3">
+                  <a:extLst>
+                    <a:ext uri="{FF2B5EF4-FFF2-40B4-BE49-F238E27FC236}">
+                      <a16:creationId xmlns:a16="http://schemas.microsoft.com/office/drawing/2014/main" id="{108A59CA-E8EA-4198-AD63-CE106164C135}"/>
+                    </a:ext>
+                  </a:extLst>
+                </p:cNvPr>
+                <p:cNvPicPr>
+                  <a:picLocks/>
+                </p:cNvPicPr>
+                <p:nvPr/>
+              </p:nvPicPr>
+              <p:blipFill>
+                <a:blip r:embed="rId20"/>
+                <a:stretch>
+                  <a:fillRect/>
+                </a:stretch>
+              </p:blipFill>
+              <p:spPr>
+                <a:xfrm>
+                  <a:off x="5323712" y="1818754"/>
+                  <a:ext cx="2219325" cy="381525"/>
+                </a:xfrm>
+                <a:prstGeom prst="rect">
+                  <a:avLst/>
+                </a:prstGeom>
+              </p:spPr>
+            </p:pic>
+          </p:control>
+        </mc:Fallback>
+      </mc:AlternateContent>
+      <mc:AlternateContent xmlns:mc="http://schemas.openxmlformats.org/markup-compatibility/2006">
+        <mc:Choice xmlns:v="urn:schemas-microsoft-com:vml" Requires="v">
+          <p:control spid="3165" name="TextBox4" r:id="rId5" imgW="7591320" imgH="380880"/>
+        </mc:Choice>
+        <mc:Fallback>
+          <p:control name="TextBox4" r:id="rId5" imgW="7591320" imgH="380880">
+            <p:pic>
+              <p:nvPicPr>
+                <p:cNvPr id="57" name="TextBox4">
+                  <a:extLst>
+                    <a:ext uri="{FF2B5EF4-FFF2-40B4-BE49-F238E27FC236}">
+                      <a16:creationId xmlns:a16="http://schemas.microsoft.com/office/drawing/2014/main" id="{CD246E10-6D11-49D6-B234-336AAF3276A7}"/>
+                    </a:ext>
+                  </a:extLst>
+                </p:cNvPr>
+                <p:cNvPicPr>
+                  <a:picLocks/>
+                </p:cNvPicPr>
+                <p:nvPr/>
+              </p:nvPicPr>
+              <p:blipFill>
+                <a:blip r:embed="rId21"/>
+                <a:stretch>
+                  <a:fillRect/>
+                </a:stretch>
+              </p:blipFill>
+              <p:spPr>
+                <a:xfrm>
+                  <a:off x="2638538" y="2325278"/>
+                  <a:ext cx="7589665" cy="381525"/>
+                </a:xfrm>
+                <a:prstGeom prst="rect">
+                  <a:avLst/>
+                </a:prstGeom>
+              </p:spPr>
+            </p:pic>
+          </p:control>
+        </mc:Fallback>
+      </mc:AlternateContent>
+      <mc:AlternateContent xmlns:mc="http://schemas.openxmlformats.org/markup-compatibility/2006">
+        <mc:Choice xmlns:v="urn:schemas-microsoft-com:vml" Requires="v">
+          <p:control spid="3166" name="TextBox5" r:id="rId6" imgW="7591320" imgH="380880"/>
+        </mc:Choice>
+        <mc:Fallback>
+          <p:control name="TextBox5" r:id="rId6" imgW="7591320" imgH="380880">
+            <p:pic>
+              <p:nvPicPr>
+                <p:cNvPr id="58" name="TextBox5">
+                  <a:extLst>
+                    <a:ext uri="{FF2B5EF4-FFF2-40B4-BE49-F238E27FC236}">
+                      <a16:creationId xmlns:a16="http://schemas.microsoft.com/office/drawing/2014/main" id="{45D78C37-4109-4A64-BB68-BF48FA76AED9}"/>
+                    </a:ext>
+                  </a:extLst>
+                </p:cNvPr>
+                <p:cNvPicPr>
+                  <a:picLocks/>
+                </p:cNvPicPr>
+                <p:nvPr/>
+              </p:nvPicPr>
+              <p:blipFill>
+                <a:blip r:embed="rId22"/>
+                <a:stretch>
+                  <a:fillRect/>
+                </a:stretch>
+              </p:blipFill>
+              <p:spPr>
+                <a:xfrm>
+                  <a:off x="2638538" y="2841384"/>
+                  <a:ext cx="7589665" cy="381525"/>
+                </a:xfrm>
+                <a:prstGeom prst="rect">
+                  <a:avLst/>
+                </a:prstGeom>
+              </p:spPr>
+            </p:pic>
+          </p:control>
+        </mc:Fallback>
+      </mc:AlternateContent>
+      <mc:AlternateContent xmlns:mc="http://schemas.openxmlformats.org/markup-compatibility/2006">
+        <mc:Choice xmlns:v="urn:schemas-microsoft-com:vml" Requires="v">
+          <p:control spid="3167" name="TextBox6" r:id="rId7" imgW="7591320" imgH="380880"/>
+        </mc:Choice>
+        <mc:Fallback>
+          <p:control name="TextBox6" r:id="rId7" imgW="7591320" imgH="380880">
+            <p:pic>
+              <p:nvPicPr>
+                <p:cNvPr id="59" name="TextBox6">
+                  <a:extLst>
+                    <a:ext uri="{FF2B5EF4-FFF2-40B4-BE49-F238E27FC236}">
+                      <a16:creationId xmlns:a16="http://schemas.microsoft.com/office/drawing/2014/main" id="{D19B9288-65CC-41AA-BDC9-D0D626B6027C}"/>
+                    </a:ext>
+                  </a:extLst>
+                </p:cNvPr>
+                <p:cNvPicPr>
+                  <a:picLocks/>
+                </p:cNvPicPr>
+                <p:nvPr/>
+              </p:nvPicPr>
+              <p:blipFill>
+                <a:blip r:embed="rId23"/>
+                <a:stretch>
+                  <a:fillRect/>
+                </a:stretch>
+              </p:blipFill>
+              <p:spPr>
+                <a:xfrm>
+                  <a:off x="2638537" y="3411340"/>
+                  <a:ext cx="7589665" cy="381525"/>
+                </a:xfrm>
+                <a:prstGeom prst="rect">
+                  <a:avLst/>
+                </a:prstGeom>
+              </p:spPr>
+            </p:pic>
+          </p:control>
+        </mc:Fallback>
+      </mc:AlternateContent>
+      <mc:AlternateContent xmlns:mc="http://schemas.openxmlformats.org/markup-compatibility/2006">
+        <mc:Choice xmlns:v="urn:schemas-microsoft-com:vml" Requires="v">
+          <p:control spid="3168" name="TextBox7" r:id="rId8" imgW="7591320" imgH="380880"/>
+        </mc:Choice>
+        <mc:Fallback>
+          <p:control name="TextBox7" r:id="rId8" imgW="7591320" imgH="380880">
+            <p:pic>
+              <p:nvPicPr>
+                <p:cNvPr id="60" name="TextBox7">
+                  <a:extLst>
+                    <a:ext uri="{FF2B5EF4-FFF2-40B4-BE49-F238E27FC236}">
+                      <a16:creationId xmlns:a16="http://schemas.microsoft.com/office/drawing/2014/main" id="{4155663C-0590-47DE-8C10-8DACF75A8666}"/>
+                    </a:ext>
+                  </a:extLst>
+                </p:cNvPr>
+                <p:cNvPicPr>
+                  <a:picLocks/>
+                </p:cNvPicPr>
+                <p:nvPr/>
+              </p:nvPicPr>
+              <p:blipFill>
+                <a:blip r:embed="rId24"/>
+                <a:stretch>
+                  <a:fillRect/>
+                </a:stretch>
+              </p:blipFill>
+              <p:spPr>
+                <a:xfrm>
+                  <a:off x="2638537" y="3971732"/>
+                  <a:ext cx="7589665" cy="381525"/>
+                </a:xfrm>
+                <a:prstGeom prst="rect">
+                  <a:avLst/>
+                </a:prstGeom>
+              </p:spPr>
+            </p:pic>
+          </p:control>
+        </mc:Fallback>
+      </mc:AlternateContent>
+      <mc:AlternateContent xmlns:mc="http://schemas.openxmlformats.org/markup-compatibility/2006">
+        <mc:Choice xmlns:v="urn:schemas-microsoft-com:vml" Requires="v">
+          <p:control spid="3169" name="TextBox8" r:id="rId9" imgW="7591320" imgH="380880"/>
+        </mc:Choice>
+        <mc:Fallback>
+          <p:control name="TextBox8" r:id="rId9" imgW="7591320" imgH="380880">
+            <p:pic>
+              <p:nvPicPr>
+                <p:cNvPr id="61" name="TextBox8">
+                  <a:extLst>
+                    <a:ext uri="{FF2B5EF4-FFF2-40B4-BE49-F238E27FC236}">
+                      <a16:creationId xmlns:a16="http://schemas.microsoft.com/office/drawing/2014/main" id="{BEFD060E-2243-499C-809C-EC9E2F995020}"/>
+                    </a:ext>
+                  </a:extLst>
+                </p:cNvPr>
+                <p:cNvPicPr>
+                  <a:picLocks/>
+                </p:cNvPicPr>
+                <p:nvPr/>
+              </p:nvPicPr>
+              <p:blipFill>
+                <a:blip r:embed="rId25"/>
+                <a:stretch>
+                  <a:fillRect/>
+                </a:stretch>
+              </p:blipFill>
+              <p:spPr>
+                <a:xfrm>
+                  <a:off x="2638537" y="4744346"/>
+                  <a:ext cx="7589665" cy="381525"/>
+                </a:xfrm>
+                <a:prstGeom prst="rect">
+                  <a:avLst/>
+                </a:prstGeom>
+              </p:spPr>
+            </p:pic>
+          </p:control>
+        </mc:Fallback>
+      </mc:AlternateContent>
+    </p:controls>
     <p:extLst>
       <p:ext uri="{BB962C8B-B14F-4D97-AF65-F5344CB8AC3E}">
         <p14:creationId xmlns:p14="http://schemas.microsoft.com/office/powerpoint/2010/main" val="4030224057"/>
@@ -21417,13 +25238,13 @@
           <p:nvPr/>
         </p:nvPicPr>
         <p:blipFill>
-          <a:blip r:embed="rId2">
+          <a:blip r:embed="rId5">
             <a:extLst>
               <a:ext uri="{28A0092B-C50C-407E-A947-70E740481C1C}">
                 <a14:useLocalDpi xmlns:a14="http://schemas.microsoft.com/office/drawing/2010/main" val="0"/>
               </a:ext>
               <a:ext uri="{837473B0-CC2E-450A-ABE3-18F120FF3D39}">
-                <a1611:picAttrSrcUrl xmlns:a1611="http://schemas.microsoft.com/office/drawing/2016/11/main" r:id="rId3"/>
+                <a1611:picAttrSrcUrl xmlns:a1611="http://schemas.microsoft.com/office/drawing/2016/11/main" r:id="rId6"/>
               </a:ext>
             </a:extLst>
           </a:blip>
@@ -21471,7 +25292,7 @@
           <a:p>
             <a:r>
               <a:rPr lang="en-US" sz="900">
-                <a:hlinkClick r:id="rId3" tooltip="https://en.wikipedia.org/wiki/Google_Contacts"/>
+                <a:hlinkClick r:id="rId6" tooltip="https://en.wikipedia.org/wiki/Google_Contacts"/>
               </a:rPr>
               <a:t>This Photo</a:t>
             </a:r>
@@ -21481,103 +25302,11 @@
             </a:r>
             <a:r>
               <a:rPr lang="en-US" sz="900">
-                <a:hlinkClick r:id="rId4" tooltip="https://creativecommons.org/licenses/by-sa/3.0/"/>
+                <a:hlinkClick r:id="rId7" tooltip="https://creativecommons.org/licenses/by-sa/3.0/"/>
               </a:rPr>
               <a:t>CC BY-SA</a:t>
             </a:r>
             <a:endParaRPr lang="en-US" sz="900"/>
-          </a:p>
-        </p:txBody>
-      </p:sp>
-      <p:sp>
-        <p:nvSpPr>
-          <p:cNvPr id="13" name="TextBox 12">
-            <a:extLst>
-              <a:ext uri="{FF2B5EF4-FFF2-40B4-BE49-F238E27FC236}">
-                <a16:creationId xmlns:a16="http://schemas.microsoft.com/office/drawing/2014/main" id="{BCFF317D-6709-42BF-A8EE-891BDDAE7E42}"/>
-              </a:ext>
-            </a:extLst>
-          </p:cNvPr>
-          <p:cNvSpPr txBox="1"/>
-          <p:nvPr/>
-        </p:nvSpPr>
-        <p:spPr>
-          <a:xfrm>
-            <a:off x="4989339" y="2709754"/>
-            <a:ext cx="2219417" cy="369332"/>
-          </a:xfrm>
-          <a:prstGeom prst="rect">
-            <a:avLst/>
-          </a:prstGeom>
-          <a:solidFill>
-            <a:schemeClr val="bg1"/>
-          </a:solidFill>
-          <a:ln>
-            <a:solidFill>
-              <a:schemeClr val="tx1"/>
-            </a:solidFill>
-          </a:ln>
-        </p:spPr>
-        <p:txBody>
-          <a:bodyPr wrap="square" rtlCol="0">
-            <a:spAutoFit/>
-          </a:bodyPr>
-          <a:lstStyle/>
-          <a:p>
-            <a:pPr algn="ctr"/>
-            <a:endParaRPr lang="en-US" dirty="0">
-              <a:solidFill>
-                <a:schemeClr val="bg2">
-                  <a:lumMod val="75000"/>
-                </a:schemeClr>
-              </a:solidFill>
-            </a:endParaRPr>
-          </a:p>
-        </p:txBody>
-      </p:sp>
-      <p:sp>
-        <p:nvSpPr>
-          <p:cNvPr id="30" name="TextBox 29">
-            <a:extLst>
-              <a:ext uri="{FF2B5EF4-FFF2-40B4-BE49-F238E27FC236}">
-                <a16:creationId xmlns:a16="http://schemas.microsoft.com/office/drawing/2014/main" id="{9BFBA11B-5174-4DBE-AF3F-A6BF792CCC1F}"/>
-              </a:ext>
-            </a:extLst>
-          </p:cNvPr>
-          <p:cNvSpPr txBox="1"/>
-          <p:nvPr/>
-        </p:nvSpPr>
-        <p:spPr>
-          <a:xfrm>
-            <a:off x="4983239" y="3638793"/>
-            <a:ext cx="2225517" cy="369332"/>
-          </a:xfrm>
-          <a:prstGeom prst="rect">
-            <a:avLst/>
-          </a:prstGeom>
-          <a:solidFill>
-            <a:schemeClr val="bg1"/>
-          </a:solidFill>
-          <a:ln>
-            <a:solidFill>
-              <a:schemeClr val="tx1"/>
-            </a:solidFill>
-          </a:ln>
-        </p:spPr>
-        <p:txBody>
-          <a:bodyPr wrap="square" rtlCol="0">
-            <a:spAutoFit/>
-          </a:bodyPr>
-          <a:lstStyle/>
-          <a:p>
-            <a:pPr algn="ctr"/>
-            <a:endParaRPr lang="en-US" dirty="0">
-              <a:solidFill>
-                <a:schemeClr val="bg2">
-                  <a:lumMod val="75000"/>
-                </a:schemeClr>
-              </a:solidFill>
-            </a:endParaRPr>
           </a:p>
         </p:txBody>
       </p:sp>
@@ -21596,7 +25325,7 @@
           <p:nvPr/>
         </p:nvPicPr>
         <p:blipFill>
-          <a:blip r:embed="rId5">
+          <a:blip r:embed="rId8">
             <a:extLst>
               <a:ext uri="{28A0092B-C50C-407E-A947-70E740481C1C}">
                 <a14:useLocalDpi xmlns:a14="http://schemas.microsoft.com/office/drawing/2010/main" val="0"/>
@@ -21674,7 +25403,7 @@
       <p:sp>
         <p:nvSpPr>
           <p:cNvPr id="46" name="Rectangle 45">
-            <a:hlinkClick r:id="rId6" action="ppaction://hlinksldjump"/>
+            <a:hlinkClick r:id="rId9" action="ppaction://hlinksldjump"/>
             <a:extLst>
               <a:ext uri="{FF2B5EF4-FFF2-40B4-BE49-F238E27FC236}">
                 <a16:creationId xmlns:a16="http://schemas.microsoft.com/office/drawing/2014/main" id="{05D3371D-1F42-498D-BE4F-2CF1A14B6371}"/>
@@ -21815,7 +25544,7 @@
       <p:sp>
         <p:nvSpPr>
           <p:cNvPr id="53" name="Rectangle 52">
-            <a:hlinkClick r:id="rId7" action="ppaction://hlinksldjump"/>
+            <a:hlinkClick r:id="rId10" action="ppaction://hlinksldjump"/>
             <a:extLst>
               <a:ext uri="{FF2B5EF4-FFF2-40B4-BE49-F238E27FC236}">
                 <a16:creationId xmlns:a16="http://schemas.microsoft.com/office/drawing/2014/main" id="{4868DD6F-3604-4D92-B6DF-A7C130B22476}"/>
@@ -21866,7 +25595,7 @@
       <p:sp>
         <p:nvSpPr>
           <p:cNvPr id="54" name="Rectangle 53">
-            <a:hlinkClick r:id="rId7" action="ppaction://hlinksldjump"/>
+            <a:hlinkClick r:id="rId10" action="ppaction://hlinksldjump"/>
             <a:extLst>
               <a:ext uri="{FF2B5EF4-FFF2-40B4-BE49-F238E27FC236}">
                 <a16:creationId xmlns:a16="http://schemas.microsoft.com/office/drawing/2014/main" id="{25D7D4A7-79CF-43AD-ABA8-A667AF7C8636}"/>
@@ -21917,7 +25646,7 @@
       <p:sp>
         <p:nvSpPr>
           <p:cNvPr id="55" name="Rectangle 54">
-            <a:hlinkClick r:id="rId8" action="ppaction://hlinksldjump"/>
+            <a:hlinkClick r:id="rId11" action="ppaction://hlinksldjump"/>
             <a:extLst>
               <a:ext uri="{FF2B5EF4-FFF2-40B4-BE49-F238E27FC236}">
                 <a16:creationId xmlns:a16="http://schemas.microsoft.com/office/drawing/2014/main" id="{9CF604E1-38FE-4876-BE8A-72B4E01782F7}"/>
@@ -21968,7 +25697,7 @@
       <p:sp>
         <p:nvSpPr>
           <p:cNvPr id="56" name="Rectangle 55">
-            <a:hlinkClick r:id="rId9" action="ppaction://hlinksldjump"/>
+            <a:hlinkClick r:id="rId12" action="ppaction://hlinksldjump"/>
             <a:extLst>
               <a:ext uri="{FF2B5EF4-FFF2-40B4-BE49-F238E27FC236}">
                 <a16:creationId xmlns:a16="http://schemas.microsoft.com/office/drawing/2014/main" id="{10010486-50F7-4742-9BAD-412F756428F8}"/>
@@ -22017,6 +25746,86 @@
         </p:txBody>
       </p:sp>
     </p:spTree>
+    <p:controls>
+      <mc:AlternateContent xmlns:mc="http://schemas.openxmlformats.org/markup-compatibility/2006">
+        <mc:Choice xmlns:v="urn:schemas-microsoft-com:vml" Requires="v">
+          <p:control spid="2074" name="TextBox1" r:id="rId2" imgW="2219400" imgH="380880"/>
+        </mc:Choice>
+        <mc:Fallback>
+          <p:control name="TextBox1" r:id="rId2" imgW="2219400" imgH="380880">
+            <p:pic>
+              <p:nvPicPr>
+                <p:cNvPr id="23" name="TextBox1">
+                  <a:extLst>
+                    <a:ext uri="{FF2B5EF4-FFF2-40B4-BE49-F238E27FC236}">
+                      <a16:creationId xmlns:a16="http://schemas.microsoft.com/office/drawing/2014/main" id="{52BECDD5-E5C8-4A8C-9737-6923CA5BF5D7}"/>
+                    </a:ext>
+                  </a:extLst>
+                </p:cNvPr>
+                <p:cNvPicPr>
+                  <a:picLocks/>
+                </p:cNvPicPr>
+                <p:nvPr/>
+              </p:nvPicPr>
+              <p:blipFill>
+                <a:blip r:embed="rId13"/>
+                <a:stretch>
+                  <a:fillRect/>
+                </a:stretch>
+              </p:blipFill>
+              <p:spPr>
+                <a:xfrm>
+                  <a:off x="4986335" y="2640980"/>
+                  <a:ext cx="2219325" cy="381525"/>
+                </a:xfrm>
+                <a:prstGeom prst="rect">
+                  <a:avLst/>
+                </a:prstGeom>
+              </p:spPr>
+            </p:pic>
+          </p:control>
+        </mc:Fallback>
+      </mc:AlternateContent>
+      <mc:AlternateContent xmlns:mc="http://schemas.openxmlformats.org/markup-compatibility/2006">
+        <mc:Choice xmlns:v="urn:schemas-microsoft-com:vml" Requires="v">
+          <p:control spid="2075" name="TextBox2" r:id="rId3" imgW="2219400" imgH="380880"/>
+        </mc:Choice>
+        <mc:Fallback>
+          <p:control name="TextBox2" r:id="rId3" imgW="2219400" imgH="380880">
+            <p:pic>
+              <p:nvPicPr>
+                <p:cNvPr id="25" name="TextBox2">
+                  <a:extLst>
+                    <a:ext uri="{FF2B5EF4-FFF2-40B4-BE49-F238E27FC236}">
+                      <a16:creationId xmlns:a16="http://schemas.microsoft.com/office/drawing/2014/main" id="{7A3A6309-D21F-4A9E-A4DA-210D969434EC}"/>
+                    </a:ext>
+                  </a:extLst>
+                </p:cNvPr>
+                <p:cNvPicPr>
+                  <a:picLocks/>
+                </p:cNvPicPr>
+                <p:nvPr/>
+              </p:nvPicPr>
+              <p:blipFill>
+                <a:blip r:embed="rId14"/>
+                <a:stretch>
+                  <a:fillRect/>
+                </a:stretch>
+              </p:blipFill>
+              <p:spPr>
+                <a:xfrm>
+                  <a:off x="4975856" y="3571908"/>
+                  <a:ext cx="2219325" cy="381525"/>
+                </a:xfrm>
+                <a:prstGeom prst="rect">
+                  <a:avLst/>
+                </a:prstGeom>
+              </p:spPr>
+            </p:pic>
+          </p:control>
+        </mc:Fallback>
+      </mc:AlternateContent>
+    </p:controls>
     <p:extLst>
       <p:ext uri="{BB962C8B-B14F-4D97-AF65-F5344CB8AC3E}">
         <p14:creationId xmlns:p14="http://schemas.microsoft.com/office/powerpoint/2010/main" val="2352001877"/>
